--- a/计算机基础知识/计算机基础/计算机基础知识_第4章.pptx
+++ b/计算机基础知识/计算机基础/计算机基础知识_第4章.pptx
@@ -12097,7 +12097,6 @@
           <a:p>
             <a:r>
               <a:rPr lang="zh-CN" altLang="zh-CN" sz="2800">
-                <a:ln/>
                 <a:solidFill>
                   <a:schemeClr val="accent1"/>
                 </a:solidFill>
@@ -12112,7 +12111,6 @@
               <a:t>小节练习</a:t>
             </a:r>
             <a:endParaRPr lang="zh-CN" altLang="zh-CN" sz="2800">
-              <a:ln/>
               <a:solidFill>
                 <a:schemeClr val="accent1"/>
               </a:solidFill>
@@ -13873,7 +13871,7 @@
         </p:nvSpPr>
         <p:spPr>
           <a:xfrm>
-            <a:off x="483870" y="1500505"/>
+            <a:off x="474345" y="1510030"/>
             <a:ext cx="10575290" cy="2021840"/>
           </a:xfrm>
           <a:prstGeom prst="roundRect">
@@ -16226,8 +16224,8 @@
         </p:nvSpPr>
         <p:spPr>
           <a:xfrm>
-            <a:off x="3974465" y="4324350"/>
-            <a:ext cx="3294380" cy="1198880"/>
+            <a:off x="3763645" y="4324350"/>
+            <a:ext cx="4056380" cy="1198880"/>
           </a:xfrm>
           <a:prstGeom prst="rect">
             <a:avLst/>
@@ -16360,7 +16358,7 @@
               <a:rPr lang="en-US" altLang="zh-CN">
                 <a:sym typeface="+mn-ea"/>
               </a:rPr>
-              <a:t> = 1*2</a:t>
+              <a:t> = 1*16</a:t>
             </a:r>
             <a:r>
               <a:rPr lang="en-US" altLang="zh-CN" baseline="30000">
@@ -16372,7 +16370,7 @@
               <a:rPr lang="en-US" altLang="zh-CN">
                 <a:sym typeface="+mn-ea"/>
               </a:rPr>
-              <a:t>+1*2</a:t>
+              <a:t>+0*16</a:t>
             </a:r>
             <a:r>
               <a:rPr lang="en-US" altLang="zh-CN" baseline="30000">
@@ -16384,7 +16382,7 @@
               <a:rPr lang="en-US" altLang="zh-CN">
                 <a:sym typeface="+mn-ea"/>
               </a:rPr>
-              <a:t>+0*2</a:t>
+              <a:t>+10*16</a:t>
             </a:r>
             <a:r>
               <a:rPr lang="en-US" altLang="zh-CN" baseline="30000">
@@ -16396,7 +16394,7 @@
               <a:rPr lang="en-US" altLang="zh-CN">
                 <a:sym typeface="+mn-ea"/>
               </a:rPr>
-              <a:t>+1*2</a:t>
+              <a:t>+12*16</a:t>
             </a:r>
             <a:r>
               <a:rPr lang="en-US" altLang="zh-CN" baseline="30000">

--- a/计算机基础知识/计算机基础/计算机基础知识_第4章.pptx
+++ b/计算机基础知识/计算机基础/计算机基础知识_第4章.pptx
@@ -5,6 +5,12 @@
     <p:sldMasterId id="2147483648" r:id="rId1"/>
     <p:sldMasterId id="2147483660" r:id="rId3"/>
   </p:sldMasterIdLst>
+  <p:notesMasterIdLst>
+    <p:notesMasterId r:id="rId26"/>
+  </p:notesMasterIdLst>
+  <p:handoutMasterIdLst>
+    <p:handoutMasterId r:id="rId27"/>
+  </p:handoutMasterIdLst>
   <p:sldIdLst>
     <p:sldId id="409" r:id="rId4"/>
     <p:sldId id="410" r:id="rId5"/>
@@ -13,15 +19,21 @@
     <p:sldId id="499" r:id="rId8"/>
     <p:sldId id="500" r:id="rId9"/>
     <p:sldId id="501" r:id="rId10"/>
-    <p:sldId id="439" r:id="rId11"/>
-    <p:sldId id="490" r:id="rId12"/>
-    <p:sldId id="497" r:id="rId13"/>
-    <p:sldId id="491" r:id="rId14"/>
-    <p:sldId id="492" r:id="rId15"/>
-    <p:sldId id="493" r:id="rId16"/>
-    <p:sldId id="494" r:id="rId17"/>
-    <p:sldId id="485" r:id="rId18"/>
-    <p:sldId id="487" r:id="rId19"/>
+    <p:sldId id="512" r:id="rId11"/>
+    <p:sldId id="439" r:id="rId12"/>
+    <p:sldId id="490" r:id="rId13"/>
+    <p:sldId id="497" r:id="rId14"/>
+    <p:sldId id="491" r:id="rId15"/>
+    <p:sldId id="492" r:id="rId16"/>
+    <p:sldId id="516" r:id="rId17"/>
+    <p:sldId id="493" r:id="rId18"/>
+    <p:sldId id="494" r:id="rId19"/>
+    <p:sldId id="515" r:id="rId20"/>
+    <p:sldId id="511" r:id="rId21"/>
+    <p:sldId id="514" r:id="rId22"/>
+    <p:sldId id="513" r:id="rId23"/>
+    <p:sldId id="485" r:id="rId24"/>
+    <p:sldId id="487" r:id="rId25"/>
   </p:sldIdLst>
   <p:sldSz cx="12192000" cy="6858000"/>
   <p:notesSz cx="6858000" cy="9144000"/>
@@ -121,6 +133,511 @@
     </a:lvl9pPr>
   </p:defaultTextStyle>
 </p:presentation>
+</file>
+
+<file path=ppt/handoutMasters/handoutMaster1.xml><?xml version="1.0" encoding="utf-8"?>
+<p:handoutMaster xmlns:a="http://schemas.openxmlformats.org/drawingml/2006/main" xmlns:r="http://schemas.openxmlformats.org/officeDocument/2006/relationships" xmlns:p="http://schemas.openxmlformats.org/presentationml/2006/main">
+  <p:cSld>
+    <p:bg>
+      <p:bgRef idx="1001">
+        <a:schemeClr val="bg1"/>
+      </p:bgRef>
+    </p:bg>
+    <p:spTree>
+      <p:nvGrpSpPr>
+        <p:cNvPr id="1" name=""/>
+        <p:cNvGrpSpPr/>
+        <p:nvPr/>
+      </p:nvGrpSpPr>
+      <p:grpSpPr>
+        <a:xfrm>
+          <a:off x="0" y="0"/>
+          <a:ext cx="0" cy="0"/>
+          <a:chOff x="0" y="0"/>
+          <a:chExt cx="0" cy="0"/>
+        </a:xfrm>
+      </p:grpSpPr>
+      <p:sp>
+        <p:nvSpPr>
+          <p:cNvPr id="2" name="页眉占位符 1"/>
+          <p:cNvSpPr>
+            <a:spLocks noGrp="1"/>
+          </p:cNvSpPr>
+          <p:nvPr>
+            <p:ph type="hdr" sz="quarter"/>
+          </p:nvPr>
+        </p:nvSpPr>
+        <p:spPr>
+          <a:xfrm>
+            <a:off x="0" y="0"/>
+            <a:ext cx="2971800" cy="458788"/>
+          </a:xfrm>
+          <a:prstGeom prst="rect">
+            <a:avLst/>
+          </a:prstGeom>
+        </p:spPr>
+        <p:txBody>
+          <a:bodyPr vert="horz" lIns="91440" tIns="45720" rIns="91440" bIns="45720" rtlCol="0"/>
+          <a:lstStyle>
+            <a:lvl1pPr algn="l">
+              <a:defRPr sz="1200"/>
+            </a:lvl1pPr>
+          </a:lstStyle>
+          <a:p>
+            <a:endParaRPr lang="zh-CN" altLang="en-US"/>
+          </a:p>
+        </p:txBody>
+      </p:sp>
+      <p:sp>
+        <p:nvSpPr>
+          <p:cNvPr id="3" name="日期占位符 2"/>
+          <p:cNvSpPr>
+            <a:spLocks noGrp="1"/>
+          </p:cNvSpPr>
+          <p:nvPr>
+            <p:ph type="dt" sz="quarter" idx="1"/>
+          </p:nvPr>
+        </p:nvSpPr>
+        <p:spPr>
+          <a:xfrm>
+            <a:off x="3884613" y="0"/>
+            <a:ext cx="2971800" cy="458788"/>
+          </a:xfrm>
+          <a:prstGeom prst="rect">
+            <a:avLst/>
+          </a:prstGeom>
+        </p:spPr>
+        <p:txBody>
+          <a:bodyPr vert="horz" lIns="91440" tIns="45720" rIns="91440" bIns="45720" rtlCol="0"/>
+          <a:lstStyle>
+            <a:lvl1pPr algn="r">
+              <a:defRPr sz="1200"/>
+            </a:lvl1pPr>
+          </a:lstStyle>
+          <a:p>
+            <a:fld id="{0F9B84EA-7D68-4D60-9CB1-D50884785D1C}" type="datetimeFigureOut">
+              <a:rPr lang="zh-CN" altLang="en-US" smtClean="0"/>
+            </a:fld>
+            <a:endParaRPr lang="zh-CN" altLang="en-US"/>
+          </a:p>
+        </p:txBody>
+      </p:sp>
+      <p:sp>
+        <p:nvSpPr>
+          <p:cNvPr id="4" name="页脚占位符 3"/>
+          <p:cNvSpPr>
+            <a:spLocks noGrp="1"/>
+          </p:cNvSpPr>
+          <p:nvPr>
+            <p:ph type="ftr" sz="quarter" idx="2"/>
+          </p:nvPr>
+        </p:nvSpPr>
+        <p:spPr>
+          <a:xfrm>
+            <a:off x="0" y="8685213"/>
+            <a:ext cx="2971800" cy="458787"/>
+          </a:xfrm>
+          <a:prstGeom prst="rect">
+            <a:avLst/>
+          </a:prstGeom>
+        </p:spPr>
+        <p:txBody>
+          <a:bodyPr vert="horz" lIns="91440" tIns="45720" rIns="91440" bIns="45720" rtlCol="0" anchor="b"/>
+          <a:lstStyle>
+            <a:lvl1pPr algn="l">
+              <a:defRPr sz="1200"/>
+            </a:lvl1pPr>
+          </a:lstStyle>
+          <a:p>
+            <a:endParaRPr lang="zh-CN" altLang="en-US"/>
+          </a:p>
+        </p:txBody>
+      </p:sp>
+      <p:sp>
+        <p:nvSpPr>
+          <p:cNvPr id="5" name="灯片编号占位符 4"/>
+          <p:cNvSpPr>
+            <a:spLocks noGrp="1"/>
+          </p:cNvSpPr>
+          <p:nvPr>
+            <p:ph type="sldNum" sz="quarter" idx="3"/>
+          </p:nvPr>
+        </p:nvSpPr>
+        <p:spPr>
+          <a:xfrm>
+            <a:off x="3884613" y="8685213"/>
+            <a:ext cx="2971800" cy="458787"/>
+          </a:xfrm>
+          <a:prstGeom prst="rect">
+            <a:avLst/>
+          </a:prstGeom>
+        </p:spPr>
+        <p:txBody>
+          <a:bodyPr vert="horz" lIns="91440" tIns="45720" rIns="91440" bIns="45720" rtlCol="0" anchor="b"/>
+          <a:lstStyle>
+            <a:lvl1pPr algn="r">
+              <a:defRPr sz="1200"/>
+            </a:lvl1pPr>
+          </a:lstStyle>
+          <a:p>
+            <a:fld id="{8D4E0FC9-F1F8-4FAE-9988-3BA365CFD46F}" type="slidenum">
+              <a:rPr lang="zh-CN" altLang="en-US" smtClean="0"/>
+            </a:fld>
+            <a:endParaRPr lang="zh-CN" altLang="en-US"/>
+          </a:p>
+        </p:txBody>
+      </p:sp>
+    </p:spTree>
+  </p:cSld>
+  <p:clrMap bg1="lt1" tx1="dk1" bg2="lt2" tx2="dk2" accent1="accent1" accent2="accent2" accent3="accent3" accent4="accent4" accent5="accent5" accent6="accent6" hlink="hlink" folHlink="folHlink"/>
+</p:handoutMaster>
+</file>
+
+<file path=ppt/notesMasters/notesMaster1.xml><?xml version="1.0" encoding="utf-8"?>
+<p:notesMaster xmlns:a="http://schemas.openxmlformats.org/drawingml/2006/main" xmlns:r="http://schemas.openxmlformats.org/officeDocument/2006/relationships" xmlns:p="http://schemas.openxmlformats.org/presentationml/2006/main">
+  <p:cSld>
+    <p:bg>
+      <p:bgRef idx="1001">
+        <a:schemeClr val="bg1"/>
+      </p:bgRef>
+    </p:bg>
+    <p:spTree>
+      <p:nvGrpSpPr>
+        <p:cNvPr id="1" name=""/>
+        <p:cNvGrpSpPr/>
+        <p:nvPr/>
+      </p:nvGrpSpPr>
+      <p:grpSpPr>
+        <a:xfrm>
+          <a:off x="0" y="0"/>
+          <a:ext cx="0" cy="0"/>
+          <a:chOff x="0" y="0"/>
+          <a:chExt cx="0" cy="0"/>
+        </a:xfrm>
+      </p:grpSpPr>
+      <p:sp>
+        <p:nvSpPr>
+          <p:cNvPr id="2" name="页眉占位符 1"/>
+          <p:cNvSpPr>
+            <a:spLocks noGrp="1"/>
+          </p:cNvSpPr>
+          <p:nvPr>
+            <p:ph type="hdr" sz="quarter"/>
+          </p:nvPr>
+        </p:nvSpPr>
+        <p:spPr>
+          <a:xfrm>
+            <a:off x="0" y="0"/>
+            <a:ext cx="2971800" cy="458788"/>
+          </a:xfrm>
+          <a:prstGeom prst="rect">
+            <a:avLst/>
+          </a:prstGeom>
+        </p:spPr>
+        <p:txBody>
+          <a:bodyPr vert="horz" lIns="91440" tIns="45720" rIns="91440" bIns="45720" rtlCol="0"/>
+          <a:lstStyle>
+            <a:lvl1pPr algn="l">
+              <a:defRPr sz="1200"/>
+            </a:lvl1pPr>
+          </a:lstStyle>
+          <a:p>
+            <a:endParaRPr lang="zh-CN" altLang="en-US"/>
+          </a:p>
+        </p:txBody>
+      </p:sp>
+      <p:sp>
+        <p:nvSpPr>
+          <p:cNvPr id="3" name="日期占位符 2"/>
+          <p:cNvSpPr>
+            <a:spLocks noGrp="1"/>
+          </p:cNvSpPr>
+          <p:nvPr>
+            <p:ph type="dt" idx="1"/>
+          </p:nvPr>
+        </p:nvSpPr>
+        <p:spPr>
+          <a:xfrm>
+            <a:off x="3884613" y="0"/>
+            <a:ext cx="2971800" cy="458788"/>
+          </a:xfrm>
+          <a:prstGeom prst="rect">
+            <a:avLst/>
+          </a:prstGeom>
+        </p:spPr>
+        <p:txBody>
+          <a:bodyPr vert="horz" lIns="91440" tIns="45720" rIns="91440" bIns="45720" rtlCol="0"/>
+          <a:lstStyle>
+            <a:lvl1pPr algn="r">
+              <a:defRPr sz="1200"/>
+            </a:lvl1pPr>
+          </a:lstStyle>
+          <a:p>
+            <a:fld id="{D2A48B96-639E-45A3-A0BA-2464DFDB1FAA}" type="datetimeFigureOut">
+              <a:rPr lang="zh-CN" altLang="en-US" smtClean="0"/>
+            </a:fld>
+            <a:endParaRPr lang="zh-CN" altLang="en-US"/>
+          </a:p>
+        </p:txBody>
+      </p:sp>
+      <p:sp>
+        <p:nvSpPr>
+          <p:cNvPr id="4" name="幻灯片图像占位符 3"/>
+          <p:cNvSpPr>
+            <a:spLocks noGrp="1" noRot="1" noChangeAspect="1"/>
+          </p:cNvSpPr>
+          <p:nvPr>
+            <p:ph type="sldImg" idx="2"/>
+          </p:nvPr>
+        </p:nvSpPr>
+        <p:spPr>
+          <a:xfrm>
+            <a:off x="685800" y="1143000"/>
+            <a:ext cx="5486400" cy="3086100"/>
+          </a:xfrm>
+          <a:prstGeom prst="rect">
+            <a:avLst/>
+          </a:prstGeom>
+          <a:noFill/>
+          <a:ln w="12700">
+            <a:solidFill>
+              <a:prstClr val="black"/>
+            </a:solidFill>
+          </a:ln>
+        </p:spPr>
+        <p:txBody>
+          <a:bodyPr vert="horz" lIns="91440" tIns="45720" rIns="91440" bIns="45720" rtlCol="0" anchor="ctr"/>
+          <a:lstStyle/>
+          <a:p>
+            <a:endParaRPr lang="zh-CN" altLang="en-US"/>
+          </a:p>
+        </p:txBody>
+      </p:sp>
+      <p:sp>
+        <p:nvSpPr>
+          <p:cNvPr id="5" name="备注占位符 4"/>
+          <p:cNvSpPr>
+            <a:spLocks noGrp="1"/>
+          </p:cNvSpPr>
+          <p:nvPr>
+            <p:ph type="body" sz="quarter" idx="3"/>
+          </p:nvPr>
+        </p:nvSpPr>
+        <p:spPr>
+          <a:xfrm>
+            <a:off x="685800" y="4400550"/>
+            <a:ext cx="5486400" cy="3600450"/>
+          </a:xfrm>
+          <a:prstGeom prst="rect">
+            <a:avLst/>
+          </a:prstGeom>
+        </p:spPr>
+        <p:txBody>
+          <a:bodyPr vert="horz" lIns="91440" tIns="45720" rIns="91440" bIns="45720" rtlCol="0"/>
+          <a:lstStyle/>
+          <a:p>
+            <a:pPr lvl="0"/>
+            <a:r>
+              <a:rPr lang="zh-CN" altLang="en-US" smtClean="0"/>
+              <a:t>单击此处编辑母版文本样式</a:t>
+            </a:r>
+            <a:endParaRPr lang="zh-CN" altLang="en-US" smtClean="0"/>
+          </a:p>
+          <a:p>
+            <a:pPr lvl="1"/>
+            <a:r>
+              <a:rPr lang="zh-CN" altLang="en-US" smtClean="0"/>
+              <a:t>第二级</a:t>
+            </a:r>
+            <a:endParaRPr lang="zh-CN" altLang="en-US" smtClean="0"/>
+          </a:p>
+          <a:p>
+            <a:pPr lvl="2"/>
+            <a:r>
+              <a:rPr lang="zh-CN" altLang="en-US" smtClean="0"/>
+              <a:t>第三级</a:t>
+            </a:r>
+            <a:endParaRPr lang="zh-CN" altLang="en-US" smtClean="0"/>
+          </a:p>
+          <a:p>
+            <a:pPr lvl="3"/>
+            <a:r>
+              <a:rPr lang="zh-CN" altLang="en-US" smtClean="0"/>
+              <a:t>第四级</a:t>
+            </a:r>
+            <a:endParaRPr lang="zh-CN" altLang="en-US" smtClean="0"/>
+          </a:p>
+          <a:p>
+            <a:pPr lvl="4"/>
+            <a:r>
+              <a:rPr lang="zh-CN" altLang="en-US" smtClean="0"/>
+              <a:t>第五级</a:t>
+            </a:r>
+            <a:endParaRPr lang="zh-CN" altLang="en-US"/>
+          </a:p>
+        </p:txBody>
+      </p:sp>
+      <p:sp>
+        <p:nvSpPr>
+          <p:cNvPr id="6" name="页脚占位符 5"/>
+          <p:cNvSpPr>
+            <a:spLocks noGrp="1"/>
+          </p:cNvSpPr>
+          <p:nvPr>
+            <p:ph type="ftr" sz="quarter" idx="4"/>
+          </p:nvPr>
+        </p:nvSpPr>
+        <p:spPr>
+          <a:xfrm>
+            <a:off x="0" y="8685213"/>
+            <a:ext cx="2971800" cy="458787"/>
+          </a:xfrm>
+          <a:prstGeom prst="rect">
+            <a:avLst/>
+          </a:prstGeom>
+        </p:spPr>
+        <p:txBody>
+          <a:bodyPr vert="horz" lIns="91440" tIns="45720" rIns="91440" bIns="45720" rtlCol="0" anchor="b"/>
+          <a:lstStyle>
+            <a:lvl1pPr algn="l">
+              <a:defRPr sz="1200"/>
+            </a:lvl1pPr>
+          </a:lstStyle>
+          <a:p>
+            <a:endParaRPr lang="zh-CN" altLang="en-US"/>
+          </a:p>
+        </p:txBody>
+      </p:sp>
+      <p:sp>
+        <p:nvSpPr>
+          <p:cNvPr id="7" name="灯片编号占位符 6"/>
+          <p:cNvSpPr>
+            <a:spLocks noGrp="1"/>
+          </p:cNvSpPr>
+          <p:nvPr>
+            <p:ph type="sldNum" sz="quarter" idx="5"/>
+          </p:nvPr>
+        </p:nvSpPr>
+        <p:spPr>
+          <a:xfrm>
+            <a:off x="3884613" y="8685213"/>
+            <a:ext cx="2971800" cy="458787"/>
+          </a:xfrm>
+          <a:prstGeom prst="rect">
+            <a:avLst/>
+          </a:prstGeom>
+        </p:spPr>
+        <p:txBody>
+          <a:bodyPr vert="horz" lIns="91440" tIns="45720" rIns="91440" bIns="45720" rtlCol="0" anchor="b"/>
+          <a:lstStyle>
+            <a:lvl1pPr algn="r">
+              <a:defRPr sz="1200"/>
+            </a:lvl1pPr>
+          </a:lstStyle>
+          <a:p>
+            <a:fld id="{A6837353-30EB-4A48-80EB-173D804AEFBD}" type="slidenum">
+              <a:rPr lang="zh-CN" altLang="en-US" smtClean="0"/>
+            </a:fld>
+            <a:endParaRPr lang="zh-CN" altLang="en-US"/>
+          </a:p>
+        </p:txBody>
+      </p:sp>
+    </p:spTree>
+  </p:cSld>
+  <p:clrMap bg1="lt1" tx1="dk1" bg2="lt2" tx2="dk2" accent1="accent1" accent2="accent2" accent3="accent3" accent4="accent4" accent5="accent5" accent6="accent6" hlink="hlink" folHlink="folHlink"/>
+  <p:notesStyle>
+    <a:lvl1pPr marL="0" algn="l" defTabSz="914400" rtl="0" eaLnBrk="1" latinLnBrk="0" hangingPunct="1">
+      <a:defRPr sz="1200" kern="1200">
+        <a:solidFill>
+          <a:schemeClr val="tx1"/>
+        </a:solidFill>
+        <a:latin typeface="+mn-lt"/>
+        <a:ea typeface="+mn-ea"/>
+        <a:cs typeface="+mn-cs"/>
+      </a:defRPr>
+    </a:lvl1pPr>
+    <a:lvl2pPr marL="457200" algn="l" defTabSz="914400" rtl="0" eaLnBrk="1" latinLnBrk="0" hangingPunct="1">
+      <a:defRPr sz="1200" kern="1200">
+        <a:solidFill>
+          <a:schemeClr val="tx1"/>
+        </a:solidFill>
+        <a:latin typeface="+mn-lt"/>
+        <a:ea typeface="+mn-ea"/>
+        <a:cs typeface="+mn-cs"/>
+      </a:defRPr>
+    </a:lvl2pPr>
+    <a:lvl3pPr marL="914400" algn="l" defTabSz="914400" rtl="0" eaLnBrk="1" latinLnBrk="0" hangingPunct="1">
+      <a:defRPr sz="1200" kern="1200">
+        <a:solidFill>
+          <a:schemeClr val="tx1"/>
+        </a:solidFill>
+        <a:latin typeface="+mn-lt"/>
+        <a:ea typeface="+mn-ea"/>
+        <a:cs typeface="+mn-cs"/>
+      </a:defRPr>
+    </a:lvl3pPr>
+    <a:lvl4pPr marL="1371600" algn="l" defTabSz="914400" rtl="0" eaLnBrk="1" latinLnBrk="0" hangingPunct="1">
+      <a:defRPr sz="1200" kern="1200">
+        <a:solidFill>
+          <a:schemeClr val="tx1"/>
+        </a:solidFill>
+        <a:latin typeface="+mn-lt"/>
+        <a:ea typeface="+mn-ea"/>
+        <a:cs typeface="+mn-cs"/>
+      </a:defRPr>
+    </a:lvl4pPr>
+    <a:lvl5pPr marL="1828800" algn="l" defTabSz="914400" rtl="0" eaLnBrk="1" latinLnBrk="0" hangingPunct="1">
+      <a:defRPr sz="1200" kern="1200">
+        <a:solidFill>
+          <a:schemeClr val="tx1"/>
+        </a:solidFill>
+        <a:latin typeface="+mn-lt"/>
+        <a:ea typeface="+mn-ea"/>
+        <a:cs typeface="+mn-cs"/>
+      </a:defRPr>
+    </a:lvl5pPr>
+    <a:lvl6pPr marL="2286000" algn="l" defTabSz="914400" rtl="0" eaLnBrk="1" latinLnBrk="0" hangingPunct="1">
+      <a:defRPr sz="1200" kern="1200">
+        <a:solidFill>
+          <a:schemeClr val="tx1"/>
+        </a:solidFill>
+        <a:latin typeface="+mn-lt"/>
+        <a:ea typeface="+mn-ea"/>
+        <a:cs typeface="+mn-cs"/>
+      </a:defRPr>
+    </a:lvl6pPr>
+    <a:lvl7pPr marL="2743200" algn="l" defTabSz="914400" rtl="0" eaLnBrk="1" latinLnBrk="0" hangingPunct="1">
+      <a:defRPr sz="1200" kern="1200">
+        <a:solidFill>
+          <a:schemeClr val="tx1"/>
+        </a:solidFill>
+        <a:latin typeface="+mn-lt"/>
+        <a:ea typeface="+mn-ea"/>
+        <a:cs typeface="+mn-cs"/>
+      </a:defRPr>
+    </a:lvl7pPr>
+    <a:lvl8pPr marL="3200400" algn="l" defTabSz="914400" rtl="0" eaLnBrk="1" latinLnBrk="0" hangingPunct="1">
+      <a:defRPr sz="1200" kern="1200">
+        <a:solidFill>
+          <a:schemeClr val="tx1"/>
+        </a:solidFill>
+        <a:latin typeface="+mn-lt"/>
+        <a:ea typeface="+mn-ea"/>
+        <a:cs typeface="+mn-cs"/>
+      </a:defRPr>
+    </a:lvl8pPr>
+    <a:lvl9pPr marL="3657600" algn="l" defTabSz="914400" rtl="0" eaLnBrk="1" latinLnBrk="0" hangingPunct="1">
+      <a:defRPr sz="1200" kern="1200">
+        <a:solidFill>
+          <a:schemeClr val="tx1"/>
+        </a:solidFill>
+        <a:latin typeface="+mn-lt"/>
+        <a:ea typeface="+mn-ea"/>
+        <a:cs typeface="+mn-cs"/>
+      </a:defRPr>
+    </a:lvl9pPr>
+  </p:notesStyle>
+</p:notesMaster>
 </file>
 
 <file path=ppt/slideLayouts/slideLayout1.xml><?xml version="1.0" encoding="utf-8"?>
@@ -12086,6 +12603,662 @@
         </p:nvSpPr>
         <p:spPr>
           <a:xfrm>
+            <a:off x="394335" y="531495"/>
+            <a:ext cx="9799320" cy="520700"/>
+          </a:xfrm>
+        </p:spPr>
+        <p:txBody>
+          <a:bodyPr/>
+          <a:p>
+            <a:pPr algn="l"/>
+            <a:r>
+              <a:rPr lang="en-US" altLang="zh-CN" sz="2000"/>
+              <a:t>2.1 </a:t>
+            </a:r>
+            <a:r>
+              <a:rPr lang="zh-CN" altLang="en-US" sz="2000">
+                <a:sym typeface="+mn-ea"/>
+              </a:rPr>
+              <a:t>西文字符（</a:t>
+            </a:r>
+            <a:r>
+              <a:rPr lang="en-US" altLang="zh-CN" sz="2000">
+                <a:sym typeface="+mn-ea"/>
+              </a:rPr>
+              <a:t>ASCII</a:t>
+            </a:r>
+            <a:r>
+              <a:rPr lang="zh-CN" altLang="en-US" sz="2000">
+                <a:sym typeface="+mn-ea"/>
+              </a:rPr>
+              <a:t>码）的大小比较</a:t>
+            </a:r>
+            <a:endParaRPr lang="zh-CN" altLang="en-US" sz="2000">
+              <a:sym typeface="+mn-ea"/>
+            </a:endParaRPr>
+          </a:p>
+        </p:txBody>
+      </p:sp>
+      <p:sp>
+        <p:nvSpPr>
+          <p:cNvPr id="4" name="文本框 3"/>
+          <p:cNvSpPr txBox="1"/>
+          <p:nvPr/>
+        </p:nvSpPr>
+        <p:spPr>
+          <a:xfrm>
+            <a:off x="606425" y="2472690"/>
+            <a:ext cx="2828925" cy="368300"/>
+          </a:xfrm>
+          <a:prstGeom prst="rect">
+            <a:avLst/>
+          </a:prstGeom>
+          <a:noFill/>
+        </p:spPr>
+        <p:txBody>
+          <a:bodyPr wrap="square" rtlCol="0" anchor="t">
+            <a:spAutoFit/>
+          </a:bodyPr>
+          <a:p>
+            <a:pPr indent="508000" fontAlgn="auto"/>
+            <a:r>
+              <a:rPr lang="en-US" altLang="zh-CN">
+                <a:sym typeface="+mn-ea"/>
+              </a:rPr>
+              <a:t>ASCII</a:t>
+            </a:r>
+            <a:r>
+              <a:rPr lang="zh-CN" altLang="en-US">
+                <a:sym typeface="+mn-ea"/>
+              </a:rPr>
+              <a:t>码从小到大为：</a:t>
+            </a:r>
+            <a:endParaRPr lang="zh-CN" altLang="en-US">
+              <a:solidFill>
+                <a:schemeClr val="accent6"/>
+              </a:solidFill>
+              <a:sym typeface="+mn-ea"/>
+            </a:endParaRPr>
+          </a:p>
+        </p:txBody>
+      </p:sp>
+      <p:sp>
+        <p:nvSpPr>
+          <p:cNvPr id="3" name="流程图: 可选过程 2"/>
+          <p:cNvSpPr/>
+          <p:nvPr/>
+        </p:nvSpPr>
+        <p:spPr>
+          <a:xfrm>
+            <a:off x="3529330" y="1783080"/>
+            <a:ext cx="7163435" cy="1747520"/>
+          </a:xfrm>
+          <a:prstGeom prst="flowChartAlternateProcess">
+            <a:avLst/>
+          </a:prstGeom>
+        </p:spPr>
+        <p:style>
+          <a:lnRef idx="1">
+            <a:schemeClr val="accent5"/>
+          </a:lnRef>
+          <a:fillRef idx="2">
+            <a:schemeClr val="accent5"/>
+          </a:fillRef>
+          <a:effectRef idx="1">
+            <a:schemeClr val="accent5"/>
+          </a:effectRef>
+          <a:fontRef idx="minor">
+            <a:schemeClr val="dk1"/>
+          </a:fontRef>
+        </p:style>
+        <p:txBody>
+          <a:bodyPr rtlCol="0" anchor="ctr"/>
+          <a:p>
+            <a:pPr algn="ctr"/>
+            <a:r>
+              <a:rPr lang="zh-CN" altLang="en-US">
+                <a:solidFill>
+                  <a:srgbClr val="002060"/>
+                </a:solidFill>
+                <a:sym typeface="+mn-ea"/>
+              </a:rPr>
+              <a:t>数字（</a:t>
+            </a:r>
+            <a:r>
+              <a:rPr lang="en-US" altLang="zh-CN">
+                <a:solidFill>
+                  <a:srgbClr val="002060"/>
+                </a:solidFill>
+                <a:sym typeface="+mn-ea"/>
+              </a:rPr>
+              <a:t>0~9</a:t>
+            </a:r>
+            <a:r>
+              <a:rPr lang="zh-CN" altLang="en-US">
+                <a:solidFill>
+                  <a:srgbClr val="002060"/>
+                </a:solidFill>
+                <a:sym typeface="+mn-ea"/>
+              </a:rPr>
+              <a:t>）</a:t>
+            </a:r>
+            <a:r>
+              <a:rPr lang="en-US" altLang="zh-CN">
+                <a:solidFill>
+                  <a:srgbClr val="002060"/>
+                </a:solidFill>
+                <a:sym typeface="+mn-ea"/>
+              </a:rPr>
+              <a:t>&lt;</a:t>
+            </a:r>
+            <a:r>
+              <a:rPr lang="zh-CN" altLang="en-US">
+                <a:solidFill>
+                  <a:srgbClr val="002060"/>
+                </a:solidFill>
+                <a:sym typeface="+mn-ea"/>
+              </a:rPr>
+              <a:t>大写字母（</a:t>
+            </a:r>
+            <a:r>
+              <a:rPr lang="en-US" altLang="zh-CN">
+                <a:solidFill>
+                  <a:srgbClr val="002060"/>
+                </a:solidFill>
+                <a:sym typeface="+mn-ea"/>
+              </a:rPr>
+              <a:t>A~Z</a:t>
+            </a:r>
+            <a:r>
+              <a:rPr lang="zh-CN" altLang="en-US">
+                <a:solidFill>
+                  <a:srgbClr val="002060"/>
+                </a:solidFill>
+                <a:sym typeface="+mn-ea"/>
+              </a:rPr>
+              <a:t>）</a:t>
+            </a:r>
+            <a:r>
+              <a:rPr lang="en-US" altLang="zh-CN">
+                <a:solidFill>
+                  <a:srgbClr val="002060"/>
+                </a:solidFill>
+                <a:sym typeface="+mn-ea"/>
+              </a:rPr>
+              <a:t>&lt;</a:t>
+            </a:r>
+            <a:r>
+              <a:rPr lang="zh-CN" altLang="en-US">
+                <a:solidFill>
+                  <a:srgbClr val="002060"/>
+                </a:solidFill>
+                <a:sym typeface="+mn-ea"/>
+              </a:rPr>
+              <a:t>小写字母（</a:t>
+            </a:r>
+            <a:r>
+              <a:rPr lang="en-US" altLang="zh-CN">
+                <a:solidFill>
+                  <a:srgbClr val="002060"/>
+                </a:solidFill>
+                <a:sym typeface="+mn-ea"/>
+              </a:rPr>
+              <a:t>a~z</a:t>
+            </a:r>
+            <a:r>
+              <a:rPr lang="zh-CN" altLang="en-US">
+                <a:solidFill>
+                  <a:srgbClr val="002060"/>
+                </a:solidFill>
+                <a:sym typeface="+mn-ea"/>
+              </a:rPr>
+              <a:t>）</a:t>
+            </a:r>
+            <a:endParaRPr lang="zh-CN" altLang="en-US">
+              <a:solidFill>
+                <a:srgbClr val="002060"/>
+              </a:solidFill>
+              <a:sym typeface="+mn-ea"/>
+            </a:endParaRPr>
+          </a:p>
+        </p:txBody>
+      </p:sp>
+      <p:sp>
+        <p:nvSpPr>
+          <p:cNvPr id="7" name="云形 6"/>
+          <p:cNvSpPr/>
+          <p:nvPr/>
+        </p:nvSpPr>
+        <p:spPr>
+          <a:xfrm>
+            <a:off x="2827655" y="3873500"/>
+            <a:ext cx="7173595" cy="2635250"/>
+          </a:xfrm>
+          <a:prstGeom prst="cloud">
+            <a:avLst/>
+          </a:prstGeom>
+        </p:spPr>
+        <p:style>
+          <a:lnRef idx="2">
+            <a:schemeClr val="accent1">
+              <a:shade val="50000"/>
+            </a:schemeClr>
+          </a:lnRef>
+          <a:fillRef idx="1">
+            <a:schemeClr val="accent1"/>
+          </a:fillRef>
+          <a:effectRef idx="0">
+            <a:schemeClr val="accent1"/>
+          </a:effectRef>
+          <a:fontRef idx="minor">
+            <a:schemeClr val="lt1"/>
+          </a:fontRef>
+        </p:style>
+        <p:txBody>
+          <a:bodyPr rtlCol="0" anchor="ctr"/>
+          <a:p>
+            <a:pPr algn="ctr"/>
+            <a:endParaRPr lang="zh-CN" altLang="en-US"/>
+          </a:p>
+        </p:txBody>
+      </p:sp>
+      <p:sp>
+        <p:nvSpPr>
+          <p:cNvPr id="8" name="文本框 7"/>
+          <p:cNvSpPr txBox="1"/>
+          <p:nvPr/>
+        </p:nvSpPr>
+        <p:spPr>
+          <a:xfrm>
+            <a:off x="4037330" y="4171315"/>
+            <a:ext cx="4565015" cy="2338070"/>
+          </a:xfrm>
+          <a:prstGeom prst="rect">
+            <a:avLst/>
+          </a:prstGeom>
+          <a:noFill/>
+        </p:spPr>
+        <p:txBody>
+          <a:bodyPr wrap="square" rtlCol="0">
+            <a:spAutoFit/>
+          </a:bodyPr>
+          <a:p>
+            <a:r>
+              <a:rPr lang="en-US" altLang="zh-CN" sz="2000" b="1"/>
+              <a:t>ASCII</a:t>
+            </a:r>
+            <a:r>
+              <a:rPr lang="zh-CN" altLang="en-US" sz="2000" b="1"/>
+              <a:t>码记忆技巧：</a:t>
+            </a:r>
+            <a:endParaRPr lang="zh-CN" altLang="en-US" sz="2000" b="1"/>
+          </a:p>
+          <a:p>
+            <a:pPr fontAlgn="auto">
+              <a:lnSpc>
+                <a:spcPct val="150000"/>
+              </a:lnSpc>
+            </a:pPr>
+            <a:r>
+              <a:rPr lang="zh-CN" altLang="en-US">
+                <a:solidFill>
+                  <a:srgbClr val="FFFF00"/>
+                </a:solidFill>
+              </a:rPr>
+              <a:t>数字记住</a:t>
+            </a:r>
+            <a:r>
+              <a:rPr lang="en-US" altLang="zh-CN">
+                <a:solidFill>
+                  <a:srgbClr val="FFFF00"/>
+                </a:solidFill>
+              </a:rPr>
+              <a:t>0</a:t>
+            </a:r>
+            <a:r>
+              <a:rPr lang="zh-CN" altLang="en-US">
+                <a:solidFill>
+                  <a:srgbClr val="FFFF00"/>
+                </a:solidFill>
+              </a:rPr>
+              <a:t>对应</a:t>
+            </a:r>
+            <a:r>
+              <a:rPr lang="en-US" altLang="zh-CN">
+                <a:solidFill>
+                  <a:srgbClr val="FFFF00"/>
+                </a:solidFill>
+              </a:rPr>
+              <a:t>48</a:t>
+            </a:r>
+            <a:r>
+              <a:rPr lang="zh-CN" altLang="en-US">
+                <a:solidFill>
+                  <a:srgbClr val="FFFF00"/>
+                </a:solidFill>
+              </a:rPr>
+              <a:t>，后面的累加；</a:t>
+            </a:r>
+            <a:endParaRPr lang="zh-CN" altLang="en-US">
+              <a:solidFill>
+                <a:srgbClr val="FFFF00"/>
+              </a:solidFill>
+            </a:endParaRPr>
+          </a:p>
+          <a:p>
+            <a:pPr fontAlgn="auto">
+              <a:lnSpc>
+                <a:spcPct val="150000"/>
+              </a:lnSpc>
+            </a:pPr>
+            <a:r>
+              <a:rPr lang="zh-CN" altLang="en-US">
+                <a:solidFill>
+                  <a:srgbClr val="FFFF00"/>
+                </a:solidFill>
+              </a:rPr>
+              <a:t>字母记住大写字母的</a:t>
+            </a:r>
+            <a:r>
+              <a:rPr lang="en-US" altLang="zh-CN">
+                <a:solidFill>
+                  <a:srgbClr val="FFFF00"/>
+                </a:solidFill>
+              </a:rPr>
+              <a:t>A</a:t>
+            </a:r>
+            <a:r>
+              <a:rPr lang="zh-CN" altLang="en-US">
+                <a:solidFill>
+                  <a:srgbClr val="FFFF00"/>
+                </a:solidFill>
+              </a:rPr>
+              <a:t>对应</a:t>
+            </a:r>
+            <a:r>
+              <a:rPr lang="en-US" altLang="zh-CN">
+                <a:solidFill>
+                  <a:srgbClr val="FFFF00"/>
+                </a:solidFill>
+              </a:rPr>
+              <a:t>65</a:t>
+            </a:r>
+            <a:r>
+              <a:rPr lang="zh-CN" altLang="en-US">
+                <a:solidFill>
+                  <a:srgbClr val="FFFF00"/>
+                </a:solidFill>
+              </a:rPr>
+              <a:t>，后面的累加，</a:t>
+            </a:r>
+            <a:endParaRPr lang="zh-CN" altLang="en-US">
+              <a:solidFill>
+                <a:srgbClr val="FFFF00"/>
+              </a:solidFill>
+            </a:endParaRPr>
+          </a:p>
+          <a:p>
+            <a:pPr fontAlgn="auto">
+              <a:lnSpc>
+                <a:spcPct val="150000"/>
+              </a:lnSpc>
+            </a:pPr>
+            <a:r>
+              <a:rPr lang="zh-CN" altLang="en-US">
+                <a:solidFill>
+                  <a:srgbClr val="FFFF00"/>
+                </a:solidFill>
+              </a:rPr>
+              <a:t>在 </a:t>
+            </a:r>
+            <a:r>
+              <a:rPr lang="en-US" altLang="zh-CN">
+                <a:solidFill>
+                  <a:srgbClr val="FFFF00"/>
+                </a:solidFill>
+              </a:rPr>
+              <a:t>A</a:t>
+            </a:r>
+            <a:r>
+              <a:rPr lang="zh-CN" altLang="en-US">
+                <a:solidFill>
+                  <a:srgbClr val="FFFF00"/>
+                </a:solidFill>
+              </a:rPr>
+              <a:t>的基础上加上</a:t>
+            </a:r>
+            <a:r>
+              <a:rPr lang="en-US" altLang="zh-CN">
+                <a:solidFill>
+                  <a:srgbClr val="FFFF00"/>
+                </a:solidFill>
+              </a:rPr>
+              <a:t>32</a:t>
+            </a:r>
+            <a:r>
+              <a:rPr lang="zh-CN" altLang="en-US">
+                <a:solidFill>
+                  <a:srgbClr val="FFFF00"/>
+                </a:solidFill>
+              </a:rPr>
+              <a:t>就对应</a:t>
+            </a:r>
+            <a:r>
+              <a:rPr lang="en-US" altLang="zh-CN">
+                <a:solidFill>
+                  <a:srgbClr val="FFFF00"/>
+                </a:solidFill>
+              </a:rPr>
+              <a:t>a</a:t>
+            </a:r>
+            <a:r>
+              <a:rPr lang="zh-CN" altLang="en-US">
+                <a:solidFill>
+                  <a:srgbClr val="FFFF00"/>
+                </a:solidFill>
+              </a:rPr>
+              <a:t>，以此类推</a:t>
+            </a:r>
+            <a:r>
+              <a:rPr lang="zh-CN" altLang="en-US">
+                <a:solidFill>
+                  <a:srgbClr val="FFFF00"/>
+                </a:solidFill>
+              </a:rPr>
+              <a:t>。</a:t>
+            </a:r>
+            <a:endParaRPr lang="zh-CN" altLang="en-US">
+              <a:solidFill>
+                <a:srgbClr val="FFFF00"/>
+              </a:solidFill>
+            </a:endParaRPr>
+          </a:p>
+          <a:p>
+            <a:pPr fontAlgn="auto">
+              <a:lnSpc>
+                <a:spcPct val="150000"/>
+              </a:lnSpc>
+            </a:pPr>
+            <a:r>
+              <a:rPr lang="zh-CN" altLang="en-US">
+                <a:solidFill>
+                  <a:srgbClr val="7030A0"/>
+                </a:solidFill>
+              </a:rPr>
+              <a:t>如：知道</a:t>
+            </a:r>
+            <a:r>
+              <a:rPr lang="en-US" altLang="zh-CN">
+                <a:solidFill>
+                  <a:srgbClr val="7030A0"/>
+                </a:solidFill>
+              </a:rPr>
+              <a:t>A=65 </a:t>
+            </a:r>
+            <a:r>
+              <a:rPr lang="zh-CN" altLang="en-US">
+                <a:solidFill>
+                  <a:srgbClr val="7030A0"/>
+                </a:solidFill>
+              </a:rPr>
+              <a:t>那么</a:t>
+            </a:r>
+            <a:r>
+              <a:rPr lang="en-US" altLang="zh-CN">
+                <a:solidFill>
+                  <a:srgbClr val="7030A0"/>
+                </a:solidFill>
+              </a:rPr>
+              <a:t>a=A+32=97</a:t>
+            </a:r>
+            <a:endParaRPr lang="zh-CN" altLang="en-US">
+              <a:solidFill>
+                <a:srgbClr val="7030A0"/>
+              </a:solidFill>
+            </a:endParaRPr>
+          </a:p>
+          <a:p>
+            <a:endParaRPr lang="zh-CN" altLang="en-US">
+              <a:solidFill>
+                <a:srgbClr val="7030A0"/>
+              </a:solidFill>
+            </a:endParaRPr>
+          </a:p>
+        </p:txBody>
+      </p:sp>
+    </p:spTree>
+    <p:custDataLst>
+      <p:tags r:id="rId2"/>
+    </p:custDataLst>
+  </p:cSld>
+  <p:clrMapOvr>
+    <a:masterClrMapping/>
+  </p:clrMapOvr>
+  <p:transition>
+    <p:random/>
+  </p:transition>
+  <p:timing>
+    <p:tnLst>
+      <p:par>
+        <p:cTn id="1" dur="indefinite" restart="never" nodeType="tmRoot">
+          <p:childTnLst>
+            <p:seq concurrent="1" nextAc="seek">
+              <p:cTn id="2" dur="indefinite" nodeType="mainSeq">
+                <p:childTnLst>
+                  <p:par>
+                    <p:cTn id="3" fill="hold">
+                      <p:stCondLst>
+                        <p:cond delay="indefinite"/>
+                      </p:stCondLst>
+                      <p:childTnLst>
+                        <p:par>
+                          <p:cTn id="4" fill="hold">
+                            <p:stCondLst>
+                              <p:cond delay="0"/>
+                            </p:stCondLst>
+                            <p:childTnLst>
+                              <p:par>
+                                <p:cTn id="5" presetID="3" presetClass="entr" presetSubtype="10" fill="hold" grpId="0" nodeType="clickEffect">
+                                  <p:stCondLst>
+                                    <p:cond delay="0"/>
+                                  </p:stCondLst>
+                                  <p:childTnLst>
+                                    <p:set>
+                                      <p:cBhvr>
+                                        <p:cTn id="6" dur="1" fill="hold">
+                                          <p:stCondLst>
+                                            <p:cond delay="0"/>
+                                          </p:stCondLst>
+                                        </p:cTn>
+                                        <p:tgtEl>
+                                          <p:spTgt spid="7"/>
+                                        </p:tgtEl>
+                                        <p:attrNameLst>
+                                          <p:attrName>style.visibility</p:attrName>
+                                        </p:attrNameLst>
+                                      </p:cBhvr>
+                                      <p:to>
+                                        <p:strVal val="visible"/>
+                                      </p:to>
+                                    </p:set>
+                                    <p:animEffect transition="in" filter="blinds(horizontal)">
+                                      <p:cBhvr>
+                                        <p:cTn id="7" dur="500"/>
+                                        <p:tgtEl>
+                                          <p:spTgt spid="7"/>
+                                        </p:tgtEl>
+                                      </p:cBhvr>
+                                    </p:animEffect>
+                                  </p:childTnLst>
+                                </p:cTn>
+                              </p:par>
+                            </p:childTnLst>
+                          </p:cTn>
+                        </p:par>
+                      </p:childTnLst>
+                    </p:cTn>
+                  </p:par>
+                </p:childTnLst>
+              </p:cTn>
+              <p:prevCondLst>
+                <p:cond evt="onPrev" delay="0">
+                  <p:tgtEl>
+                    <p:sldTgt/>
+                  </p:tgtEl>
+                </p:cond>
+              </p:prevCondLst>
+              <p:nextCondLst>
+                <p:cond evt="onNext" delay="0">
+                  <p:tgtEl>
+                    <p:sldTgt/>
+                  </p:tgtEl>
+                </p:cond>
+              </p:nextCondLst>
+            </p:seq>
+          </p:childTnLst>
+        </p:cTn>
+      </p:par>
+    </p:tnLst>
+    <p:bldLst>
+      <p:bldP spid="7" grpId="0" animBg="1"/>
+      <p:bldP spid="7" grpId="1" animBg="1"/>
+    </p:bldLst>
+  </p:timing>
+</p:sld>
+</file>
+
+<file path=ppt/slides/slide11.xml><?xml version="1.0" encoding="utf-8"?>
+<p:sld xmlns:a="http://schemas.openxmlformats.org/drawingml/2006/main" xmlns:r="http://schemas.openxmlformats.org/officeDocument/2006/relationships" xmlns:p="http://schemas.openxmlformats.org/presentationml/2006/main">
+  <p:cSld>
+    <p:spTree>
+      <p:nvGrpSpPr>
+        <p:cNvPr id="1" name=""/>
+        <p:cNvGrpSpPr/>
+        <p:nvPr/>
+      </p:nvGrpSpPr>
+      <p:grpSpPr>
+        <a:xfrm>
+          <a:off x="0" y="0"/>
+          <a:ext cx="0" cy="0"/>
+          <a:chOff x="0" y="0"/>
+          <a:chExt cx="0" cy="0"/>
+        </a:xfrm>
+      </p:grpSpPr>
+      <p:sp>
+        <p:nvSpPr>
+          <p:cNvPr id="2" name="标题 1"/>
+          <p:cNvSpPr>
+            <a:spLocks noGrp="1"/>
+          </p:cNvSpPr>
+          <p:nvPr>
+            <p:ph type="ctrTitle"/>
+            <p:custDataLst>
+              <p:tags r:id="rId1"/>
+            </p:custDataLst>
+          </p:nvPr>
+        </p:nvSpPr>
+        <p:spPr>
+          <a:xfrm>
             <a:off x="1198880" y="350520"/>
             <a:ext cx="9799320" cy="485140"/>
           </a:xfrm>
@@ -12784,7 +13957,7 @@
 </p:sld>
 </file>
 
-<file path=ppt/slides/slide11.xml><?xml version="1.0" encoding="utf-8"?>
+<file path=ppt/slides/slide12.xml><?xml version="1.0" encoding="utf-8"?>
 <p:sld xmlns:a="http://schemas.openxmlformats.org/drawingml/2006/main" xmlns:r="http://schemas.openxmlformats.org/officeDocument/2006/relationships" xmlns:p="http://schemas.openxmlformats.org/presentationml/2006/main">
   <p:cSld>
     <p:spTree>
@@ -13567,7 +14740,7 @@
 </p:sld>
 </file>
 
-<file path=ppt/slides/slide12.xml><?xml version="1.0" encoding="utf-8"?>
+<file path=ppt/slides/slide13.xml><?xml version="1.0" encoding="utf-8"?>
 <p:sld xmlns:a="http://schemas.openxmlformats.org/drawingml/2006/main" xmlns:r="http://schemas.openxmlformats.org/officeDocument/2006/relationships" xmlns:p="http://schemas.openxmlformats.org/presentationml/2006/main">
   <p:cSld>
     <p:spTree>
@@ -13805,7 +14978,927 @@
 </p:sld>
 </file>
 
-<file path=ppt/slides/slide13.xml><?xml version="1.0" encoding="utf-8"?>
+<file path=ppt/slides/slide14.xml><?xml version="1.0" encoding="utf-8"?>
+<p:sld xmlns:a="http://schemas.openxmlformats.org/drawingml/2006/main" xmlns:r="http://schemas.openxmlformats.org/officeDocument/2006/relationships" xmlns:p="http://schemas.openxmlformats.org/presentationml/2006/main">
+  <p:cSld>
+    <p:spTree>
+      <p:nvGrpSpPr>
+        <p:cNvPr id="1" name=""/>
+        <p:cNvGrpSpPr/>
+        <p:nvPr/>
+      </p:nvGrpSpPr>
+      <p:grpSpPr>
+        <a:xfrm>
+          <a:off x="0" y="0"/>
+          <a:ext cx="0" cy="0"/>
+          <a:chOff x="0" y="0"/>
+          <a:chExt cx="0" cy="0"/>
+        </a:xfrm>
+      </p:grpSpPr>
+      <p:sp>
+        <p:nvSpPr>
+          <p:cNvPr id="2" name="标题 1"/>
+          <p:cNvSpPr>
+            <a:spLocks noGrp="1"/>
+          </p:cNvSpPr>
+          <p:nvPr>
+            <p:ph type="ctrTitle"/>
+            <p:custDataLst>
+              <p:tags r:id="rId1"/>
+            </p:custDataLst>
+          </p:nvPr>
+        </p:nvSpPr>
+        <p:spPr>
+          <a:xfrm>
+            <a:off x="1198880" y="360680"/>
+            <a:ext cx="9799320" cy="671830"/>
+          </a:xfrm>
+        </p:spPr>
+        <p:txBody>
+          <a:bodyPr>
+            <a:normAutofit/>
+            <a:scene3d>
+              <a:camera prst="orthographicFront"/>
+              <a:lightRig rig="threePt" dir="t"/>
+            </a:scene3d>
+          </a:bodyPr>
+          <a:p>
+            <a:r>
+              <a:rPr lang="zh-CN" altLang="zh-CN" sz="3110">
+                <a:solidFill>
+                  <a:schemeClr val="accent1"/>
+                </a:solidFill>
+                <a:effectLst>
+                  <a:outerShdw blurRad="38100" dist="25400" dir="5400000" algn="ctr" rotWithShape="0">
+                    <a:srgbClr val="6E747A">
+                      <a:alpha val="43000"/>
+                    </a:srgbClr>
+                  </a:outerShdw>
+                </a:effectLst>
+              </a:rPr>
+              <a:t>章节练习</a:t>
+            </a:r>
+            <a:endParaRPr lang="zh-CN" altLang="zh-CN" sz="3110">
+              <a:solidFill>
+                <a:schemeClr val="accent1"/>
+              </a:solidFill>
+              <a:effectLst>
+                <a:outerShdw blurRad="38100" dist="25400" dir="5400000" algn="ctr" rotWithShape="0">
+                  <a:srgbClr val="6E747A">
+                    <a:alpha val="43000"/>
+                  </a:srgbClr>
+                </a:outerShdw>
+              </a:effectLst>
+            </a:endParaRPr>
+          </a:p>
+        </p:txBody>
+      </p:sp>
+      <p:sp>
+        <p:nvSpPr>
+          <p:cNvPr id="4" name="文本框 3"/>
+          <p:cNvSpPr txBox="1"/>
+          <p:nvPr/>
+        </p:nvSpPr>
+        <p:spPr>
+          <a:xfrm>
+            <a:off x="1009650" y="1118235"/>
+            <a:ext cx="8571230" cy="1476375"/>
+          </a:xfrm>
+          <a:prstGeom prst="rect">
+            <a:avLst/>
+          </a:prstGeom>
+          <a:noFill/>
+        </p:spPr>
+        <p:txBody>
+          <a:bodyPr wrap="square" rtlCol="0" anchor="t">
+            <a:spAutoFit/>
+          </a:bodyPr>
+          <a:p>
+            <a:r>
+              <a:rPr lang="en-US"/>
+              <a:t>1</a:t>
+            </a:r>
+            <a:r>
+              <a:t>.根据国标GB2312—80的规定，总计有各类符号和一、二级汉字编码</a:t>
+            </a:r>
+          </a:p>
+          <a:p>
+            <a:r>
+              <a:t>A)7145个</a:t>
+            </a:r>
+          </a:p>
+          <a:p>
+            <a:r>
+              <a:t>B)7445个</a:t>
+            </a:r>
+          </a:p>
+          <a:p>
+            <a:r>
+              <a:t>C)3008个</a:t>
+            </a:r>
+          </a:p>
+          <a:p>
+            <a:r>
+              <a:t>D)3755个</a:t>
+            </a:r>
+          </a:p>
+        </p:txBody>
+      </p:sp>
+      <p:sp>
+        <p:nvSpPr>
+          <p:cNvPr id="5" name="文本框 4"/>
+          <p:cNvSpPr txBox="1"/>
+          <p:nvPr/>
+        </p:nvSpPr>
+        <p:spPr>
+          <a:xfrm>
+            <a:off x="8424545" y="1118235"/>
+            <a:ext cx="335280" cy="368300"/>
+          </a:xfrm>
+          <a:prstGeom prst="rect">
+            <a:avLst/>
+          </a:prstGeom>
+          <a:noFill/>
+        </p:spPr>
+        <p:txBody>
+          <a:bodyPr wrap="none" rtlCol="0">
+            <a:spAutoFit/>
+          </a:bodyPr>
+          <a:p>
+            <a:r>
+              <a:rPr lang="en-US" altLang="zh-CN">
+                <a:solidFill>
+                  <a:schemeClr val="accent6">
+                    <a:lumMod val="50000"/>
+                  </a:schemeClr>
+                </a:solidFill>
+              </a:rPr>
+              <a:t>B</a:t>
+            </a:r>
+            <a:endParaRPr lang="en-US" altLang="zh-CN">
+              <a:solidFill>
+                <a:schemeClr val="accent6">
+                  <a:lumMod val="50000"/>
+                </a:schemeClr>
+              </a:solidFill>
+            </a:endParaRPr>
+          </a:p>
+        </p:txBody>
+      </p:sp>
+      <p:sp>
+        <p:nvSpPr>
+          <p:cNvPr id="6" name="文本框 5"/>
+          <p:cNvSpPr txBox="1"/>
+          <p:nvPr/>
+        </p:nvSpPr>
+        <p:spPr>
+          <a:xfrm>
+            <a:off x="1009650" y="2868930"/>
+            <a:ext cx="5456555" cy="1476375"/>
+          </a:xfrm>
+          <a:prstGeom prst="rect">
+            <a:avLst/>
+          </a:prstGeom>
+          <a:noFill/>
+        </p:spPr>
+        <p:txBody>
+          <a:bodyPr wrap="square" rtlCol="0" anchor="t">
+            <a:spAutoFit/>
+          </a:bodyPr>
+          <a:p>
+            <a:r>
+              <a:rPr lang="en-US" altLang="zh-CN"/>
+              <a:t>2.</a:t>
+            </a:r>
+            <a:r>
+              <a:rPr>
+                <a:sym typeface="+mn-ea"/>
+              </a:rPr>
+              <a:t>汉字国标码(GB2312-80)把汉字分成</a:t>
+            </a:r>
+            <a:endParaRPr>
+              <a:sym typeface="+mn-ea"/>
+            </a:endParaRPr>
+          </a:p>
+          <a:p>
+            <a:r>
+              <a:rPr>
+                <a:sym typeface="+mn-ea"/>
+              </a:rPr>
+              <a:t>A)简化字和繁体字两个等级</a:t>
+            </a:r>
+            <a:endParaRPr>
+              <a:sym typeface="+mn-ea"/>
+            </a:endParaRPr>
+          </a:p>
+          <a:p>
+            <a:r>
+              <a:rPr>
+                <a:sym typeface="+mn-ea"/>
+              </a:rPr>
+              <a:t>B)一级汉字，二级汉字和三级汉字三个等级</a:t>
+            </a:r>
+            <a:endParaRPr>
+              <a:sym typeface="+mn-ea"/>
+            </a:endParaRPr>
+          </a:p>
+          <a:p>
+            <a:r>
+              <a:rPr>
+                <a:sym typeface="+mn-ea"/>
+              </a:rPr>
+              <a:t>C)一级常用汉字，二级次常用汉字两个等级</a:t>
+            </a:r>
+            <a:endParaRPr>
+              <a:sym typeface="+mn-ea"/>
+            </a:endParaRPr>
+          </a:p>
+          <a:p>
+            <a:r>
+              <a:rPr>
+                <a:sym typeface="+mn-ea"/>
+              </a:rPr>
+              <a:t>D)常用字，次常用字，罕见字三个等级</a:t>
+            </a:r>
+            <a:endParaRPr>
+              <a:sym typeface="+mn-ea"/>
+            </a:endParaRPr>
+          </a:p>
+        </p:txBody>
+      </p:sp>
+      <p:sp>
+        <p:nvSpPr>
+          <p:cNvPr id="7" name="文本框 6"/>
+          <p:cNvSpPr txBox="1"/>
+          <p:nvPr/>
+        </p:nvSpPr>
+        <p:spPr>
+          <a:xfrm>
+            <a:off x="5121275" y="2927985"/>
+            <a:ext cx="347980" cy="368300"/>
+          </a:xfrm>
+          <a:prstGeom prst="rect">
+            <a:avLst/>
+          </a:prstGeom>
+          <a:noFill/>
+        </p:spPr>
+        <p:txBody>
+          <a:bodyPr wrap="none" rtlCol="0">
+            <a:spAutoFit/>
+          </a:bodyPr>
+          <a:p>
+            <a:r>
+              <a:rPr lang="en-US" altLang="zh-CN">
+                <a:solidFill>
+                  <a:schemeClr val="accent6">
+                    <a:lumMod val="50000"/>
+                  </a:schemeClr>
+                </a:solidFill>
+              </a:rPr>
+              <a:t>C</a:t>
+            </a:r>
+            <a:endParaRPr lang="en-US" altLang="zh-CN">
+              <a:solidFill>
+                <a:schemeClr val="accent6">
+                  <a:lumMod val="50000"/>
+                </a:schemeClr>
+              </a:solidFill>
+            </a:endParaRPr>
+          </a:p>
+        </p:txBody>
+      </p:sp>
+      <p:sp>
+        <p:nvSpPr>
+          <p:cNvPr id="8" name="文本框 7"/>
+          <p:cNvSpPr txBox="1"/>
+          <p:nvPr/>
+        </p:nvSpPr>
+        <p:spPr>
+          <a:xfrm>
+            <a:off x="1009650" y="4480560"/>
+            <a:ext cx="8947150" cy="1476375"/>
+          </a:xfrm>
+          <a:prstGeom prst="rect">
+            <a:avLst/>
+          </a:prstGeom>
+          <a:noFill/>
+        </p:spPr>
+        <p:txBody>
+          <a:bodyPr wrap="square" rtlCol="0" anchor="t">
+            <a:spAutoFit/>
+          </a:bodyPr>
+          <a:p>
+            <a:r>
+              <a:rPr lang="en-US" altLang="zh-CN"/>
+              <a:t>3.</a:t>
+            </a:r>
+            <a:r>
+              <a:rPr lang="zh-CN" altLang="en-US"/>
+              <a:t>王码五笔字型输入法属于</a:t>
+            </a:r>
+            <a:endParaRPr lang="zh-CN" altLang="en-US"/>
+          </a:p>
+          <a:p>
+            <a:r>
+              <a:rPr lang="zh-CN" altLang="en-US"/>
+              <a:t>A)音码输入法</a:t>
+            </a:r>
+            <a:endParaRPr lang="zh-CN" altLang="en-US"/>
+          </a:p>
+          <a:p>
+            <a:r>
+              <a:rPr lang="zh-CN" altLang="en-US"/>
+              <a:t>B)形码输入法</a:t>
+            </a:r>
+            <a:endParaRPr lang="zh-CN" altLang="en-US"/>
+          </a:p>
+          <a:p>
+            <a:r>
+              <a:rPr lang="zh-CN" altLang="en-US"/>
+              <a:t>C)音形结合的输入法</a:t>
+            </a:r>
+            <a:endParaRPr lang="zh-CN" altLang="en-US"/>
+          </a:p>
+          <a:p>
+            <a:r>
+              <a:rPr lang="zh-CN" altLang="en-US"/>
+              <a:t>D)联想输入法</a:t>
+            </a:r>
+            <a:endParaRPr lang="zh-CN" altLang="en-US"/>
+          </a:p>
+        </p:txBody>
+      </p:sp>
+      <p:sp>
+        <p:nvSpPr>
+          <p:cNvPr id="9" name="文本框 8"/>
+          <p:cNvSpPr txBox="1"/>
+          <p:nvPr/>
+        </p:nvSpPr>
+        <p:spPr>
+          <a:xfrm>
+            <a:off x="3855720" y="4480560"/>
+            <a:ext cx="335280" cy="368300"/>
+          </a:xfrm>
+          <a:prstGeom prst="rect">
+            <a:avLst/>
+          </a:prstGeom>
+          <a:noFill/>
+        </p:spPr>
+        <p:txBody>
+          <a:bodyPr wrap="none" rtlCol="0">
+            <a:spAutoFit/>
+          </a:bodyPr>
+          <a:p>
+            <a:r>
+              <a:rPr lang="en-US" altLang="zh-CN">
+                <a:solidFill>
+                  <a:schemeClr val="accent6">
+                    <a:lumMod val="50000"/>
+                  </a:schemeClr>
+                </a:solidFill>
+              </a:rPr>
+              <a:t>B</a:t>
+            </a:r>
+            <a:endParaRPr lang="en-US" altLang="zh-CN">
+              <a:solidFill>
+                <a:schemeClr val="accent6">
+                  <a:lumMod val="50000"/>
+                </a:schemeClr>
+              </a:solidFill>
+            </a:endParaRPr>
+          </a:p>
+        </p:txBody>
+      </p:sp>
+      <p:sp>
+        <p:nvSpPr>
+          <p:cNvPr id="3" name="文本框 2"/>
+          <p:cNvSpPr txBox="1"/>
+          <p:nvPr/>
+        </p:nvSpPr>
+        <p:spPr>
+          <a:xfrm>
+            <a:off x="6139815" y="2691130"/>
+            <a:ext cx="5387975" cy="1753235"/>
+          </a:xfrm>
+          <a:prstGeom prst="rect">
+            <a:avLst/>
+          </a:prstGeom>
+          <a:noFill/>
+        </p:spPr>
+        <p:txBody>
+          <a:bodyPr wrap="square" rtlCol="0" anchor="t">
+            <a:spAutoFit/>
+          </a:bodyPr>
+          <a:p>
+            <a:r>
+              <a:rPr lang="en-US" altLang="zh-CN"/>
+              <a:t>4.</a:t>
+            </a:r>
+            <a:r>
+              <a:rPr lang="zh-CN" altLang="en-US"/>
+              <a:t>汉字国标码(GB2312一80)把汉字分成2个等级。其中一级常用汉字的排列顺序是按</a:t>
+            </a:r>
+            <a:endParaRPr lang="zh-CN" altLang="en-US"/>
+          </a:p>
+          <a:p>
+            <a:r>
+              <a:rPr lang="zh-CN" altLang="en-US"/>
+              <a:t>A)汉语拼音字母顺序</a:t>
+            </a:r>
+            <a:endParaRPr lang="zh-CN" altLang="en-US"/>
+          </a:p>
+          <a:p>
+            <a:r>
+              <a:rPr lang="zh-CN" altLang="en-US"/>
+              <a:t>B)偏旁部首</a:t>
+            </a:r>
+            <a:endParaRPr lang="zh-CN" altLang="en-US"/>
+          </a:p>
+          <a:p>
+            <a:r>
+              <a:rPr lang="zh-CN" altLang="en-US"/>
+              <a:t>C笔划多少</a:t>
+            </a:r>
+            <a:endParaRPr lang="zh-CN" altLang="en-US"/>
+          </a:p>
+          <a:p>
+            <a:r>
+              <a:rPr lang="zh-CN" altLang="en-US"/>
+              <a:t>D)以上都不对</a:t>
+            </a:r>
+            <a:endParaRPr lang="zh-CN" altLang="en-US"/>
+          </a:p>
+        </p:txBody>
+      </p:sp>
+      <p:sp>
+        <p:nvSpPr>
+          <p:cNvPr id="10" name="文本框 9"/>
+          <p:cNvSpPr txBox="1"/>
+          <p:nvPr/>
+        </p:nvSpPr>
+        <p:spPr>
+          <a:xfrm>
+            <a:off x="9836150" y="3035300"/>
+            <a:ext cx="335280" cy="368300"/>
+          </a:xfrm>
+          <a:prstGeom prst="rect">
+            <a:avLst/>
+          </a:prstGeom>
+          <a:noFill/>
+        </p:spPr>
+        <p:txBody>
+          <a:bodyPr wrap="none" rtlCol="0">
+            <a:spAutoFit/>
+          </a:bodyPr>
+          <a:p>
+            <a:r>
+              <a:rPr lang="en-US" altLang="zh-CN">
+                <a:solidFill>
+                  <a:schemeClr val="accent6">
+                    <a:lumMod val="50000"/>
+                  </a:schemeClr>
+                </a:solidFill>
+              </a:rPr>
+              <a:t>A</a:t>
+            </a:r>
+            <a:endParaRPr lang="en-US" altLang="zh-CN">
+              <a:solidFill>
+                <a:schemeClr val="accent6">
+                  <a:lumMod val="50000"/>
+                </a:schemeClr>
+              </a:solidFill>
+            </a:endParaRPr>
+          </a:p>
+        </p:txBody>
+      </p:sp>
+    </p:spTree>
+    <p:custDataLst>
+      <p:tags r:id="rId2"/>
+    </p:custDataLst>
+  </p:cSld>
+  <p:clrMapOvr>
+    <a:masterClrMapping/>
+  </p:clrMapOvr>
+  <p:transition>
+    <p:random/>
+  </p:transition>
+  <p:timing>
+    <p:tnLst>
+      <p:par>
+        <p:cTn id="1" dur="indefinite" restart="never" nodeType="tmRoot">
+          <p:childTnLst>
+            <p:seq concurrent="1" nextAc="seek">
+              <p:cTn id="2" dur="indefinite" nodeType="mainSeq">
+                <p:childTnLst>
+                  <p:par>
+                    <p:cTn id="3" fill="hold">
+                      <p:stCondLst>
+                        <p:cond delay="indefinite"/>
+                      </p:stCondLst>
+                      <p:childTnLst>
+                        <p:par>
+                          <p:cTn id="4" fill="hold">
+                            <p:stCondLst>
+                              <p:cond delay="0"/>
+                            </p:stCondLst>
+                            <p:childTnLst>
+                              <p:par>
+                                <p:cTn id="5" presetID="16" presetClass="entr" presetSubtype="21" fill="hold" grpId="0" nodeType="clickEffect">
+                                  <p:stCondLst>
+                                    <p:cond delay="0"/>
+                                  </p:stCondLst>
+                                  <p:childTnLst>
+                                    <p:set>
+                                      <p:cBhvr>
+                                        <p:cTn id="6" dur="1" fill="hold">
+                                          <p:stCondLst>
+                                            <p:cond delay="0"/>
+                                          </p:stCondLst>
+                                        </p:cTn>
+                                        <p:tgtEl>
+                                          <p:spTgt spid="5"/>
+                                        </p:tgtEl>
+                                        <p:attrNameLst>
+                                          <p:attrName>style.visibility</p:attrName>
+                                        </p:attrNameLst>
+                                      </p:cBhvr>
+                                      <p:to>
+                                        <p:strVal val="visible"/>
+                                      </p:to>
+                                    </p:set>
+                                    <p:animEffect transition="in" filter="barn(inVertical)">
+                                      <p:cBhvr>
+                                        <p:cTn id="7" dur="500"/>
+                                        <p:tgtEl>
+                                          <p:spTgt spid="5"/>
+                                        </p:tgtEl>
+                                      </p:cBhvr>
+                                    </p:animEffect>
+                                  </p:childTnLst>
+                                </p:cTn>
+                              </p:par>
+                            </p:childTnLst>
+                          </p:cTn>
+                        </p:par>
+                      </p:childTnLst>
+                    </p:cTn>
+                  </p:par>
+                  <p:par>
+                    <p:cTn id="8" fill="hold">
+                      <p:stCondLst>
+                        <p:cond delay="indefinite"/>
+                      </p:stCondLst>
+                      <p:childTnLst>
+                        <p:par>
+                          <p:cTn id="9" fill="hold">
+                            <p:stCondLst>
+                              <p:cond delay="0"/>
+                            </p:stCondLst>
+                            <p:childTnLst>
+                              <p:par>
+                                <p:cTn id="10" presetID="5" presetClass="entr" presetSubtype="10" fill="hold" grpId="0" nodeType="clickEffect">
+                                  <p:stCondLst>
+                                    <p:cond delay="0"/>
+                                  </p:stCondLst>
+                                  <p:childTnLst>
+                                    <p:set>
+                                      <p:cBhvr>
+                                        <p:cTn id="11" dur="1" fill="hold">
+                                          <p:stCondLst>
+                                            <p:cond delay="0"/>
+                                          </p:stCondLst>
+                                        </p:cTn>
+                                        <p:tgtEl>
+                                          <p:spTgt spid="6"/>
+                                        </p:tgtEl>
+                                        <p:attrNameLst>
+                                          <p:attrName>style.visibility</p:attrName>
+                                        </p:attrNameLst>
+                                      </p:cBhvr>
+                                      <p:to>
+                                        <p:strVal val="visible"/>
+                                      </p:to>
+                                    </p:set>
+                                    <p:animEffect transition="in" filter="checkerboard(across)">
+                                      <p:cBhvr>
+                                        <p:cTn id="12" dur="500"/>
+                                        <p:tgtEl>
+                                          <p:spTgt spid="6"/>
+                                        </p:tgtEl>
+                                      </p:cBhvr>
+                                    </p:animEffect>
+                                  </p:childTnLst>
+                                </p:cTn>
+                              </p:par>
+                            </p:childTnLst>
+                          </p:cTn>
+                        </p:par>
+                      </p:childTnLst>
+                    </p:cTn>
+                  </p:par>
+                  <p:par>
+                    <p:cTn id="13" fill="hold">
+                      <p:stCondLst>
+                        <p:cond delay="indefinite"/>
+                      </p:stCondLst>
+                      <p:childTnLst>
+                        <p:par>
+                          <p:cTn id="14" fill="hold">
+                            <p:stCondLst>
+                              <p:cond delay="0"/>
+                            </p:stCondLst>
+                            <p:childTnLst>
+                              <p:par>
+                                <p:cTn id="15" presetID="16" presetClass="entr" presetSubtype="21" fill="hold" grpId="0" nodeType="clickEffect">
+                                  <p:stCondLst>
+                                    <p:cond delay="0"/>
+                                  </p:stCondLst>
+                                  <p:childTnLst>
+                                    <p:set>
+                                      <p:cBhvr>
+                                        <p:cTn id="16" dur="1" fill="hold">
+                                          <p:stCondLst>
+                                            <p:cond delay="0"/>
+                                          </p:stCondLst>
+                                        </p:cTn>
+                                        <p:tgtEl>
+                                          <p:spTgt spid="7"/>
+                                        </p:tgtEl>
+                                        <p:attrNameLst>
+                                          <p:attrName>style.visibility</p:attrName>
+                                        </p:attrNameLst>
+                                      </p:cBhvr>
+                                      <p:to>
+                                        <p:strVal val="visible"/>
+                                      </p:to>
+                                    </p:set>
+                                    <p:animEffect transition="in" filter="barn(inVertical)">
+                                      <p:cBhvr>
+                                        <p:cTn id="17" dur="500"/>
+                                        <p:tgtEl>
+                                          <p:spTgt spid="7"/>
+                                        </p:tgtEl>
+                                      </p:cBhvr>
+                                    </p:animEffect>
+                                  </p:childTnLst>
+                                </p:cTn>
+                              </p:par>
+                            </p:childTnLst>
+                          </p:cTn>
+                        </p:par>
+                      </p:childTnLst>
+                    </p:cTn>
+                  </p:par>
+                  <p:par>
+                    <p:cTn id="18" fill="hold">
+                      <p:stCondLst>
+                        <p:cond delay="indefinite"/>
+                      </p:stCondLst>
+                      <p:childTnLst>
+                        <p:par>
+                          <p:cTn id="19" fill="hold">
+                            <p:stCondLst>
+                              <p:cond delay="0"/>
+                            </p:stCondLst>
+                            <p:childTnLst>
+                              <p:par>
+                                <p:cTn id="20" presetID="9" presetClass="entr" presetSubtype="0" fill="hold" grpId="0" nodeType="clickEffect">
+                                  <p:stCondLst>
+                                    <p:cond delay="0"/>
+                                  </p:stCondLst>
+                                  <p:childTnLst>
+                                    <p:set>
+                                      <p:cBhvr>
+                                        <p:cTn id="21" dur="1" fill="hold">
+                                          <p:stCondLst>
+                                            <p:cond delay="0"/>
+                                          </p:stCondLst>
+                                        </p:cTn>
+                                        <p:tgtEl>
+                                          <p:spTgt spid="8"/>
+                                        </p:tgtEl>
+                                        <p:attrNameLst>
+                                          <p:attrName>style.visibility</p:attrName>
+                                        </p:attrNameLst>
+                                      </p:cBhvr>
+                                      <p:to>
+                                        <p:strVal val="visible"/>
+                                      </p:to>
+                                    </p:set>
+                                    <p:animEffect transition="in" filter="dissolve">
+                                      <p:cBhvr>
+                                        <p:cTn id="22" dur="500"/>
+                                        <p:tgtEl>
+                                          <p:spTgt spid="8"/>
+                                        </p:tgtEl>
+                                      </p:cBhvr>
+                                    </p:animEffect>
+                                  </p:childTnLst>
+                                </p:cTn>
+                              </p:par>
+                            </p:childTnLst>
+                          </p:cTn>
+                        </p:par>
+                      </p:childTnLst>
+                    </p:cTn>
+                  </p:par>
+                  <p:par>
+                    <p:cTn id="23" fill="hold">
+                      <p:stCondLst>
+                        <p:cond delay="indefinite"/>
+                      </p:stCondLst>
+                      <p:childTnLst>
+                        <p:par>
+                          <p:cTn id="24" fill="hold">
+                            <p:stCondLst>
+                              <p:cond delay="0"/>
+                            </p:stCondLst>
+                            <p:childTnLst>
+                              <p:par>
+                                <p:cTn id="25" presetID="16" presetClass="entr" presetSubtype="21" fill="hold" grpId="0" nodeType="clickEffect">
+                                  <p:stCondLst>
+                                    <p:cond delay="0"/>
+                                  </p:stCondLst>
+                                  <p:childTnLst>
+                                    <p:set>
+                                      <p:cBhvr>
+                                        <p:cTn id="26" dur="1" fill="hold">
+                                          <p:stCondLst>
+                                            <p:cond delay="0"/>
+                                          </p:stCondLst>
+                                        </p:cTn>
+                                        <p:tgtEl>
+                                          <p:spTgt spid="9"/>
+                                        </p:tgtEl>
+                                        <p:attrNameLst>
+                                          <p:attrName>style.visibility</p:attrName>
+                                        </p:attrNameLst>
+                                      </p:cBhvr>
+                                      <p:to>
+                                        <p:strVal val="visible"/>
+                                      </p:to>
+                                    </p:set>
+                                    <p:animEffect transition="in" filter="barn(inVertical)">
+                                      <p:cBhvr>
+                                        <p:cTn id="27" dur="500"/>
+                                        <p:tgtEl>
+                                          <p:spTgt spid="9"/>
+                                        </p:tgtEl>
+                                      </p:cBhvr>
+                                    </p:animEffect>
+                                  </p:childTnLst>
+                                </p:cTn>
+                              </p:par>
+                            </p:childTnLst>
+                          </p:cTn>
+                        </p:par>
+                      </p:childTnLst>
+                    </p:cTn>
+                  </p:par>
+                  <p:par>
+                    <p:cTn id="28" fill="hold">
+                      <p:stCondLst>
+                        <p:cond delay="indefinite"/>
+                      </p:stCondLst>
+                      <p:childTnLst>
+                        <p:par>
+                          <p:cTn id="29" fill="hold">
+                            <p:stCondLst>
+                              <p:cond delay="0"/>
+                            </p:stCondLst>
+                            <p:childTnLst>
+                              <p:par>
+                                <p:cTn id="30" presetID="3" presetClass="entr" presetSubtype="10" fill="hold" grpId="0" nodeType="clickEffect">
+                                  <p:stCondLst>
+                                    <p:cond delay="0"/>
+                                  </p:stCondLst>
+                                  <p:childTnLst>
+                                    <p:set>
+                                      <p:cBhvr>
+                                        <p:cTn id="31" dur="1" fill="hold">
+                                          <p:stCondLst>
+                                            <p:cond delay="0"/>
+                                          </p:stCondLst>
+                                        </p:cTn>
+                                        <p:tgtEl>
+                                          <p:spTgt spid="3"/>
+                                        </p:tgtEl>
+                                        <p:attrNameLst>
+                                          <p:attrName>style.visibility</p:attrName>
+                                        </p:attrNameLst>
+                                      </p:cBhvr>
+                                      <p:to>
+                                        <p:strVal val="visible"/>
+                                      </p:to>
+                                    </p:set>
+                                    <p:animEffect transition="in" filter="blinds(horizontal)">
+                                      <p:cBhvr>
+                                        <p:cTn id="32" dur="500"/>
+                                        <p:tgtEl>
+                                          <p:spTgt spid="3"/>
+                                        </p:tgtEl>
+                                      </p:cBhvr>
+                                    </p:animEffect>
+                                  </p:childTnLst>
+                                </p:cTn>
+                              </p:par>
+                            </p:childTnLst>
+                          </p:cTn>
+                        </p:par>
+                      </p:childTnLst>
+                    </p:cTn>
+                  </p:par>
+                  <p:par>
+                    <p:cTn id="33" fill="hold">
+                      <p:stCondLst>
+                        <p:cond delay="indefinite"/>
+                      </p:stCondLst>
+                      <p:childTnLst>
+                        <p:par>
+                          <p:cTn id="34" fill="hold">
+                            <p:stCondLst>
+                              <p:cond delay="0"/>
+                            </p:stCondLst>
+                            <p:childTnLst>
+                              <p:par>
+                                <p:cTn id="35" presetID="16" presetClass="entr" presetSubtype="21" fill="hold" grpId="0" nodeType="clickEffect">
+                                  <p:stCondLst>
+                                    <p:cond delay="0"/>
+                                  </p:stCondLst>
+                                  <p:childTnLst>
+                                    <p:set>
+                                      <p:cBhvr>
+                                        <p:cTn id="36" dur="1" fill="hold">
+                                          <p:stCondLst>
+                                            <p:cond delay="0"/>
+                                          </p:stCondLst>
+                                        </p:cTn>
+                                        <p:tgtEl>
+                                          <p:spTgt spid="10"/>
+                                        </p:tgtEl>
+                                        <p:attrNameLst>
+                                          <p:attrName>style.visibility</p:attrName>
+                                        </p:attrNameLst>
+                                      </p:cBhvr>
+                                      <p:to>
+                                        <p:strVal val="visible"/>
+                                      </p:to>
+                                    </p:set>
+                                    <p:animEffect transition="in" filter="barn(inVertical)">
+                                      <p:cBhvr>
+                                        <p:cTn id="37" dur="500"/>
+                                        <p:tgtEl>
+                                          <p:spTgt spid="10"/>
+                                        </p:tgtEl>
+                                      </p:cBhvr>
+                                    </p:animEffect>
+                                  </p:childTnLst>
+                                </p:cTn>
+                              </p:par>
+                            </p:childTnLst>
+                          </p:cTn>
+                        </p:par>
+                      </p:childTnLst>
+                    </p:cTn>
+                  </p:par>
+                </p:childTnLst>
+              </p:cTn>
+              <p:prevCondLst>
+                <p:cond evt="onPrev" delay="0">
+                  <p:tgtEl>
+                    <p:sldTgt/>
+                  </p:tgtEl>
+                </p:cond>
+              </p:prevCondLst>
+              <p:nextCondLst>
+                <p:cond evt="onNext" delay="0">
+                  <p:tgtEl>
+                    <p:sldTgt/>
+                  </p:tgtEl>
+                </p:cond>
+              </p:nextCondLst>
+            </p:seq>
+          </p:childTnLst>
+        </p:cTn>
+      </p:par>
+    </p:tnLst>
+    <p:bldLst>
+      <p:bldP spid="5" grpId="0"/>
+      <p:bldP spid="7" grpId="0"/>
+      <p:bldP spid="9" grpId="0"/>
+      <p:bldP spid="6" grpId="0"/>
+      <p:bldP spid="6" grpId="1"/>
+      <p:bldP spid="8" grpId="0"/>
+      <p:bldP spid="8" grpId="1"/>
+      <p:bldP spid="3" grpId="0"/>
+      <p:bldP spid="3" grpId="1"/>
+      <p:bldP spid="10" grpId="0"/>
+    </p:bldLst>
+  </p:timing>
+</p:sld>
+</file>
+
+<file path=ppt/slides/slide15.xml><?xml version="1.0" encoding="utf-8"?>
 <p:sld xmlns:a="http://schemas.openxmlformats.org/drawingml/2006/main" xmlns:r="http://schemas.openxmlformats.org/officeDocument/2006/relationships" xmlns:p="http://schemas.openxmlformats.org/presentationml/2006/main">
   <p:cSld>
     <p:spTree>
@@ -14051,7 +16144,7 @@
 </p:sld>
 </file>
 
-<file path=ppt/slides/slide14.xml><?xml version="1.0" encoding="utf-8"?>
+<file path=ppt/slides/slide16.xml><?xml version="1.0" encoding="utf-8"?>
 <p:sld xmlns:a="http://schemas.openxmlformats.org/drawingml/2006/main" xmlns:r="http://schemas.openxmlformats.org/officeDocument/2006/relationships" xmlns:p="http://schemas.openxmlformats.org/presentationml/2006/main">
   <p:cSld>
     <p:spTree>
@@ -14076,7 +16169,7 @@
         </p:nvSpPr>
         <p:spPr>
           <a:xfrm>
-            <a:off x="2224405" y="1863090"/>
+            <a:off x="2194560" y="1639570"/>
             <a:ext cx="6688455" cy="3131820"/>
           </a:xfrm>
           <a:prstGeom prst="flowChartAlternateProcess">
@@ -14144,7 +16237,7 @@
         </p:nvSpPr>
         <p:spPr>
           <a:xfrm>
-            <a:off x="2669540" y="2024380"/>
+            <a:off x="2668905" y="1790700"/>
             <a:ext cx="5739130" cy="3276600"/>
           </a:xfrm>
           <a:prstGeom prst="rect">
@@ -14359,6 +16452,122 @@
               </a:lnSpc>
             </a:pPr>
             <a:endParaRPr lang="zh-CN" altLang="en-US"/>
+          </a:p>
+        </p:txBody>
+      </p:sp>
+      <p:sp>
+        <p:nvSpPr>
+          <p:cNvPr id="2" name="流程图: 可选过程 1"/>
+          <p:cNvSpPr/>
+          <p:nvPr/>
+        </p:nvSpPr>
+        <p:spPr>
+          <a:xfrm>
+            <a:off x="2837815" y="5184140"/>
+            <a:ext cx="4761230" cy="652780"/>
+          </a:xfrm>
+          <a:prstGeom prst="flowChartAlternateProcess">
+            <a:avLst/>
+          </a:prstGeom>
+        </p:spPr>
+        <p:style>
+          <a:lnRef idx="2">
+            <a:schemeClr val="accent3">
+              <a:shade val="50000"/>
+            </a:schemeClr>
+          </a:lnRef>
+          <a:fillRef idx="1">
+            <a:schemeClr val="accent3"/>
+          </a:fillRef>
+          <a:effectRef idx="0">
+            <a:schemeClr val="accent3"/>
+          </a:effectRef>
+          <a:fontRef idx="minor">
+            <a:schemeClr val="lt1"/>
+          </a:fontRef>
+        </p:style>
+        <p:txBody>
+          <a:bodyPr rtlCol="0" anchor="ctr"/>
+          <a:p>
+            <a:pPr algn="ctr"/>
+            <a:endParaRPr lang="zh-CN" altLang="en-US">
+              <a:sym typeface="+mn-ea"/>
+            </a:endParaRPr>
+          </a:p>
+          <a:p>
+            <a:pPr algn="ctr"/>
+            <a:r>
+              <a:rPr lang="zh-CN" altLang="en-US">
+                <a:sym typeface="+mn-ea"/>
+              </a:rPr>
+              <a:t>区位码 </a:t>
+            </a:r>
+            <a:r>
+              <a:rPr lang="en-US" altLang="zh-CN">
+                <a:sym typeface="+mn-ea"/>
+              </a:rPr>
+              <a:t>= (</a:t>
+            </a:r>
+            <a:r>
+              <a:rPr lang="zh-CN" altLang="en-US">
+                <a:sym typeface="+mn-ea"/>
+              </a:rPr>
+              <a:t>国标码</a:t>
+            </a:r>
+            <a:r>
+              <a:rPr lang="en-US" altLang="zh-CN">
+                <a:sym typeface="+mn-ea"/>
+              </a:rPr>
+              <a:t>) </a:t>
+            </a:r>
+            <a:r>
+              <a:rPr lang="en-US" altLang="zh-CN" baseline="-25000">
+                <a:solidFill>
+                  <a:srgbClr val="7030A0"/>
+                </a:solidFill>
+                <a:sym typeface="+mn-ea"/>
+              </a:rPr>
+              <a:t>H</a:t>
+            </a:r>
+            <a:r>
+              <a:rPr lang="en-US" altLang="zh-CN">
+                <a:solidFill>
+                  <a:schemeClr val="bg1"/>
+                </a:solidFill>
+                <a:sym typeface="+mn-ea"/>
+              </a:rPr>
+              <a:t>-</a:t>
+            </a:r>
+            <a:r>
+              <a:rPr lang="en-US" altLang="zh-CN">
+                <a:solidFill>
+                  <a:schemeClr val="tx2"/>
+                </a:solidFill>
+                <a:sym typeface="+mn-ea"/>
+              </a:rPr>
+              <a:t>(2020)</a:t>
+            </a:r>
+            <a:r>
+              <a:rPr lang="en-US" altLang="zh-CN" baseline="-25000">
+                <a:solidFill>
+                  <a:srgbClr val="7030A0"/>
+                </a:solidFill>
+                <a:sym typeface="+mn-ea"/>
+              </a:rPr>
+              <a:t>H</a:t>
+            </a:r>
+            <a:endParaRPr lang="en-US" altLang="zh-CN" baseline="-25000">
+              <a:solidFill>
+                <a:srgbClr val="7030A0"/>
+              </a:solidFill>
+              <a:sym typeface="+mn-ea"/>
+            </a:endParaRPr>
+          </a:p>
+          <a:p>
+            <a:pPr algn="ctr"/>
+            <a:r>
+              <a:t> </a:t>
+            </a:r>
           </a:p>
         </p:txBody>
       </p:sp>
@@ -14434,6 +16643,59 @@
                       </p:childTnLst>
                     </p:cTn>
                   </p:par>
+                  <p:par>
+                    <p:cTn id="8" fill="hold">
+                      <p:stCondLst>
+                        <p:cond delay="indefinite"/>
+                      </p:stCondLst>
+                      <p:childTnLst>
+                        <p:par>
+                          <p:cTn id="9" fill="hold">
+                            <p:stCondLst>
+                              <p:cond delay="0"/>
+                            </p:stCondLst>
+                            <p:childTnLst>
+                              <p:par>
+                                <p:cTn id="10" presetID="3" presetClass="entr" presetSubtype="10" fill="hold" grpId="0" nodeType="clickEffect">
+                                  <p:stCondLst>
+                                    <p:cond delay="0"/>
+                                  </p:stCondLst>
+                                  <p:childTnLst>
+                                    <p:set>
+                                      <p:cBhvr>
+                                        <p:cTn id="11" dur="1" fill="hold">
+                                          <p:stCondLst>
+                                            <p:cond delay="0"/>
+                                          </p:stCondLst>
+                                        </p:cTn>
+                                        <p:tgtEl>
+                                          <p:spTgt spid="2"/>
+                                        </p:tgtEl>
+                                        <p:attrNameLst>
+                                          <p:attrName>style.visibility</p:attrName>
+                                        </p:attrNameLst>
+                                      </p:cBhvr>
+                                      <p:to>
+                                        <p:strVal val="visible"/>
+                                      </p:to>
+                                    </p:set>
+                                    <p:animEffect transition="in" filter="blinds(horizontal)">
+                                      <p:cBhvr>
+                                        <p:cTn id="12" dur="500"/>
+                                        <p:tgtEl>
+                                          <p:spTgt spid="2"/>
+                                        </p:tgtEl>
+                                      </p:cBhvr>
+                                    </p:animEffect>
+                                  </p:childTnLst>
+                                </p:cTn>
+                              </p:par>
+                            </p:childTnLst>
+                          </p:cTn>
+                        </p:par>
+                      </p:childTnLst>
+                    </p:cTn>
+                  </p:par>
                 </p:childTnLst>
               </p:cTn>
               <p:prevCondLst>
@@ -14456,6 +16718,1141 @@
       </p:par>
     </p:tnLst>
     <p:bldLst>
+      <p:bldP spid="5" grpId="0" bldLvl="0" animBg="1"/>
+      <p:bldP spid="5" grpId="1" animBg="1"/>
+      <p:bldP spid="2" grpId="0" bldLvl="0" animBg="1"/>
+      <p:bldP spid="2" grpId="1" animBg="1"/>
+    </p:bldLst>
+  </p:timing>
+</p:sld>
+</file>
+
+<file path=ppt/slides/slide17.xml><?xml version="1.0" encoding="utf-8"?>
+<p:sld xmlns:a="http://schemas.openxmlformats.org/drawingml/2006/main" xmlns:r="http://schemas.openxmlformats.org/officeDocument/2006/relationships" xmlns:p="http://schemas.openxmlformats.org/presentationml/2006/main">
+  <p:cSld>
+    <p:spTree>
+      <p:nvGrpSpPr>
+        <p:cNvPr id="1" name=""/>
+        <p:cNvGrpSpPr/>
+        <p:nvPr/>
+      </p:nvGrpSpPr>
+      <p:grpSpPr>
+        <a:xfrm>
+          <a:off x="0" y="0"/>
+          <a:ext cx="0" cy="0"/>
+          <a:chOff x="0" y="0"/>
+          <a:chExt cx="0" cy="0"/>
+        </a:xfrm>
+      </p:grpSpPr>
+      <p:sp>
+        <p:nvSpPr>
+          <p:cNvPr id="2" name="标题 1"/>
+          <p:cNvSpPr>
+            <a:spLocks noGrp="1"/>
+          </p:cNvSpPr>
+          <p:nvPr>
+            <p:ph type="ctrTitle"/>
+            <p:custDataLst>
+              <p:tags r:id="rId1"/>
+            </p:custDataLst>
+          </p:nvPr>
+        </p:nvSpPr>
+        <p:spPr>
+          <a:xfrm>
+            <a:off x="1198880" y="360680"/>
+            <a:ext cx="9799320" cy="671830"/>
+          </a:xfrm>
+        </p:spPr>
+        <p:txBody>
+          <a:bodyPr>
+            <a:normAutofit/>
+            <a:scene3d>
+              <a:camera prst="orthographicFront"/>
+              <a:lightRig rig="threePt" dir="t"/>
+            </a:scene3d>
+          </a:bodyPr>
+          <a:p>
+            <a:r>
+              <a:rPr lang="zh-CN" altLang="zh-CN" sz="3110">
+                <a:solidFill>
+                  <a:schemeClr val="accent1"/>
+                </a:solidFill>
+                <a:effectLst>
+                  <a:outerShdw blurRad="38100" dist="25400" dir="5400000" algn="ctr" rotWithShape="0">
+                    <a:srgbClr val="6E747A">
+                      <a:alpha val="43000"/>
+                    </a:srgbClr>
+                  </a:outerShdw>
+                </a:effectLst>
+              </a:rPr>
+              <a:t>章节练习</a:t>
+            </a:r>
+            <a:endParaRPr lang="zh-CN" altLang="zh-CN" sz="3110">
+              <a:solidFill>
+                <a:schemeClr val="accent1"/>
+              </a:solidFill>
+              <a:effectLst>
+                <a:outerShdw blurRad="38100" dist="25400" dir="5400000" algn="ctr" rotWithShape="0">
+                  <a:srgbClr val="6E747A">
+                    <a:alpha val="43000"/>
+                  </a:srgbClr>
+                </a:outerShdw>
+              </a:effectLst>
+            </a:endParaRPr>
+          </a:p>
+        </p:txBody>
+      </p:sp>
+      <p:sp>
+        <p:nvSpPr>
+          <p:cNvPr id="4" name="文本框 3"/>
+          <p:cNvSpPr txBox="1"/>
+          <p:nvPr/>
+        </p:nvSpPr>
+        <p:spPr>
+          <a:xfrm>
+            <a:off x="1009650" y="1118235"/>
+            <a:ext cx="8571230" cy="1476375"/>
+          </a:xfrm>
+          <a:prstGeom prst="rect">
+            <a:avLst/>
+          </a:prstGeom>
+          <a:noFill/>
+        </p:spPr>
+        <p:txBody>
+          <a:bodyPr wrap="square" rtlCol="0" anchor="t">
+            <a:spAutoFit/>
+          </a:bodyPr>
+          <a:p>
+            <a:r>
+              <a:rPr lang="en-US" altLang="zh-CN"/>
+              <a:t>1.</a:t>
+            </a:r>
+            <a:r>
+              <a:rPr lang="zh-CN" altLang="en-US"/>
+              <a:t>存储一个48×48点阵的汉字字形码需要的字节个数是</a:t>
+            </a:r>
+            <a:endParaRPr lang="zh-CN" altLang="en-US"/>
+          </a:p>
+          <a:p>
+            <a:r>
+              <a:rPr lang="zh-CN" altLang="en-US"/>
+              <a:t>A)384</a:t>
+            </a:r>
+            <a:endParaRPr lang="zh-CN" altLang="en-US"/>
+          </a:p>
+          <a:p>
+            <a:r>
+              <a:rPr lang="zh-CN" altLang="en-US"/>
+              <a:t>B)288</a:t>
+            </a:r>
+            <a:endParaRPr lang="zh-CN" altLang="en-US"/>
+          </a:p>
+          <a:p>
+            <a:r>
+              <a:rPr lang="zh-CN" altLang="en-US"/>
+              <a:t>C)256</a:t>
+            </a:r>
+            <a:endParaRPr lang="zh-CN" altLang="en-US"/>
+          </a:p>
+          <a:p>
+            <a:r>
+              <a:rPr lang="zh-CN" altLang="en-US"/>
+              <a:t>D)144</a:t>
+            </a:r>
+            <a:endParaRPr lang="zh-CN" altLang="en-US"/>
+          </a:p>
+        </p:txBody>
+      </p:sp>
+      <p:sp>
+        <p:nvSpPr>
+          <p:cNvPr id="5" name="文本框 4"/>
+          <p:cNvSpPr txBox="1"/>
+          <p:nvPr/>
+        </p:nvSpPr>
+        <p:spPr>
+          <a:xfrm>
+            <a:off x="6684010" y="1118235"/>
+            <a:ext cx="335280" cy="368300"/>
+          </a:xfrm>
+          <a:prstGeom prst="rect">
+            <a:avLst/>
+          </a:prstGeom>
+          <a:noFill/>
+        </p:spPr>
+        <p:txBody>
+          <a:bodyPr wrap="none" rtlCol="0">
+            <a:spAutoFit/>
+          </a:bodyPr>
+          <a:p>
+            <a:r>
+              <a:rPr lang="en-US" altLang="zh-CN">
+                <a:solidFill>
+                  <a:schemeClr val="accent6">
+                    <a:lumMod val="50000"/>
+                  </a:schemeClr>
+                </a:solidFill>
+              </a:rPr>
+              <a:t>B</a:t>
+            </a:r>
+            <a:endParaRPr lang="en-US" altLang="zh-CN">
+              <a:solidFill>
+                <a:schemeClr val="accent6">
+                  <a:lumMod val="50000"/>
+                </a:schemeClr>
+              </a:solidFill>
+            </a:endParaRPr>
+          </a:p>
+        </p:txBody>
+      </p:sp>
+      <p:sp>
+        <p:nvSpPr>
+          <p:cNvPr id="6" name="文本框 5"/>
+          <p:cNvSpPr txBox="1"/>
+          <p:nvPr/>
+        </p:nvSpPr>
+        <p:spPr>
+          <a:xfrm>
+            <a:off x="1009650" y="2868930"/>
+            <a:ext cx="10083800" cy="922020"/>
+          </a:xfrm>
+          <a:prstGeom prst="rect">
+            <a:avLst/>
+          </a:prstGeom>
+          <a:noFill/>
+        </p:spPr>
+        <p:txBody>
+          <a:bodyPr wrap="square" rtlCol="0" anchor="t">
+            <a:spAutoFit/>
+          </a:bodyPr>
+          <a:p>
+            <a:r>
+              <a:rPr lang="en-US" altLang="zh-CN"/>
+              <a:t>2.</a:t>
+            </a:r>
+            <a:r>
+              <a:rPr lang="zh-CN" altLang="en-US">
+                <a:sym typeface="+mn-ea"/>
+              </a:rPr>
+              <a:t>一个汉字的区位码和它的国标码之间的差是</a:t>
+            </a:r>
+            <a:endParaRPr lang="zh-CN" altLang="en-US"/>
+          </a:p>
+          <a:p>
+            <a:r>
+              <a:rPr lang="zh-CN" altLang="en-US">
+                <a:sym typeface="+mn-ea"/>
+              </a:rPr>
+              <a:t>A)2020H</a:t>
+            </a:r>
+            <a:r>
+              <a:rPr lang="en-US" altLang="zh-CN">
+                <a:sym typeface="+mn-ea"/>
+              </a:rPr>
+              <a:t>		</a:t>
+            </a:r>
+            <a:r>
+              <a:rPr lang="zh-CN" altLang="en-US">
+                <a:sym typeface="+mn-ea"/>
+              </a:rPr>
+              <a:t>B)4040H</a:t>
+            </a:r>
+            <a:endParaRPr lang="zh-CN" altLang="en-US"/>
+          </a:p>
+          <a:p>
+            <a:r>
+              <a:rPr lang="zh-CN" altLang="en-US">
+                <a:sym typeface="+mn-ea"/>
+              </a:rPr>
+              <a:t>C)808</a:t>
+            </a:r>
+            <a:r>
+              <a:rPr lang="en-US" altLang="zh-CN">
+                <a:sym typeface="+mn-ea"/>
+              </a:rPr>
+              <a:t>0</a:t>
+            </a:r>
+            <a:r>
+              <a:rPr lang="zh-CN" altLang="en-US">
+                <a:sym typeface="+mn-ea"/>
+              </a:rPr>
+              <a:t>H</a:t>
+            </a:r>
+            <a:r>
+              <a:rPr lang="en-US" altLang="zh-CN">
+                <a:sym typeface="+mn-ea"/>
+              </a:rPr>
+              <a:t>	</a:t>
+            </a:r>
+            <a:r>
+              <a:rPr lang="zh-CN" altLang="en-US">
+                <a:sym typeface="+mn-ea"/>
+              </a:rPr>
+              <a:t>D)A0A</a:t>
+            </a:r>
+            <a:r>
+              <a:rPr lang="en-US" altLang="zh-CN">
+                <a:sym typeface="+mn-ea"/>
+              </a:rPr>
+              <a:t>0</a:t>
+            </a:r>
+            <a:r>
+              <a:rPr lang="zh-CN" altLang="en-US">
+                <a:sym typeface="+mn-ea"/>
+              </a:rPr>
+              <a:t>H</a:t>
+            </a:r>
+            <a:endParaRPr lang="zh-CN" altLang="en-US"/>
+          </a:p>
+        </p:txBody>
+      </p:sp>
+      <p:sp>
+        <p:nvSpPr>
+          <p:cNvPr id="7" name="文本框 6"/>
+          <p:cNvSpPr txBox="1"/>
+          <p:nvPr/>
+        </p:nvSpPr>
+        <p:spPr>
+          <a:xfrm>
+            <a:off x="5657215" y="2868930"/>
+            <a:ext cx="335280" cy="368300"/>
+          </a:xfrm>
+          <a:prstGeom prst="rect">
+            <a:avLst/>
+          </a:prstGeom>
+          <a:noFill/>
+        </p:spPr>
+        <p:txBody>
+          <a:bodyPr wrap="none" rtlCol="0">
+            <a:spAutoFit/>
+          </a:bodyPr>
+          <a:p>
+            <a:r>
+              <a:rPr lang="en-US" altLang="zh-CN">
+                <a:solidFill>
+                  <a:schemeClr val="accent6">
+                    <a:lumMod val="50000"/>
+                  </a:schemeClr>
+                </a:solidFill>
+              </a:rPr>
+              <a:t>A</a:t>
+            </a:r>
+            <a:endParaRPr lang="en-US" altLang="zh-CN">
+              <a:solidFill>
+                <a:schemeClr val="accent6">
+                  <a:lumMod val="50000"/>
+                </a:schemeClr>
+              </a:solidFill>
+            </a:endParaRPr>
+          </a:p>
+        </p:txBody>
+      </p:sp>
+      <p:sp>
+        <p:nvSpPr>
+          <p:cNvPr id="8" name="文本框 7"/>
+          <p:cNvSpPr txBox="1"/>
+          <p:nvPr/>
+        </p:nvSpPr>
+        <p:spPr>
+          <a:xfrm>
+            <a:off x="1009650" y="4253230"/>
+            <a:ext cx="8947150" cy="1476375"/>
+          </a:xfrm>
+          <a:prstGeom prst="rect">
+            <a:avLst/>
+          </a:prstGeom>
+          <a:noFill/>
+        </p:spPr>
+        <p:txBody>
+          <a:bodyPr wrap="square" rtlCol="0" anchor="t">
+            <a:spAutoFit/>
+          </a:bodyPr>
+          <a:p>
+            <a:r>
+              <a:rPr lang="en-US" altLang="zh-CN"/>
+              <a:t>3.</a:t>
+            </a:r>
+            <a:r>
+              <a:rPr lang="zh-CN" altLang="en-US"/>
+              <a:t>下列4个4位十进制数中，属于正确的汉字区位码的是</a:t>
+            </a:r>
+            <a:endParaRPr lang="zh-CN" altLang="en-US"/>
+          </a:p>
+          <a:p>
+            <a:r>
+              <a:rPr lang="zh-CN" altLang="en-US"/>
+              <a:t>A)5601 </a:t>
+            </a:r>
+            <a:endParaRPr lang="zh-CN" altLang="en-US"/>
+          </a:p>
+          <a:p>
+            <a:r>
+              <a:rPr lang="zh-CN" altLang="en-US"/>
+              <a:t>B)9596</a:t>
+            </a:r>
+            <a:endParaRPr lang="zh-CN" altLang="en-US"/>
+          </a:p>
+          <a:p>
+            <a:r>
+              <a:rPr lang="zh-CN" altLang="en-US"/>
+              <a:t>C)9678</a:t>
+            </a:r>
+            <a:endParaRPr lang="zh-CN" altLang="en-US"/>
+          </a:p>
+          <a:p>
+            <a:r>
+              <a:rPr lang="zh-CN" altLang="en-US"/>
+              <a:t>D)8799</a:t>
+            </a:r>
+            <a:endParaRPr lang="zh-CN" altLang="en-US"/>
+          </a:p>
+        </p:txBody>
+      </p:sp>
+      <p:sp>
+        <p:nvSpPr>
+          <p:cNvPr id="9" name="文本框 8"/>
+          <p:cNvSpPr txBox="1"/>
+          <p:nvPr/>
+        </p:nvSpPr>
+        <p:spPr>
+          <a:xfrm>
+            <a:off x="6918960" y="4253230"/>
+            <a:ext cx="335280" cy="368300"/>
+          </a:xfrm>
+          <a:prstGeom prst="rect">
+            <a:avLst/>
+          </a:prstGeom>
+          <a:noFill/>
+        </p:spPr>
+        <p:txBody>
+          <a:bodyPr wrap="none" rtlCol="0">
+            <a:spAutoFit/>
+          </a:bodyPr>
+          <a:p>
+            <a:r>
+              <a:rPr lang="en-US" altLang="zh-CN">
+                <a:solidFill>
+                  <a:schemeClr val="accent6">
+                    <a:lumMod val="50000"/>
+                  </a:schemeClr>
+                </a:solidFill>
+              </a:rPr>
+              <a:t>A</a:t>
+            </a:r>
+            <a:endParaRPr lang="en-US" altLang="zh-CN">
+              <a:solidFill>
+                <a:schemeClr val="accent6">
+                  <a:lumMod val="50000"/>
+                </a:schemeClr>
+              </a:solidFill>
+            </a:endParaRPr>
+          </a:p>
+        </p:txBody>
+      </p:sp>
+    </p:spTree>
+    <p:custDataLst>
+      <p:tags r:id="rId2"/>
+    </p:custDataLst>
+  </p:cSld>
+  <p:clrMapOvr>
+    <a:masterClrMapping/>
+  </p:clrMapOvr>
+  <p:transition>
+    <p:random/>
+  </p:transition>
+  <p:timing>
+    <p:tnLst>
+      <p:par>
+        <p:cTn id="1" dur="indefinite" restart="never" nodeType="tmRoot">
+          <p:childTnLst>
+            <p:seq concurrent="1" nextAc="seek">
+              <p:cTn id="2" dur="indefinite" nodeType="mainSeq">
+                <p:childTnLst>
+                  <p:par>
+                    <p:cTn id="3" fill="hold">
+                      <p:stCondLst>
+                        <p:cond delay="indefinite"/>
+                      </p:stCondLst>
+                      <p:childTnLst>
+                        <p:par>
+                          <p:cTn id="4" fill="hold">
+                            <p:stCondLst>
+                              <p:cond delay="0"/>
+                            </p:stCondLst>
+                            <p:childTnLst>
+                              <p:par>
+                                <p:cTn id="5" presetID="16" presetClass="entr" presetSubtype="21" fill="hold" grpId="0" nodeType="clickEffect">
+                                  <p:stCondLst>
+                                    <p:cond delay="0"/>
+                                  </p:stCondLst>
+                                  <p:childTnLst>
+                                    <p:set>
+                                      <p:cBhvr>
+                                        <p:cTn id="6" dur="1" fill="hold">
+                                          <p:stCondLst>
+                                            <p:cond delay="0"/>
+                                          </p:stCondLst>
+                                        </p:cTn>
+                                        <p:tgtEl>
+                                          <p:spTgt spid="5"/>
+                                        </p:tgtEl>
+                                        <p:attrNameLst>
+                                          <p:attrName>style.visibility</p:attrName>
+                                        </p:attrNameLst>
+                                      </p:cBhvr>
+                                      <p:to>
+                                        <p:strVal val="visible"/>
+                                      </p:to>
+                                    </p:set>
+                                    <p:animEffect transition="in" filter="barn(inVertical)">
+                                      <p:cBhvr>
+                                        <p:cTn id="7" dur="500"/>
+                                        <p:tgtEl>
+                                          <p:spTgt spid="5"/>
+                                        </p:tgtEl>
+                                      </p:cBhvr>
+                                    </p:animEffect>
+                                  </p:childTnLst>
+                                </p:cTn>
+                              </p:par>
+                            </p:childTnLst>
+                          </p:cTn>
+                        </p:par>
+                      </p:childTnLst>
+                    </p:cTn>
+                  </p:par>
+                  <p:par>
+                    <p:cTn id="8" fill="hold">
+                      <p:stCondLst>
+                        <p:cond delay="indefinite"/>
+                      </p:stCondLst>
+                      <p:childTnLst>
+                        <p:par>
+                          <p:cTn id="9" fill="hold">
+                            <p:stCondLst>
+                              <p:cond delay="0"/>
+                            </p:stCondLst>
+                            <p:childTnLst>
+                              <p:par>
+                                <p:cTn id="10" presetID="5" presetClass="entr" presetSubtype="10" fill="hold" grpId="0" nodeType="clickEffect">
+                                  <p:stCondLst>
+                                    <p:cond delay="0"/>
+                                  </p:stCondLst>
+                                  <p:childTnLst>
+                                    <p:set>
+                                      <p:cBhvr>
+                                        <p:cTn id="11" dur="1" fill="hold">
+                                          <p:stCondLst>
+                                            <p:cond delay="0"/>
+                                          </p:stCondLst>
+                                        </p:cTn>
+                                        <p:tgtEl>
+                                          <p:spTgt spid="6"/>
+                                        </p:tgtEl>
+                                        <p:attrNameLst>
+                                          <p:attrName>style.visibility</p:attrName>
+                                        </p:attrNameLst>
+                                      </p:cBhvr>
+                                      <p:to>
+                                        <p:strVal val="visible"/>
+                                      </p:to>
+                                    </p:set>
+                                    <p:animEffect transition="in" filter="checkerboard(across)">
+                                      <p:cBhvr>
+                                        <p:cTn id="12" dur="500"/>
+                                        <p:tgtEl>
+                                          <p:spTgt spid="6"/>
+                                        </p:tgtEl>
+                                      </p:cBhvr>
+                                    </p:animEffect>
+                                  </p:childTnLst>
+                                </p:cTn>
+                              </p:par>
+                            </p:childTnLst>
+                          </p:cTn>
+                        </p:par>
+                      </p:childTnLst>
+                    </p:cTn>
+                  </p:par>
+                  <p:par>
+                    <p:cTn id="13" fill="hold">
+                      <p:stCondLst>
+                        <p:cond delay="indefinite"/>
+                      </p:stCondLst>
+                      <p:childTnLst>
+                        <p:par>
+                          <p:cTn id="14" fill="hold">
+                            <p:stCondLst>
+                              <p:cond delay="0"/>
+                            </p:stCondLst>
+                            <p:childTnLst>
+                              <p:par>
+                                <p:cTn id="15" presetID="16" presetClass="entr" presetSubtype="21" fill="hold" grpId="0" nodeType="clickEffect">
+                                  <p:stCondLst>
+                                    <p:cond delay="0"/>
+                                  </p:stCondLst>
+                                  <p:childTnLst>
+                                    <p:set>
+                                      <p:cBhvr>
+                                        <p:cTn id="16" dur="1" fill="hold">
+                                          <p:stCondLst>
+                                            <p:cond delay="0"/>
+                                          </p:stCondLst>
+                                        </p:cTn>
+                                        <p:tgtEl>
+                                          <p:spTgt spid="7"/>
+                                        </p:tgtEl>
+                                        <p:attrNameLst>
+                                          <p:attrName>style.visibility</p:attrName>
+                                        </p:attrNameLst>
+                                      </p:cBhvr>
+                                      <p:to>
+                                        <p:strVal val="visible"/>
+                                      </p:to>
+                                    </p:set>
+                                    <p:animEffect transition="in" filter="barn(inVertical)">
+                                      <p:cBhvr>
+                                        <p:cTn id="17" dur="500"/>
+                                        <p:tgtEl>
+                                          <p:spTgt spid="7"/>
+                                        </p:tgtEl>
+                                      </p:cBhvr>
+                                    </p:animEffect>
+                                  </p:childTnLst>
+                                </p:cTn>
+                              </p:par>
+                            </p:childTnLst>
+                          </p:cTn>
+                        </p:par>
+                      </p:childTnLst>
+                    </p:cTn>
+                  </p:par>
+                  <p:par>
+                    <p:cTn id="18" fill="hold">
+                      <p:stCondLst>
+                        <p:cond delay="indefinite"/>
+                      </p:stCondLst>
+                      <p:childTnLst>
+                        <p:par>
+                          <p:cTn id="19" fill="hold">
+                            <p:stCondLst>
+                              <p:cond delay="0"/>
+                            </p:stCondLst>
+                            <p:childTnLst>
+                              <p:par>
+                                <p:cTn id="20" presetID="9" presetClass="entr" presetSubtype="0" fill="hold" grpId="0" nodeType="clickEffect">
+                                  <p:stCondLst>
+                                    <p:cond delay="0"/>
+                                  </p:stCondLst>
+                                  <p:childTnLst>
+                                    <p:set>
+                                      <p:cBhvr>
+                                        <p:cTn id="21" dur="1" fill="hold">
+                                          <p:stCondLst>
+                                            <p:cond delay="0"/>
+                                          </p:stCondLst>
+                                        </p:cTn>
+                                        <p:tgtEl>
+                                          <p:spTgt spid="8"/>
+                                        </p:tgtEl>
+                                        <p:attrNameLst>
+                                          <p:attrName>style.visibility</p:attrName>
+                                        </p:attrNameLst>
+                                      </p:cBhvr>
+                                      <p:to>
+                                        <p:strVal val="visible"/>
+                                      </p:to>
+                                    </p:set>
+                                    <p:animEffect transition="in" filter="dissolve">
+                                      <p:cBhvr>
+                                        <p:cTn id="22" dur="500"/>
+                                        <p:tgtEl>
+                                          <p:spTgt spid="8"/>
+                                        </p:tgtEl>
+                                      </p:cBhvr>
+                                    </p:animEffect>
+                                  </p:childTnLst>
+                                </p:cTn>
+                              </p:par>
+                            </p:childTnLst>
+                          </p:cTn>
+                        </p:par>
+                      </p:childTnLst>
+                    </p:cTn>
+                  </p:par>
+                  <p:par>
+                    <p:cTn id="23" fill="hold">
+                      <p:stCondLst>
+                        <p:cond delay="indefinite"/>
+                      </p:stCondLst>
+                      <p:childTnLst>
+                        <p:par>
+                          <p:cTn id="24" fill="hold">
+                            <p:stCondLst>
+                              <p:cond delay="0"/>
+                            </p:stCondLst>
+                            <p:childTnLst>
+                              <p:par>
+                                <p:cTn id="25" presetID="16" presetClass="entr" presetSubtype="21" fill="hold" grpId="0" nodeType="clickEffect">
+                                  <p:stCondLst>
+                                    <p:cond delay="0"/>
+                                  </p:stCondLst>
+                                  <p:childTnLst>
+                                    <p:set>
+                                      <p:cBhvr>
+                                        <p:cTn id="26" dur="1" fill="hold">
+                                          <p:stCondLst>
+                                            <p:cond delay="0"/>
+                                          </p:stCondLst>
+                                        </p:cTn>
+                                        <p:tgtEl>
+                                          <p:spTgt spid="9"/>
+                                        </p:tgtEl>
+                                        <p:attrNameLst>
+                                          <p:attrName>style.visibility</p:attrName>
+                                        </p:attrNameLst>
+                                      </p:cBhvr>
+                                      <p:to>
+                                        <p:strVal val="visible"/>
+                                      </p:to>
+                                    </p:set>
+                                    <p:animEffect transition="in" filter="barn(inVertical)">
+                                      <p:cBhvr>
+                                        <p:cTn id="27" dur="500"/>
+                                        <p:tgtEl>
+                                          <p:spTgt spid="9"/>
+                                        </p:tgtEl>
+                                      </p:cBhvr>
+                                    </p:animEffect>
+                                  </p:childTnLst>
+                                </p:cTn>
+                              </p:par>
+                            </p:childTnLst>
+                          </p:cTn>
+                        </p:par>
+                      </p:childTnLst>
+                    </p:cTn>
+                  </p:par>
+                </p:childTnLst>
+              </p:cTn>
+              <p:prevCondLst>
+                <p:cond evt="onPrev" delay="0">
+                  <p:tgtEl>
+                    <p:sldTgt/>
+                  </p:tgtEl>
+                </p:cond>
+              </p:prevCondLst>
+              <p:nextCondLst>
+                <p:cond evt="onNext" delay="0">
+                  <p:tgtEl>
+                    <p:sldTgt/>
+                  </p:tgtEl>
+                </p:cond>
+              </p:nextCondLst>
+            </p:seq>
+          </p:childTnLst>
+        </p:cTn>
+      </p:par>
+    </p:tnLst>
+    <p:bldLst>
+      <p:bldP spid="5" grpId="0"/>
+      <p:bldP spid="7" grpId="0"/>
+      <p:bldP spid="9" grpId="0"/>
+      <p:bldP spid="6" grpId="0"/>
+      <p:bldP spid="6" grpId="1"/>
+      <p:bldP spid="8" grpId="0"/>
+      <p:bldP spid="8" grpId="1"/>
+    </p:bldLst>
+  </p:timing>
+</p:sld>
+</file>
+
+<file path=ppt/slides/slide18.xml><?xml version="1.0" encoding="utf-8"?>
+<p:sld xmlns:a="http://schemas.openxmlformats.org/drawingml/2006/main" xmlns:r="http://schemas.openxmlformats.org/officeDocument/2006/relationships" xmlns:p="http://schemas.openxmlformats.org/presentationml/2006/main">
+  <p:cSld>
+    <p:spTree>
+      <p:nvGrpSpPr>
+        <p:cNvPr id="1" name=""/>
+        <p:cNvGrpSpPr/>
+        <p:nvPr/>
+      </p:nvGrpSpPr>
+      <p:grpSpPr>
+        <a:xfrm>
+          <a:off x="0" y="0"/>
+          <a:ext cx="0" cy="0"/>
+          <a:chOff x="0" y="0"/>
+          <a:chExt cx="0" cy="0"/>
+        </a:xfrm>
+      </p:grpSpPr>
+      <p:sp>
+        <p:nvSpPr>
+          <p:cNvPr id="22" name="流程图: 过程 21"/>
+          <p:cNvSpPr/>
+          <p:nvPr/>
+        </p:nvSpPr>
+        <p:spPr>
+          <a:xfrm>
+            <a:off x="578485" y="647065"/>
+            <a:ext cx="2108200" cy="423545"/>
+          </a:xfrm>
+          <a:prstGeom prst="flowChartProcess">
+            <a:avLst/>
+          </a:prstGeom>
+        </p:spPr>
+        <p:style>
+          <a:lnRef idx="1">
+            <a:schemeClr val="dk1"/>
+          </a:lnRef>
+          <a:fillRef idx="3">
+            <a:schemeClr val="dk1"/>
+          </a:fillRef>
+          <a:effectRef idx="2">
+            <a:schemeClr val="dk1"/>
+          </a:effectRef>
+          <a:fontRef idx="minor">
+            <a:schemeClr val="lt1"/>
+          </a:fontRef>
+        </p:style>
+        <p:txBody>
+          <a:bodyPr rtlCol="0" anchor="ctr"/>
+          <a:p>
+            <a:pPr algn="l"/>
+            <a:r>
+              <a:rPr lang="zh-CN" altLang="en-US"/>
+              <a:t>机内码（汉字内码）</a:t>
+            </a:r>
+            <a:endParaRPr lang="zh-CN" altLang="en-US"/>
+          </a:p>
+        </p:txBody>
+      </p:sp>
+      <p:sp>
+        <p:nvSpPr>
+          <p:cNvPr id="4" name="圆角矩形 3"/>
+          <p:cNvSpPr/>
+          <p:nvPr/>
+        </p:nvSpPr>
+        <p:spPr>
+          <a:xfrm>
+            <a:off x="474345" y="1510030"/>
+            <a:ext cx="10575290" cy="2021840"/>
+          </a:xfrm>
+          <a:prstGeom prst="roundRect">
+            <a:avLst/>
+          </a:prstGeom>
+        </p:spPr>
+        <p:style>
+          <a:lnRef idx="2">
+            <a:schemeClr val="accent1">
+              <a:shade val="50000"/>
+            </a:schemeClr>
+          </a:lnRef>
+          <a:fillRef idx="1">
+            <a:schemeClr val="accent1"/>
+          </a:fillRef>
+          <a:effectRef idx="0">
+            <a:schemeClr val="accent1"/>
+          </a:effectRef>
+          <a:fontRef idx="minor">
+            <a:schemeClr val="lt1"/>
+          </a:fontRef>
+        </p:style>
+        <p:txBody>
+          <a:bodyPr rtlCol="0" anchor="ctr"/>
+          <a:p>
+            <a:pPr algn="l"/>
+            <a:r>
+              <a:t>汉字内码:是为在计算机内部对汉字进行</a:t>
+            </a:r>
+            <a:r>
+              <a:rPr>
+                <a:solidFill>
+                  <a:srgbClr val="FF0000"/>
+                </a:solidFill>
+              </a:rPr>
+              <a:t>存储、处理</a:t>
+            </a:r>
+            <a:r>
+              <a:t>的汉字编码。</a:t>
+            </a:r>
+          </a:p>
+          <a:p>
+            <a:pPr algn="l"/>
+            <a:r>
+              <a:t>不同汉字系统使用的机内码可能不同。汉字内码的形式有多种。</a:t>
+            </a:r>
+          </a:p>
+          <a:p>
+            <a:pPr algn="l"/>
+            <a:r>
+              <a:t>对应国标码，一个汉字的内码用</a:t>
+            </a:r>
+            <a:r>
+              <a:rPr>
+                <a:solidFill>
+                  <a:srgbClr val="FF0000"/>
+                </a:solidFill>
+              </a:rPr>
+              <a:t>2个字节</a:t>
+            </a:r>
+            <a:r>
+              <a:t>存储，每个汉字的</a:t>
+            </a:r>
+            <a:r>
+              <a:rPr>
+                <a:solidFill>
+                  <a:srgbClr val="FF0000"/>
+                </a:solidFill>
+              </a:rPr>
+              <a:t>最高位置“1”作为汉字内码的标识</a:t>
+            </a:r>
+            <a:r>
+              <a:t>。</a:t>
+            </a:r>
+          </a:p>
+        </p:txBody>
+      </p:sp>
+      <p:sp>
+        <p:nvSpPr>
+          <p:cNvPr id="5" name="流程图: 可选过程 4"/>
+          <p:cNvSpPr/>
+          <p:nvPr/>
+        </p:nvSpPr>
+        <p:spPr>
+          <a:xfrm>
+            <a:off x="2760345" y="4633595"/>
+            <a:ext cx="4761230" cy="927100"/>
+          </a:xfrm>
+          <a:prstGeom prst="flowChartAlternateProcess">
+            <a:avLst/>
+          </a:prstGeom>
+        </p:spPr>
+        <p:style>
+          <a:lnRef idx="2">
+            <a:schemeClr val="accent3">
+              <a:shade val="50000"/>
+            </a:schemeClr>
+          </a:lnRef>
+          <a:fillRef idx="1">
+            <a:schemeClr val="accent3"/>
+          </a:fillRef>
+          <a:effectRef idx="0">
+            <a:schemeClr val="accent3"/>
+          </a:effectRef>
+          <a:fontRef idx="minor">
+            <a:schemeClr val="lt1"/>
+          </a:fontRef>
+        </p:style>
+        <p:txBody>
+          <a:bodyPr rtlCol="0" anchor="ctr"/>
+          <a:p>
+            <a:pPr algn="ctr"/>
+            <a:r>
+              <a:rPr>
+                <a:sym typeface="+mn-ea"/>
+              </a:rPr>
+              <a:t>机内码</a:t>
+            </a:r>
+            <a:r>
+              <a:rPr lang="zh-CN">
+                <a:sym typeface="+mn-ea"/>
+              </a:rPr>
+              <a:t>（汉字内码）</a:t>
+            </a:r>
+            <a:r>
+              <a:rPr>
+                <a:sym typeface="+mn-ea"/>
+              </a:rPr>
+              <a:t> </a:t>
+            </a:r>
+            <a:r>
+              <a:rPr lang="en-US">
+                <a:sym typeface="+mn-ea"/>
+              </a:rPr>
+              <a:t>= </a:t>
+            </a:r>
+            <a:r>
+              <a:t>国标码+8080H </a:t>
+            </a:r>
+          </a:p>
+        </p:txBody>
+      </p:sp>
+      <p:sp>
+        <p:nvSpPr>
+          <p:cNvPr id="3" name="文本框 2"/>
+          <p:cNvSpPr txBox="1"/>
+          <p:nvPr/>
+        </p:nvSpPr>
+        <p:spPr>
+          <a:xfrm>
+            <a:off x="474345" y="4067175"/>
+            <a:ext cx="2468880" cy="368300"/>
+          </a:xfrm>
+          <a:prstGeom prst="rect">
+            <a:avLst/>
+          </a:prstGeom>
+          <a:noFill/>
+        </p:spPr>
+        <p:txBody>
+          <a:bodyPr wrap="none" rtlCol="0">
+            <a:spAutoFit/>
+          </a:bodyPr>
+          <a:p>
+            <a:r>
+              <a:rPr lang="zh-CN" altLang="en-US"/>
+              <a:t>机内码与国标码的转换</a:t>
+            </a:r>
+            <a:endParaRPr lang="zh-CN" altLang="en-US"/>
+          </a:p>
+        </p:txBody>
+      </p:sp>
+    </p:spTree>
+    <p:custDataLst>
+      <p:tags r:id="rId1"/>
+    </p:custDataLst>
+  </p:cSld>
+  <p:clrMapOvr>
+    <a:masterClrMapping/>
+  </p:clrMapOvr>
+  <p:transition>
+    <p:random/>
+  </p:transition>
+  <p:timing>
+    <p:tnLst>
+      <p:par>
+        <p:cTn id="1" dur="indefinite" restart="never" nodeType="tmRoot">
+          <p:childTnLst>
+            <p:seq concurrent="1" nextAc="seek">
+              <p:cTn id="2" dur="indefinite" nodeType="mainSeq">
+                <p:childTnLst>
+                  <p:par>
+                    <p:cTn id="3" fill="hold">
+                      <p:stCondLst>
+                        <p:cond delay="indefinite"/>
+                      </p:stCondLst>
+                      <p:childTnLst>
+                        <p:par>
+                          <p:cTn id="4" fill="hold">
+                            <p:stCondLst>
+                              <p:cond delay="0"/>
+                            </p:stCondLst>
+                            <p:childTnLst>
+                              <p:par>
+                                <p:cTn id="5" presetID="3" presetClass="entr" presetSubtype="10" fill="hold" grpId="0" nodeType="clickEffect">
+                                  <p:stCondLst>
+                                    <p:cond delay="0"/>
+                                  </p:stCondLst>
+                                  <p:childTnLst>
+                                    <p:set>
+                                      <p:cBhvr>
+                                        <p:cTn id="6" dur="1" fill="hold">
+                                          <p:stCondLst>
+                                            <p:cond delay="0"/>
+                                          </p:stCondLst>
+                                        </p:cTn>
+                                        <p:tgtEl>
+                                          <p:spTgt spid="3"/>
+                                        </p:tgtEl>
+                                        <p:attrNameLst>
+                                          <p:attrName>style.visibility</p:attrName>
+                                        </p:attrNameLst>
+                                      </p:cBhvr>
+                                      <p:to>
+                                        <p:strVal val="visible"/>
+                                      </p:to>
+                                    </p:set>
+                                    <p:animEffect transition="in" filter="blinds(horizontal)">
+                                      <p:cBhvr>
+                                        <p:cTn id="7" dur="500"/>
+                                        <p:tgtEl>
+                                          <p:spTgt spid="3"/>
+                                        </p:tgtEl>
+                                      </p:cBhvr>
+                                    </p:animEffect>
+                                  </p:childTnLst>
+                                </p:cTn>
+                              </p:par>
+                            </p:childTnLst>
+                          </p:cTn>
+                        </p:par>
+                      </p:childTnLst>
+                    </p:cTn>
+                  </p:par>
+                  <p:par>
+                    <p:cTn id="8" fill="hold">
+                      <p:stCondLst>
+                        <p:cond delay="indefinite"/>
+                      </p:stCondLst>
+                      <p:childTnLst>
+                        <p:par>
+                          <p:cTn id="9" fill="hold">
+                            <p:stCondLst>
+                              <p:cond delay="0"/>
+                            </p:stCondLst>
+                            <p:childTnLst>
+                              <p:par>
+                                <p:cTn id="10" presetID="3" presetClass="entr" presetSubtype="10" fill="hold" grpId="0" nodeType="clickEffect">
+                                  <p:stCondLst>
+                                    <p:cond delay="0"/>
+                                  </p:stCondLst>
+                                  <p:childTnLst>
+                                    <p:set>
+                                      <p:cBhvr>
+                                        <p:cTn id="11" dur="1" fill="hold">
+                                          <p:stCondLst>
+                                            <p:cond delay="0"/>
+                                          </p:stCondLst>
+                                        </p:cTn>
+                                        <p:tgtEl>
+                                          <p:spTgt spid="5"/>
+                                        </p:tgtEl>
+                                        <p:attrNameLst>
+                                          <p:attrName>style.visibility</p:attrName>
+                                        </p:attrNameLst>
+                                      </p:cBhvr>
+                                      <p:to>
+                                        <p:strVal val="visible"/>
+                                      </p:to>
+                                    </p:set>
+                                    <p:animEffect transition="in" filter="blinds(horizontal)">
+                                      <p:cBhvr>
+                                        <p:cTn id="12" dur="500"/>
+                                        <p:tgtEl>
+                                          <p:spTgt spid="5"/>
+                                        </p:tgtEl>
+                                      </p:cBhvr>
+                                    </p:animEffect>
+                                  </p:childTnLst>
+                                </p:cTn>
+                              </p:par>
+                            </p:childTnLst>
+                          </p:cTn>
+                        </p:par>
+                      </p:childTnLst>
+                    </p:cTn>
+                  </p:par>
+                </p:childTnLst>
+              </p:cTn>
+              <p:prevCondLst>
+                <p:cond evt="onPrev" delay="0">
+                  <p:tgtEl>
+                    <p:sldTgt/>
+                  </p:tgtEl>
+                </p:cond>
+              </p:prevCondLst>
+              <p:nextCondLst>
+                <p:cond evt="onNext" delay="0">
+                  <p:tgtEl>
+                    <p:sldTgt/>
+                  </p:tgtEl>
+                </p:cond>
+              </p:nextCondLst>
+            </p:seq>
+          </p:childTnLst>
+        </p:cTn>
+      </p:par>
+    </p:tnLst>
+    <p:bldLst>
+      <p:bldP spid="3" grpId="0"/>
+      <p:bldP spid="3" grpId="1"/>
       <p:bldP spid="5" grpId="0" animBg="1"/>
       <p:bldP spid="5" grpId="1" animBg="1"/>
     </p:bldLst>
@@ -14463,7 +17860,1463 @@
 </p:sld>
 </file>
 
-<file path=ppt/slides/slide15.xml><?xml version="1.0" encoding="utf-8"?>
+<file path=ppt/slides/slide19.xml><?xml version="1.0" encoding="utf-8"?>
+<p:sld xmlns:a="http://schemas.openxmlformats.org/drawingml/2006/main" xmlns:r="http://schemas.openxmlformats.org/officeDocument/2006/relationships" xmlns:p="http://schemas.openxmlformats.org/presentationml/2006/main">
+  <p:cSld>
+    <p:spTree>
+      <p:nvGrpSpPr>
+        <p:cNvPr id="1" name=""/>
+        <p:cNvGrpSpPr/>
+        <p:nvPr/>
+      </p:nvGrpSpPr>
+      <p:grpSpPr>
+        <a:xfrm>
+          <a:off x="0" y="0"/>
+          <a:ext cx="0" cy="0"/>
+          <a:chOff x="0" y="0"/>
+          <a:chExt cx="0" cy="0"/>
+        </a:xfrm>
+      </p:grpSpPr>
+      <p:sp>
+        <p:nvSpPr>
+          <p:cNvPr id="5" name="流程图: 可选过程 4"/>
+          <p:cNvSpPr/>
+          <p:nvPr/>
+        </p:nvSpPr>
+        <p:spPr>
+          <a:xfrm>
+            <a:off x="1712595" y="1727200"/>
+            <a:ext cx="7588250" cy="2637155"/>
+          </a:xfrm>
+          <a:prstGeom prst="flowChartAlternateProcess">
+            <a:avLst/>
+          </a:prstGeom>
+        </p:spPr>
+        <p:style>
+          <a:lnRef idx="2">
+            <a:schemeClr val="accent3">
+              <a:shade val="50000"/>
+            </a:schemeClr>
+          </a:lnRef>
+          <a:fillRef idx="1">
+            <a:schemeClr val="accent3"/>
+          </a:fillRef>
+          <a:effectRef idx="0">
+            <a:schemeClr val="accent3"/>
+          </a:effectRef>
+          <a:fontRef idx="minor">
+            <a:schemeClr val="lt1"/>
+          </a:fontRef>
+        </p:style>
+        <p:txBody>
+          <a:bodyPr rtlCol="0" anchor="ctr"/>
+          <a:p>
+            <a:pPr algn="l"/>
+            <a:r>
+              <a:rPr lang="zh-CN" altLang="en-US">
+                <a:sym typeface="+mn-ea"/>
+              </a:rPr>
+              <a:t>汉字内码</a:t>
+            </a:r>
+            <a:r>
+              <a:t>用十六进制表示时，第1位和第三位必定大于8。汉字机内码的基础是汉子国际码。汉字机内码=</a:t>
+            </a:r>
+            <a:r>
+              <a:rPr>
+                <a:sym typeface="+mn-ea"/>
+              </a:rPr>
+              <a:t>国标码</a:t>
+            </a:r>
+            <a:r>
+              <a:t>+8080H。这是为了和国际码区分开来，因为加了8080H，所以</a:t>
+            </a:r>
+            <a:r>
+              <a:rPr>
+                <a:solidFill>
+                  <a:srgbClr val="FF0000"/>
+                </a:solidFill>
+              </a:rPr>
+              <a:t>汉字机内码第1、3位大于等于8</a:t>
+            </a:r>
+            <a:r>
+              <a:t> </a:t>
+            </a:r>
+          </a:p>
+        </p:txBody>
+      </p:sp>
+      <p:sp>
+        <p:nvSpPr>
+          <p:cNvPr id="3" name="文本框 2"/>
+          <p:cNvSpPr txBox="1"/>
+          <p:nvPr/>
+        </p:nvSpPr>
+        <p:spPr>
+          <a:xfrm>
+            <a:off x="513715" y="715645"/>
+            <a:ext cx="2926080" cy="368300"/>
+          </a:xfrm>
+          <a:prstGeom prst="rect">
+            <a:avLst/>
+          </a:prstGeom>
+          <a:noFill/>
+        </p:spPr>
+        <p:txBody>
+          <a:bodyPr wrap="none" rtlCol="0">
+            <a:spAutoFit/>
+          </a:bodyPr>
+          <a:p>
+            <a:r>
+              <a:rPr lang="zh-CN" altLang="en-US"/>
+              <a:t>机内码（汉字内码）的辨别</a:t>
+            </a:r>
+            <a:endParaRPr lang="zh-CN" altLang="en-US"/>
+          </a:p>
+        </p:txBody>
+      </p:sp>
+    </p:spTree>
+    <p:custDataLst>
+      <p:tags r:id="rId1"/>
+    </p:custDataLst>
+  </p:cSld>
+  <p:clrMapOvr>
+    <a:masterClrMapping/>
+  </p:clrMapOvr>
+  <p:transition>
+    <p:random/>
+  </p:transition>
+  <p:timing>
+    <p:tnLst>
+      <p:par>
+        <p:cTn id="1" dur="indefinite" restart="never" nodeType="tmRoot">
+          <p:childTnLst>
+            <p:seq concurrent="1" nextAc="seek">
+              <p:cTn id="2" dur="indefinite" nodeType="mainSeq">
+                <p:childTnLst>
+                  <p:par>
+                    <p:cTn id="3" fill="hold">
+                      <p:stCondLst>
+                        <p:cond delay="indefinite"/>
+                      </p:stCondLst>
+                      <p:childTnLst>
+                        <p:par>
+                          <p:cTn id="4" fill="hold">
+                            <p:stCondLst>
+                              <p:cond delay="0"/>
+                            </p:stCondLst>
+                            <p:childTnLst>
+                              <p:par>
+                                <p:cTn id="5" presetID="3" presetClass="entr" presetSubtype="10" fill="hold" grpId="0" nodeType="clickEffect">
+                                  <p:stCondLst>
+                                    <p:cond delay="0"/>
+                                  </p:stCondLst>
+                                  <p:childTnLst>
+                                    <p:set>
+                                      <p:cBhvr>
+                                        <p:cTn id="6" dur="1" fill="hold">
+                                          <p:stCondLst>
+                                            <p:cond delay="0"/>
+                                          </p:stCondLst>
+                                        </p:cTn>
+                                        <p:tgtEl>
+                                          <p:spTgt spid="3"/>
+                                        </p:tgtEl>
+                                        <p:attrNameLst>
+                                          <p:attrName>style.visibility</p:attrName>
+                                        </p:attrNameLst>
+                                      </p:cBhvr>
+                                      <p:to>
+                                        <p:strVal val="visible"/>
+                                      </p:to>
+                                    </p:set>
+                                    <p:animEffect transition="in" filter="blinds(horizontal)">
+                                      <p:cBhvr>
+                                        <p:cTn id="7" dur="500"/>
+                                        <p:tgtEl>
+                                          <p:spTgt spid="3"/>
+                                        </p:tgtEl>
+                                      </p:cBhvr>
+                                    </p:animEffect>
+                                  </p:childTnLst>
+                                </p:cTn>
+                              </p:par>
+                            </p:childTnLst>
+                          </p:cTn>
+                        </p:par>
+                      </p:childTnLst>
+                    </p:cTn>
+                  </p:par>
+                  <p:par>
+                    <p:cTn id="8" fill="hold">
+                      <p:stCondLst>
+                        <p:cond delay="indefinite"/>
+                      </p:stCondLst>
+                      <p:childTnLst>
+                        <p:par>
+                          <p:cTn id="9" fill="hold">
+                            <p:stCondLst>
+                              <p:cond delay="0"/>
+                            </p:stCondLst>
+                            <p:childTnLst>
+                              <p:par>
+                                <p:cTn id="10" presetID="3" presetClass="entr" presetSubtype="10" fill="hold" grpId="0" nodeType="clickEffect">
+                                  <p:stCondLst>
+                                    <p:cond delay="0"/>
+                                  </p:stCondLst>
+                                  <p:childTnLst>
+                                    <p:set>
+                                      <p:cBhvr>
+                                        <p:cTn id="11" dur="1" fill="hold">
+                                          <p:stCondLst>
+                                            <p:cond delay="0"/>
+                                          </p:stCondLst>
+                                        </p:cTn>
+                                        <p:tgtEl>
+                                          <p:spTgt spid="5"/>
+                                        </p:tgtEl>
+                                        <p:attrNameLst>
+                                          <p:attrName>style.visibility</p:attrName>
+                                        </p:attrNameLst>
+                                      </p:cBhvr>
+                                      <p:to>
+                                        <p:strVal val="visible"/>
+                                      </p:to>
+                                    </p:set>
+                                    <p:animEffect transition="in" filter="blinds(horizontal)">
+                                      <p:cBhvr>
+                                        <p:cTn id="12" dur="500"/>
+                                        <p:tgtEl>
+                                          <p:spTgt spid="5"/>
+                                        </p:tgtEl>
+                                      </p:cBhvr>
+                                    </p:animEffect>
+                                  </p:childTnLst>
+                                </p:cTn>
+                              </p:par>
+                            </p:childTnLst>
+                          </p:cTn>
+                        </p:par>
+                      </p:childTnLst>
+                    </p:cTn>
+                  </p:par>
+                </p:childTnLst>
+              </p:cTn>
+              <p:prevCondLst>
+                <p:cond evt="onPrev" delay="0">
+                  <p:tgtEl>
+                    <p:sldTgt/>
+                  </p:tgtEl>
+                </p:cond>
+              </p:prevCondLst>
+              <p:nextCondLst>
+                <p:cond evt="onNext" delay="0">
+                  <p:tgtEl>
+                    <p:sldTgt/>
+                  </p:tgtEl>
+                </p:cond>
+              </p:nextCondLst>
+            </p:seq>
+          </p:childTnLst>
+        </p:cTn>
+      </p:par>
+    </p:tnLst>
+    <p:bldLst>
+      <p:bldP spid="3" grpId="0"/>
+      <p:bldP spid="3" grpId="1"/>
+      <p:bldP spid="5" grpId="0" bldLvl="0" animBg="1"/>
+      <p:bldP spid="5" grpId="1" animBg="1"/>
+    </p:bldLst>
+  </p:timing>
+</p:sld>
+</file>
+
+<file path=ppt/slides/slide2.xml><?xml version="1.0" encoding="utf-8"?>
+<p:sld xmlns:a="http://schemas.openxmlformats.org/drawingml/2006/main" xmlns:r="http://schemas.openxmlformats.org/officeDocument/2006/relationships" xmlns:p="http://schemas.openxmlformats.org/presentationml/2006/main">
+  <p:cSld>
+    <p:spTree>
+      <p:nvGrpSpPr>
+        <p:cNvPr id="1" name=""/>
+        <p:cNvGrpSpPr/>
+        <p:nvPr/>
+      </p:nvGrpSpPr>
+      <p:grpSpPr>
+        <a:xfrm>
+          <a:off x="0" y="0"/>
+          <a:ext cx="0" cy="0"/>
+          <a:chOff x="0" y="0"/>
+          <a:chExt cx="0" cy="0"/>
+        </a:xfrm>
+      </p:grpSpPr>
+      <p:sp>
+        <p:nvSpPr>
+          <p:cNvPr id="2" name="标题 1"/>
+          <p:cNvSpPr>
+            <a:spLocks noGrp="1"/>
+          </p:cNvSpPr>
+          <p:nvPr>
+            <p:ph type="ctrTitle"/>
+            <p:custDataLst>
+              <p:tags r:id="rId1"/>
+            </p:custDataLst>
+          </p:nvPr>
+        </p:nvSpPr>
+        <p:spPr>
+          <a:xfrm>
+            <a:off x="1198880" y="914400"/>
+            <a:ext cx="9799320" cy="716280"/>
+          </a:xfrm>
+        </p:spPr>
+        <p:txBody>
+          <a:bodyPr>
+            <a:normAutofit fontScale="90000"/>
+          </a:bodyPr>
+          <a:p>
+            <a:r>
+              <a:rPr lang="zh-CN" altLang="en-US"/>
+              <a:t>计算机基础知识</a:t>
+            </a:r>
+            <a:endParaRPr lang="zh-CN" altLang="en-US"/>
+          </a:p>
+        </p:txBody>
+      </p:sp>
+      <p:sp>
+        <p:nvSpPr>
+          <p:cNvPr id="3" name="副标题 2"/>
+          <p:cNvSpPr>
+            <a:spLocks noGrp="1"/>
+          </p:cNvSpPr>
+          <p:nvPr>
+            <p:ph type="subTitle" idx="1"/>
+            <p:custDataLst>
+              <p:tags r:id="rId2"/>
+            </p:custDataLst>
+          </p:nvPr>
+        </p:nvSpPr>
+        <p:spPr>
+          <a:xfrm>
+            <a:off x="1198880" y="1972310"/>
+            <a:ext cx="9799320" cy="3060700"/>
+          </a:xfrm>
+        </p:spPr>
+        <p:txBody>
+          <a:bodyPr>
+            <a:normAutofit lnSpcReduction="20000"/>
+          </a:bodyPr>
+          <a:p>
+            <a:pPr algn="l"/>
+            <a:r>
+              <a:rPr lang="zh-CN" altLang="en-US">
+                <a:solidFill>
+                  <a:schemeClr val="tx2"/>
+                </a:solidFill>
+              </a:rPr>
+              <a:t>第一章.计算机概念</a:t>
+            </a:r>
+            <a:endParaRPr lang="zh-CN" altLang="en-US">
+              <a:solidFill>
+                <a:schemeClr val="tx2"/>
+              </a:solidFill>
+            </a:endParaRPr>
+          </a:p>
+          <a:p>
+            <a:pPr algn="l"/>
+            <a:r>
+              <a:rPr lang="zh-CN" altLang="en-US">
+                <a:solidFill>
+                  <a:schemeClr val="tx2"/>
+                </a:solidFill>
+              </a:rPr>
+              <a:t>第二章.计算机系统组成</a:t>
+            </a:r>
+            <a:endParaRPr lang="zh-CN" altLang="en-US">
+              <a:solidFill>
+                <a:schemeClr val="tx2"/>
+              </a:solidFill>
+            </a:endParaRPr>
+          </a:p>
+          <a:p>
+            <a:pPr algn="l"/>
+            <a:r>
+              <a:rPr lang="zh-CN" altLang="en-US">
+                <a:solidFill>
+                  <a:schemeClr val="tx2"/>
+                </a:solidFill>
+                <a:sym typeface="+mn-ea"/>
+              </a:rPr>
+              <a:t>第三章.计算机病毒防治</a:t>
+            </a:r>
+            <a:endParaRPr lang="zh-CN" altLang="en-US">
+              <a:solidFill>
+                <a:schemeClr val="tx2"/>
+              </a:solidFill>
+            </a:endParaRPr>
+          </a:p>
+          <a:p>
+            <a:pPr algn="l"/>
+            <a:r>
+              <a:rPr lang="zh-CN" altLang="en-US">
+                <a:solidFill>
+                  <a:schemeClr val="tx2"/>
+                </a:solidFill>
+              </a:rPr>
+              <a:t>第四章.</a:t>
+            </a:r>
+            <a:r>
+              <a:rPr lang="zh-CN" altLang="en-US">
+                <a:solidFill>
+                  <a:schemeClr val="tx2"/>
+                </a:solidFill>
+                <a:hlinkClick r:id="rId3" action="ppaction://hlinksldjump"/>
+              </a:rPr>
+              <a:t>计算机</a:t>
+            </a:r>
+            <a:r>
+              <a:rPr lang="zh-CN" altLang="en-US">
+                <a:solidFill>
+                  <a:schemeClr val="tx2"/>
+                </a:solidFill>
+                <a:sym typeface="+mn-ea"/>
+                <a:hlinkClick r:id="rId3" action="ppaction://hlinksldjump"/>
+              </a:rPr>
+              <a:t>进制与</a:t>
+            </a:r>
+            <a:r>
+              <a:rPr lang="zh-CN" altLang="en-US">
+                <a:solidFill>
+                  <a:schemeClr val="tx2"/>
+                </a:solidFill>
+                <a:hlinkClick r:id="rId3" action="ppaction://hlinksldjump"/>
+              </a:rPr>
+              <a:t>编码</a:t>
+            </a:r>
+            <a:r>
+              <a:rPr lang="zh-CN" altLang="en-US">
+                <a:solidFill>
+                  <a:schemeClr val="accent6"/>
+                </a:solidFill>
+              </a:rPr>
+              <a:t>（难点）</a:t>
+            </a:r>
+            <a:endParaRPr lang="zh-CN" altLang="en-US">
+              <a:solidFill>
+                <a:schemeClr val="accent6"/>
+              </a:solidFill>
+            </a:endParaRPr>
+          </a:p>
+          <a:p>
+            <a:pPr algn="l"/>
+            <a:r>
+              <a:rPr lang="zh-CN" altLang="en-US">
+                <a:solidFill>
+                  <a:schemeClr val="tx2"/>
+                </a:solidFill>
+                <a:latin typeface="微软雅黑" panose="020B0503020204020204" pitchFamily="34" charset="-122"/>
+                <a:cs typeface="微软雅黑" panose="020B0503020204020204" pitchFamily="34" charset="-122"/>
+              </a:rPr>
+              <a:t>第五章</a:t>
+            </a:r>
+            <a:r>
+              <a:rPr lang="en-US" altLang="zh-CN">
+                <a:solidFill>
+                  <a:schemeClr val="tx2"/>
+                </a:solidFill>
+                <a:latin typeface="微软雅黑" panose="020B0503020204020204" pitchFamily="34" charset="-122"/>
+                <a:cs typeface="微软雅黑" panose="020B0503020204020204" pitchFamily="34" charset="-122"/>
+              </a:rPr>
+              <a:t>.</a:t>
+            </a:r>
+            <a:r>
+              <a:rPr lang="en-US" altLang="zh-CN">
+                <a:solidFill>
+                  <a:schemeClr val="tx2"/>
+                </a:solidFill>
+                <a:latin typeface="微软雅黑" panose="020B0503020204020204" pitchFamily="34" charset="-122"/>
+                <a:cs typeface="微软雅黑" panose="020B0503020204020204" pitchFamily="34" charset="-122"/>
+                <a:sym typeface="+mn-ea"/>
+              </a:rPr>
+              <a:t>多媒体技术</a:t>
+            </a:r>
+            <a:r>
+              <a:rPr lang="zh-CN" altLang="en-US">
+                <a:solidFill>
+                  <a:schemeClr val="tx2"/>
+                </a:solidFill>
+                <a:latin typeface="微软雅黑" panose="020B0503020204020204" pitchFamily="34" charset="-122"/>
+                <a:cs typeface="微软雅黑" panose="020B0503020204020204" pitchFamily="34" charset="-122"/>
+                <a:sym typeface="+mn-ea"/>
+              </a:rPr>
+              <a:t>与</a:t>
+            </a:r>
+            <a:r>
+              <a:rPr lang="zh-CN" altLang="en-US">
+                <a:solidFill>
+                  <a:schemeClr val="tx2"/>
+                </a:solidFill>
+                <a:latin typeface="微软雅黑" panose="020B0503020204020204" pitchFamily="34" charset="-122"/>
+                <a:cs typeface="微软雅黑" panose="020B0503020204020204" pitchFamily="34" charset="-122"/>
+                <a:sym typeface="+mn-ea"/>
+              </a:rPr>
+              <a:t>计算机网络</a:t>
+            </a:r>
+            <a:endParaRPr lang="zh-CN" altLang="en-US">
+              <a:solidFill>
+                <a:schemeClr val="tx2"/>
+              </a:solidFill>
+              <a:latin typeface="微软雅黑" panose="020B0503020204020204" pitchFamily="34" charset="-122"/>
+              <a:ea typeface="+mj-ea"/>
+              <a:cs typeface="微软雅黑" panose="020B0503020204020204" pitchFamily="34" charset="-122"/>
+            </a:endParaRPr>
+          </a:p>
+        </p:txBody>
+      </p:sp>
+    </p:spTree>
+    <p:custDataLst>
+      <p:tags r:id="rId4"/>
+    </p:custDataLst>
+  </p:cSld>
+  <p:clrMapOvr>
+    <a:masterClrMapping/>
+  </p:clrMapOvr>
+  <p:transition>
+    <p:random/>
+  </p:transition>
+</p:sld>
+</file>
+
+<file path=ppt/slides/slide20.xml><?xml version="1.0" encoding="utf-8"?>
+<p:sld xmlns:a="http://schemas.openxmlformats.org/drawingml/2006/main" xmlns:r="http://schemas.openxmlformats.org/officeDocument/2006/relationships" xmlns:p="http://schemas.openxmlformats.org/presentationml/2006/main">
+  <p:cSld>
+    <p:spTree>
+      <p:nvGrpSpPr>
+        <p:cNvPr id="1" name=""/>
+        <p:cNvGrpSpPr/>
+        <p:nvPr/>
+      </p:nvGrpSpPr>
+      <p:grpSpPr>
+        <a:xfrm>
+          <a:off x="0" y="0"/>
+          <a:ext cx="0" cy="0"/>
+          <a:chOff x="0" y="0"/>
+          <a:chExt cx="0" cy="0"/>
+        </a:xfrm>
+      </p:grpSpPr>
+      <p:sp>
+        <p:nvSpPr>
+          <p:cNvPr id="2" name="标题 1"/>
+          <p:cNvSpPr>
+            <a:spLocks noGrp="1"/>
+          </p:cNvSpPr>
+          <p:nvPr>
+            <p:ph type="ctrTitle"/>
+            <p:custDataLst>
+              <p:tags r:id="rId1"/>
+            </p:custDataLst>
+          </p:nvPr>
+        </p:nvSpPr>
+        <p:spPr>
+          <a:xfrm>
+            <a:off x="1198880" y="360680"/>
+            <a:ext cx="9799320" cy="671830"/>
+          </a:xfrm>
+        </p:spPr>
+        <p:txBody>
+          <a:bodyPr>
+            <a:normAutofit/>
+            <a:scene3d>
+              <a:camera prst="orthographicFront"/>
+              <a:lightRig rig="threePt" dir="t"/>
+            </a:scene3d>
+          </a:bodyPr>
+          <a:p>
+            <a:r>
+              <a:rPr lang="zh-CN" altLang="zh-CN" sz="3110">
+                <a:solidFill>
+                  <a:schemeClr val="accent1"/>
+                </a:solidFill>
+                <a:effectLst>
+                  <a:outerShdw blurRad="38100" dist="25400" dir="5400000" algn="ctr" rotWithShape="0">
+                    <a:srgbClr val="6E747A">
+                      <a:alpha val="43000"/>
+                    </a:srgbClr>
+                  </a:outerShdw>
+                </a:effectLst>
+              </a:rPr>
+              <a:t>章节练习</a:t>
+            </a:r>
+            <a:endParaRPr lang="zh-CN" altLang="zh-CN" sz="3110">
+              <a:solidFill>
+                <a:schemeClr val="accent1"/>
+              </a:solidFill>
+              <a:effectLst>
+                <a:outerShdw blurRad="38100" dist="25400" dir="5400000" algn="ctr" rotWithShape="0">
+                  <a:srgbClr val="6E747A">
+                    <a:alpha val="43000"/>
+                  </a:srgbClr>
+                </a:outerShdw>
+              </a:effectLst>
+            </a:endParaRPr>
+          </a:p>
+        </p:txBody>
+      </p:sp>
+      <p:sp>
+        <p:nvSpPr>
+          <p:cNvPr id="4" name="文本框 3"/>
+          <p:cNvSpPr txBox="1"/>
+          <p:nvPr/>
+        </p:nvSpPr>
+        <p:spPr>
+          <a:xfrm>
+            <a:off x="1009650" y="1118235"/>
+            <a:ext cx="8571230" cy="1476375"/>
+          </a:xfrm>
+          <a:prstGeom prst="rect">
+            <a:avLst/>
+          </a:prstGeom>
+          <a:noFill/>
+        </p:spPr>
+        <p:txBody>
+          <a:bodyPr wrap="square" rtlCol="0" anchor="t">
+            <a:spAutoFit/>
+          </a:bodyPr>
+          <a:p>
+            <a:r>
+              <a:rPr lang="en-US" altLang="zh-CN"/>
+              <a:t>1.</a:t>
+            </a:r>
+            <a:r>
+              <a:rPr lang="zh-CN" altLang="en-US"/>
+              <a:t>一个汉字的内码和它的国标码之间的差是</a:t>
+            </a:r>
+            <a:endParaRPr lang="zh-CN" altLang="en-US"/>
+          </a:p>
+          <a:p>
+            <a:r>
+              <a:rPr lang="zh-CN" altLang="en-US"/>
+              <a:t>A)2020H</a:t>
+            </a:r>
+            <a:endParaRPr lang="zh-CN" altLang="en-US"/>
+          </a:p>
+          <a:p>
+            <a:r>
+              <a:rPr lang="zh-CN" altLang="en-US"/>
+              <a:t>B)4040H</a:t>
+            </a:r>
+            <a:endParaRPr lang="zh-CN" altLang="en-US"/>
+          </a:p>
+          <a:p>
+            <a:r>
+              <a:rPr lang="zh-CN" altLang="en-US"/>
+              <a:t>C)808</a:t>
+            </a:r>
+            <a:r>
+              <a:rPr lang="en-US" altLang="zh-CN"/>
+              <a:t>0</a:t>
+            </a:r>
+            <a:r>
+              <a:rPr lang="zh-CN" altLang="en-US"/>
+              <a:t>H</a:t>
+            </a:r>
+            <a:endParaRPr lang="zh-CN" altLang="en-US"/>
+          </a:p>
+          <a:p>
+            <a:r>
+              <a:rPr lang="zh-CN" altLang="en-US"/>
+              <a:t>D)A0A</a:t>
+            </a:r>
+            <a:r>
+              <a:rPr lang="en-US" altLang="zh-CN"/>
+              <a:t>0</a:t>
+            </a:r>
+            <a:r>
+              <a:rPr lang="zh-CN" altLang="en-US"/>
+              <a:t>H</a:t>
+            </a:r>
+            <a:endParaRPr lang="zh-CN" altLang="en-US"/>
+          </a:p>
+        </p:txBody>
+      </p:sp>
+      <p:sp>
+        <p:nvSpPr>
+          <p:cNvPr id="5" name="文本框 4"/>
+          <p:cNvSpPr txBox="1"/>
+          <p:nvPr/>
+        </p:nvSpPr>
+        <p:spPr>
+          <a:xfrm>
+            <a:off x="5556885" y="1118235"/>
+            <a:ext cx="347980" cy="368300"/>
+          </a:xfrm>
+          <a:prstGeom prst="rect">
+            <a:avLst/>
+          </a:prstGeom>
+          <a:noFill/>
+        </p:spPr>
+        <p:txBody>
+          <a:bodyPr wrap="none" rtlCol="0">
+            <a:spAutoFit/>
+          </a:bodyPr>
+          <a:p>
+            <a:r>
+              <a:rPr lang="en-US" altLang="zh-CN">
+                <a:solidFill>
+                  <a:schemeClr val="accent6">
+                    <a:lumMod val="50000"/>
+                  </a:schemeClr>
+                </a:solidFill>
+              </a:rPr>
+              <a:t>C</a:t>
+            </a:r>
+            <a:endParaRPr lang="en-US" altLang="zh-CN">
+              <a:solidFill>
+                <a:schemeClr val="accent6">
+                  <a:lumMod val="50000"/>
+                </a:schemeClr>
+              </a:solidFill>
+            </a:endParaRPr>
+          </a:p>
+        </p:txBody>
+      </p:sp>
+      <p:sp>
+        <p:nvSpPr>
+          <p:cNvPr id="6" name="文本框 5"/>
+          <p:cNvSpPr txBox="1"/>
+          <p:nvPr/>
+        </p:nvSpPr>
+        <p:spPr>
+          <a:xfrm>
+            <a:off x="1009650" y="2868930"/>
+            <a:ext cx="10083800" cy="922020"/>
+          </a:xfrm>
+          <a:prstGeom prst="rect">
+            <a:avLst/>
+          </a:prstGeom>
+          <a:noFill/>
+        </p:spPr>
+        <p:txBody>
+          <a:bodyPr wrap="square" rtlCol="0" anchor="t">
+            <a:spAutoFit/>
+          </a:bodyPr>
+          <a:p>
+            <a:r>
+              <a:rPr lang="en-US" altLang="zh-CN"/>
+              <a:t>2.</a:t>
+            </a:r>
+            <a:r>
+              <a:rPr lang="zh-CN" altLang="en-US"/>
+              <a:t>在微型计算机内部，对汉字进行传输、处理和存储时使用汉字的</a:t>
+            </a:r>
+            <a:endParaRPr lang="zh-CN" altLang="en-US"/>
+          </a:p>
+          <a:p>
+            <a:r>
+              <a:rPr lang="zh-CN" altLang="en-US"/>
+              <a:t>A)国标码</a:t>
+            </a:r>
+            <a:r>
+              <a:rPr lang="en-US" altLang="zh-CN"/>
+              <a:t>	</a:t>
+            </a:r>
+            <a:r>
+              <a:rPr lang="zh-CN" altLang="en-US"/>
+              <a:t>B)字形码</a:t>
+            </a:r>
+            <a:endParaRPr lang="zh-CN" altLang="en-US"/>
+          </a:p>
+          <a:p>
+            <a:r>
+              <a:rPr lang="zh-CN" altLang="en-US"/>
+              <a:t>C)输入码</a:t>
+            </a:r>
+            <a:r>
+              <a:rPr lang="en-US" altLang="zh-CN"/>
+              <a:t>	</a:t>
+            </a:r>
+            <a:r>
+              <a:rPr lang="zh-CN" altLang="en-US"/>
+              <a:t>D)机内码</a:t>
+            </a:r>
+            <a:endParaRPr lang="zh-CN" altLang="en-US"/>
+          </a:p>
+        </p:txBody>
+      </p:sp>
+      <p:sp>
+        <p:nvSpPr>
+          <p:cNvPr id="7" name="文本框 6"/>
+          <p:cNvSpPr txBox="1"/>
+          <p:nvPr/>
+        </p:nvSpPr>
+        <p:spPr>
+          <a:xfrm>
+            <a:off x="7907655" y="2868930"/>
+            <a:ext cx="347980" cy="368300"/>
+          </a:xfrm>
+          <a:prstGeom prst="rect">
+            <a:avLst/>
+          </a:prstGeom>
+          <a:noFill/>
+        </p:spPr>
+        <p:txBody>
+          <a:bodyPr wrap="none" rtlCol="0">
+            <a:spAutoFit/>
+          </a:bodyPr>
+          <a:p>
+            <a:r>
+              <a:rPr lang="en-US" altLang="zh-CN">
+                <a:solidFill>
+                  <a:schemeClr val="accent6">
+                    <a:lumMod val="50000"/>
+                  </a:schemeClr>
+                </a:solidFill>
+              </a:rPr>
+              <a:t>D</a:t>
+            </a:r>
+            <a:endParaRPr lang="en-US" altLang="zh-CN">
+              <a:solidFill>
+                <a:schemeClr val="accent6">
+                  <a:lumMod val="50000"/>
+                </a:schemeClr>
+              </a:solidFill>
+            </a:endParaRPr>
+          </a:p>
+        </p:txBody>
+      </p:sp>
+      <p:sp>
+        <p:nvSpPr>
+          <p:cNvPr id="8" name="文本框 7"/>
+          <p:cNvSpPr txBox="1"/>
+          <p:nvPr/>
+        </p:nvSpPr>
+        <p:spPr>
+          <a:xfrm>
+            <a:off x="1009650" y="4253230"/>
+            <a:ext cx="8947150" cy="645160"/>
+          </a:xfrm>
+          <a:prstGeom prst="rect">
+            <a:avLst/>
+          </a:prstGeom>
+          <a:noFill/>
+        </p:spPr>
+        <p:txBody>
+          <a:bodyPr wrap="square" rtlCol="0" anchor="t">
+            <a:spAutoFit/>
+          </a:bodyPr>
+          <a:p>
+            <a:r>
+              <a:rPr lang="en-US" altLang="zh-CN"/>
+              <a:t>3.</a:t>
+            </a:r>
+            <a:r>
+              <a:rPr lang="zh-CN" altLang="en-US"/>
+              <a:t>根据汉字国标GB2312—80的规定，一个汉字的内码码长为</a:t>
+            </a:r>
+            <a:endParaRPr lang="zh-CN" altLang="en-US"/>
+          </a:p>
+          <a:p>
+            <a:r>
+              <a:rPr lang="zh-CN" altLang="en-US"/>
+              <a:t>A)8bit</a:t>
+            </a:r>
+            <a:r>
+              <a:rPr lang="en-US" altLang="zh-CN"/>
+              <a:t>		</a:t>
+            </a:r>
+            <a:r>
+              <a:rPr lang="zh-CN" altLang="en-US"/>
+              <a:t>B)12bit</a:t>
+            </a:r>
+            <a:r>
+              <a:rPr lang="en-US" altLang="zh-CN"/>
+              <a:t>		</a:t>
+            </a:r>
+            <a:r>
+              <a:rPr lang="zh-CN" altLang="en-US"/>
+              <a:t>C)16bit</a:t>
+            </a:r>
+            <a:r>
+              <a:rPr lang="en-US" altLang="zh-CN"/>
+              <a:t>		</a:t>
+            </a:r>
+            <a:r>
+              <a:rPr lang="zh-CN" altLang="en-US"/>
+              <a:t>D)24bit</a:t>
+            </a:r>
+            <a:endParaRPr lang="zh-CN" altLang="en-US"/>
+          </a:p>
+        </p:txBody>
+      </p:sp>
+      <p:sp>
+        <p:nvSpPr>
+          <p:cNvPr id="9" name="文本框 8"/>
+          <p:cNvSpPr txBox="1"/>
+          <p:nvPr/>
+        </p:nvSpPr>
+        <p:spPr>
+          <a:xfrm>
+            <a:off x="7237095" y="4253230"/>
+            <a:ext cx="347980" cy="368300"/>
+          </a:xfrm>
+          <a:prstGeom prst="rect">
+            <a:avLst/>
+          </a:prstGeom>
+          <a:noFill/>
+        </p:spPr>
+        <p:txBody>
+          <a:bodyPr wrap="none" rtlCol="0">
+            <a:spAutoFit/>
+          </a:bodyPr>
+          <a:p>
+            <a:r>
+              <a:rPr lang="en-US" altLang="zh-CN">
+                <a:solidFill>
+                  <a:schemeClr val="accent6">
+                    <a:lumMod val="50000"/>
+                  </a:schemeClr>
+                </a:solidFill>
+              </a:rPr>
+              <a:t>C</a:t>
+            </a:r>
+            <a:endParaRPr lang="en-US" altLang="zh-CN">
+              <a:solidFill>
+                <a:schemeClr val="accent6">
+                  <a:lumMod val="50000"/>
+                </a:schemeClr>
+              </a:solidFill>
+            </a:endParaRPr>
+          </a:p>
+        </p:txBody>
+      </p:sp>
+      <p:sp>
+        <p:nvSpPr>
+          <p:cNvPr id="3" name="文本框 2"/>
+          <p:cNvSpPr txBox="1"/>
+          <p:nvPr/>
+        </p:nvSpPr>
+        <p:spPr>
+          <a:xfrm>
+            <a:off x="760730" y="5240655"/>
+            <a:ext cx="8947150" cy="922020"/>
+          </a:xfrm>
+          <a:prstGeom prst="rect">
+            <a:avLst/>
+          </a:prstGeom>
+          <a:noFill/>
+        </p:spPr>
+        <p:txBody>
+          <a:bodyPr wrap="square" rtlCol="0" anchor="t">
+            <a:spAutoFit/>
+          </a:bodyPr>
+          <a:p>
+            <a:r>
+              <a:rPr lang="en-US" altLang="zh-CN"/>
+              <a:t>4.</a:t>
+            </a:r>
+            <a:r>
+              <a:rPr lang="zh-CN" altLang="en-US"/>
+              <a:t>已知"装"字的拼音输入码是"zhuang"，而"大"字的拼音输入码是"da"，则存储它们内码分别需要的字节个数是</a:t>
+            </a:r>
+            <a:endParaRPr lang="zh-CN" altLang="en-US"/>
+          </a:p>
+          <a:p>
+            <a:r>
+              <a:rPr lang="zh-CN" altLang="en-US"/>
+              <a:t>A)6,2</a:t>
+            </a:r>
+            <a:r>
+              <a:rPr lang="en-US" altLang="zh-CN"/>
+              <a:t>	</a:t>
+            </a:r>
+            <a:r>
+              <a:rPr lang="zh-CN" altLang="en-US"/>
+              <a:t>B)3,1</a:t>
+            </a:r>
+            <a:r>
+              <a:rPr lang="en-US" altLang="zh-CN"/>
+              <a:t>	</a:t>
+            </a:r>
+            <a:r>
+              <a:rPr lang="zh-CN" altLang="en-US"/>
+              <a:t>C)2,2</a:t>
+            </a:r>
+            <a:r>
+              <a:rPr lang="en-US" altLang="zh-CN"/>
+              <a:t>	</a:t>
+            </a:r>
+            <a:r>
+              <a:rPr lang="zh-CN" altLang="en-US"/>
+              <a:t>D)3,2</a:t>
+            </a:r>
+            <a:endParaRPr lang="zh-CN" altLang="en-US"/>
+          </a:p>
+        </p:txBody>
+      </p:sp>
+      <p:sp>
+        <p:nvSpPr>
+          <p:cNvPr id="10" name="文本框 9"/>
+          <p:cNvSpPr txBox="1"/>
+          <p:nvPr/>
+        </p:nvSpPr>
+        <p:spPr>
+          <a:xfrm>
+            <a:off x="3183255" y="5517515"/>
+            <a:ext cx="347980" cy="368300"/>
+          </a:xfrm>
+          <a:prstGeom prst="rect">
+            <a:avLst/>
+          </a:prstGeom>
+          <a:noFill/>
+        </p:spPr>
+        <p:txBody>
+          <a:bodyPr wrap="none" rtlCol="0">
+            <a:spAutoFit/>
+          </a:bodyPr>
+          <a:p>
+            <a:r>
+              <a:rPr lang="en-US" altLang="zh-CN">
+                <a:solidFill>
+                  <a:schemeClr val="accent6">
+                    <a:lumMod val="50000"/>
+                  </a:schemeClr>
+                </a:solidFill>
+              </a:rPr>
+              <a:t>C</a:t>
+            </a:r>
+            <a:endParaRPr lang="en-US" altLang="zh-CN">
+              <a:solidFill>
+                <a:schemeClr val="accent6">
+                  <a:lumMod val="50000"/>
+                </a:schemeClr>
+              </a:solidFill>
+            </a:endParaRPr>
+          </a:p>
+        </p:txBody>
+      </p:sp>
+    </p:spTree>
+    <p:custDataLst>
+      <p:tags r:id="rId2"/>
+    </p:custDataLst>
+  </p:cSld>
+  <p:clrMapOvr>
+    <a:masterClrMapping/>
+  </p:clrMapOvr>
+  <p:transition>
+    <p:random/>
+  </p:transition>
+  <p:timing>
+    <p:tnLst>
+      <p:par>
+        <p:cTn id="1" dur="indefinite" restart="never" nodeType="tmRoot">
+          <p:childTnLst>
+            <p:seq concurrent="1" nextAc="seek">
+              <p:cTn id="2" dur="indefinite" nodeType="mainSeq">
+                <p:childTnLst>
+                  <p:par>
+                    <p:cTn id="3" fill="hold">
+                      <p:stCondLst>
+                        <p:cond delay="indefinite"/>
+                      </p:stCondLst>
+                      <p:childTnLst>
+                        <p:par>
+                          <p:cTn id="4" fill="hold">
+                            <p:stCondLst>
+                              <p:cond delay="0"/>
+                            </p:stCondLst>
+                            <p:childTnLst>
+                              <p:par>
+                                <p:cTn id="5" presetID="16" presetClass="entr" presetSubtype="21" fill="hold" grpId="0" nodeType="clickEffect">
+                                  <p:stCondLst>
+                                    <p:cond delay="0"/>
+                                  </p:stCondLst>
+                                  <p:childTnLst>
+                                    <p:set>
+                                      <p:cBhvr>
+                                        <p:cTn id="6" dur="1" fill="hold">
+                                          <p:stCondLst>
+                                            <p:cond delay="0"/>
+                                          </p:stCondLst>
+                                        </p:cTn>
+                                        <p:tgtEl>
+                                          <p:spTgt spid="5"/>
+                                        </p:tgtEl>
+                                        <p:attrNameLst>
+                                          <p:attrName>style.visibility</p:attrName>
+                                        </p:attrNameLst>
+                                      </p:cBhvr>
+                                      <p:to>
+                                        <p:strVal val="visible"/>
+                                      </p:to>
+                                    </p:set>
+                                    <p:animEffect transition="in" filter="barn(inVertical)">
+                                      <p:cBhvr>
+                                        <p:cTn id="7" dur="500"/>
+                                        <p:tgtEl>
+                                          <p:spTgt spid="5"/>
+                                        </p:tgtEl>
+                                      </p:cBhvr>
+                                    </p:animEffect>
+                                  </p:childTnLst>
+                                </p:cTn>
+                              </p:par>
+                            </p:childTnLst>
+                          </p:cTn>
+                        </p:par>
+                      </p:childTnLst>
+                    </p:cTn>
+                  </p:par>
+                  <p:par>
+                    <p:cTn id="8" fill="hold">
+                      <p:stCondLst>
+                        <p:cond delay="indefinite"/>
+                      </p:stCondLst>
+                      <p:childTnLst>
+                        <p:par>
+                          <p:cTn id="9" fill="hold">
+                            <p:stCondLst>
+                              <p:cond delay="0"/>
+                            </p:stCondLst>
+                            <p:childTnLst>
+                              <p:par>
+                                <p:cTn id="10" presetID="5" presetClass="entr" presetSubtype="10" fill="hold" grpId="0" nodeType="clickEffect">
+                                  <p:stCondLst>
+                                    <p:cond delay="0"/>
+                                  </p:stCondLst>
+                                  <p:childTnLst>
+                                    <p:set>
+                                      <p:cBhvr>
+                                        <p:cTn id="11" dur="1" fill="hold">
+                                          <p:stCondLst>
+                                            <p:cond delay="0"/>
+                                          </p:stCondLst>
+                                        </p:cTn>
+                                        <p:tgtEl>
+                                          <p:spTgt spid="6"/>
+                                        </p:tgtEl>
+                                        <p:attrNameLst>
+                                          <p:attrName>style.visibility</p:attrName>
+                                        </p:attrNameLst>
+                                      </p:cBhvr>
+                                      <p:to>
+                                        <p:strVal val="visible"/>
+                                      </p:to>
+                                    </p:set>
+                                    <p:animEffect transition="in" filter="checkerboard(across)">
+                                      <p:cBhvr>
+                                        <p:cTn id="12" dur="500"/>
+                                        <p:tgtEl>
+                                          <p:spTgt spid="6"/>
+                                        </p:tgtEl>
+                                      </p:cBhvr>
+                                    </p:animEffect>
+                                  </p:childTnLst>
+                                </p:cTn>
+                              </p:par>
+                            </p:childTnLst>
+                          </p:cTn>
+                        </p:par>
+                      </p:childTnLst>
+                    </p:cTn>
+                  </p:par>
+                  <p:par>
+                    <p:cTn id="13" fill="hold">
+                      <p:stCondLst>
+                        <p:cond delay="indefinite"/>
+                      </p:stCondLst>
+                      <p:childTnLst>
+                        <p:par>
+                          <p:cTn id="14" fill="hold">
+                            <p:stCondLst>
+                              <p:cond delay="0"/>
+                            </p:stCondLst>
+                            <p:childTnLst>
+                              <p:par>
+                                <p:cTn id="15" presetID="16" presetClass="entr" presetSubtype="21" fill="hold" grpId="0" nodeType="clickEffect">
+                                  <p:stCondLst>
+                                    <p:cond delay="0"/>
+                                  </p:stCondLst>
+                                  <p:childTnLst>
+                                    <p:set>
+                                      <p:cBhvr>
+                                        <p:cTn id="16" dur="1" fill="hold">
+                                          <p:stCondLst>
+                                            <p:cond delay="0"/>
+                                          </p:stCondLst>
+                                        </p:cTn>
+                                        <p:tgtEl>
+                                          <p:spTgt spid="7"/>
+                                        </p:tgtEl>
+                                        <p:attrNameLst>
+                                          <p:attrName>style.visibility</p:attrName>
+                                        </p:attrNameLst>
+                                      </p:cBhvr>
+                                      <p:to>
+                                        <p:strVal val="visible"/>
+                                      </p:to>
+                                    </p:set>
+                                    <p:animEffect transition="in" filter="barn(inVertical)">
+                                      <p:cBhvr>
+                                        <p:cTn id="17" dur="500"/>
+                                        <p:tgtEl>
+                                          <p:spTgt spid="7"/>
+                                        </p:tgtEl>
+                                      </p:cBhvr>
+                                    </p:animEffect>
+                                  </p:childTnLst>
+                                </p:cTn>
+                              </p:par>
+                            </p:childTnLst>
+                          </p:cTn>
+                        </p:par>
+                      </p:childTnLst>
+                    </p:cTn>
+                  </p:par>
+                  <p:par>
+                    <p:cTn id="18" fill="hold">
+                      <p:stCondLst>
+                        <p:cond delay="indefinite"/>
+                      </p:stCondLst>
+                      <p:childTnLst>
+                        <p:par>
+                          <p:cTn id="19" fill="hold">
+                            <p:stCondLst>
+                              <p:cond delay="0"/>
+                            </p:stCondLst>
+                            <p:childTnLst>
+                              <p:par>
+                                <p:cTn id="20" presetID="9" presetClass="entr" presetSubtype="0" fill="hold" grpId="0" nodeType="clickEffect">
+                                  <p:stCondLst>
+                                    <p:cond delay="0"/>
+                                  </p:stCondLst>
+                                  <p:childTnLst>
+                                    <p:set>
+                                      <p:cBhvr>
+                                        <p:cTn id="21" dur="1" fill="hold">
+                                          <p:stCondLst>
+                                            <p:cond delay="0"/>
+                                          </p:stCondLst>
+                                        </p:cTn>
+                                        <p:tgtEl>
+                                          <p:spTgt spid="8"/>
+                                        </p:tgtEl>
+                                        <p:attrNameLst>
+                                          <p:attrName>style.visibility</p:attrName>
+                                        </p:attrNameLst>
+                                      </p:cBhvr>
+                                      <p:to>
+                                        <p:strVal val="visible"/>
+                                      </p:to>
+                                    </p:set>
+                                    <p:animEffect transition="in" filter="dissolve">
+                                      <p:cBhvr>
+                                        <p:cTn id="22" dur="500"/>
+                                        <p:tgtEl>
+                                          <p:spTgt spid="8"/>
+                                        </p:tgtEl>
+                                      </p:cBhvr>
+                                    </p:animEffect>
+                                  </p:childTnLst>
+                                </p:cTn>
+                              </p:par>
+                            </p:childTnLst>
+                          </p:cTn>
+                        </p:par>
+                      </p:childTnLst>
+                    </p:cTn>
+                  </p:par>
+                  <p:par>
+                    <p:cTn id="23" fill="hold">
+                      <p:stCondLst>
+                        <p:cond delay="indefinite"/>
+                      </p:stCondLst>
+                      <p:childTnLst>
+                        <p:par>
+                          <p:cTn id="24" fill="hold">
+                            <p:stCondLst>
+                              <p:cond delay="0"/>
+                            </p:stCondLst>
+                            <p:childTnLst>
+                              <p:par>
+                                <p:cTn id="25" presetID="16" presetClass="entr" presetSubtype="21" fill="hold" grpId="0" nodeType="clickEffect">
+                                  <p:stCondLst>
+                                    <p:cond delay="0"/>
+                                  </p:stCondLst>
+                                  <p:childTnLst>
+                                    <p:set>
+                                      <p:cBhvr>
+                                        <p:cTn id="26" dur="1" fill="hold">
+                                          <p:stCondLst>
+                                            <p:cond delay="0"/>
+                                          </p:stCondLst>
+                                        </p:cTn>
+                                        <p:tgtEl>
+                                          <p:spTgt spid="9"/>
+                                        </p:tgtEl>
+                                        <p:attrNameLst>
+                                          <p:attrName>style.visibility</p:attrName>
+                                        </p:attrNameLst>
+                                      </p:cBhvr>
+                                      <p:to>
+                                        <p:strVal val="visible"/>
+                                      </p:to>
+                                    </p:set>
+                                    <p:animEffect transition="in" filter="barn(inVertical)">
+                                      <p:cBhvr>
+                                        <p:cTn id="27" dur="500"/>
+                                        <p:tgtEl>
+                                          <p:spTgt spid="9"/>
+                                        </p:tgtEl>
+                                      </p:cBhvr>
+                                    </p:animEffect>
+                                  </p:childTnLst>
+                                </p:cTn>
+                              </p:par>
+                            </p:childTnLst>
+                          </p:cTn>
+                        </p:par>
+                      </p:childTnLst>
+                    </p:cTn>
+                  </p:par>
+                  <p:par>
+                    <p:cTn id="28" fill="hold">
+                      <p:stCondLst>
+                        <p:cond delay="indefinite"/>
+                      </p:stCondLst>
+                      <p:childTnLst>
+                        <p:par>
+                          <p:cTn id="29" fill="hold">
+                            <p:stCondLst>
+                              <p:cond delay="0"/>
+                            </p:stCondLst>
+                            <p:childTnLst>
+                              <p:par>
+                                <p:cTn id="30" presetID="9" presetClass="entr" presetSubtype="0" fill="hold" grpId="0" nodeType="clickEffect">
+                                  <p:stCondLst>
+                                    <p:cond delay="0"/>
+                                  </p:stCondLst>
+                                  <p:childTnLst>
+                                    <p:set>
+                                      <p:cBhvr>
+                                        <p:cTn id="31" dur="1" fill="hold">
+                                          <p:stCondLst>
+                                            <p:cond delay="0"/>
+                                          </p:stCondLst>
+                                        </p:cTn>
+                                        <p:tgtEl>
+                                          <p:spTgt spid="3"/>
+                                        </p:tgtEl>
+                                        <p:attrNameLst>
+                                          <p:attrName>style.visibility</p:attrName>
+                                        </p:attrNameLst>
+                                      </p:cBhvr>
+                                      <p:to>
+                                        <p:strVal val="visible"/>
+                                      </p:to>
+                                    </p:set>
+                                    <p:animEffect transition="in" filter="dissolve">
+                                      <p:cBhvr>
+                                        <p:cTn id="32" dur="500"/>
+                                        <p:tgtEl>
+                                          <p:spTgt spid="3"/>
+                                        </p:tgtEl>
+                                      </p:cBhvr>
+                                    </p:animEffect>
+                                  </p:childTnLst>
+                                </p:cTn>
+                              </p:par>
+                            </p:childTnLst>
+                          </p:cTn>
+                        </p:par>
+                      </p:childTnLst>
+                    </p:cTn>
+                  </p:par>
+                  <p:par>
+                    <p:cTn id="33" fill="hold">
+                      <p:stCondLst>
+                        <p:cond delay="indefinite"/>
+                      </p:stCondLst>
+                      <p:childTnLst>
+                        <p:par>
+                          <p:cTn id="34" fill="hold">
+                            <p:stCondLst>
+                              <p:cond delay="0"/>
+                            </p:stCondLst>
+                            <p:childTnLst>
+                              <p:par>
+                                <p:cTn id="35" presetID="16" presetClass="entr" presetSubtype="21" fill="hold" grpId="0" nodeType="clickEffect">
+                                  <p:stCondLst>
+                                    <p:cond delay="0"/>
+                                  </p:stCondLst>
+                                  <p:childTnLst>
+                                    <p:set>
+                                      <p:cBhvr>
+                                        <p:cTn id="36" dur="1" fill="hold">
+                                          <p:stCondLst>
+                                            <p:cond delay="0"/>
+                                          </p:stCondLst>
+                                        </p:cTn>
+                                        <p:tgtEl>
+                                          <p:spTgt spid="10"/>
+                                        </p:tgtEl>
+                                        <p:attrNameLst>
+                                          <p:attrName>style.visibility</p:attrName>
+                                        </p:attrNameLst>
+                                      </p:cBhvr>
+                                      <p:to>
+                                        <p:strVal val="visible"/>
+                                      </p:to>
+                                    </p:set>
+                                    <p:animEffect transition="in" filter="barn(inVertical)">
+                                      <p:cBhvr>
+                                        <p:cTn id="37" dur="500"/>
+                                        <p:tgtEl>
+                                          <p:spTgt spid="10"/>
+                                        </p:tgtEl>
+                                      </p:cBhvr>
+                                    </p:animEffect>
+                                  </p:childTnLst>
+                                </p:cTn>
+                              </p:par>
+                            </p:childTnLst>
+                          </p:cTn>
+                        </p:par>
+                      </p:childTnLst>
+                    </p:cTn>
+                  </p:par>
+                </p:childTnLst>
+              </p:cTn>
+              <p:prevCondLst>
+                <p:cond evt="onPrev" delay="0">
+                  <p:tgtEl>
+                    <p:sldTgt/>
+                  </p:tgtEl>
+                </p:cond>
+              </p:prevCondLst>
+              <p:nextCondLst>
+                <p:cond evt="onNext" delay="0">
+                  <p:tgtEl>
+                    <p:sldTgt/>
+                  </p:tgtEl>
+                </p:cond>
+              </p:nextCondLst>
+            </p:seq>
+          </p:childTnLst>
+        </p:cTn>
+      </p:par>
+    </p:tnLst>
+    <p:bldLst>
+      <p:bldP spid="5" grpId="0"/>
+      <p:bldP spid="7" grpId="0"/>
+      <p:bldP spid="9" grpId="0"/>
+      <p:bldP spid="6" grpId="0"/>
+      <p:bldP spid="6" grpId="1"/>
+      <p:bldP spid="8" grpId="0"/>
+      <p:bldP spid="8" grpId="1"/>
+      <p:bldP spid="3" grpId="0"/>
+      <p:bldP spid="3" grpId="1"/>
+      <p:bldP spid="10" grpId="0"/>
+    </p:bldLst>
+  </p:timing>
+</p:sld>
+</file>
+
+<file path=ppt/slides/slide21.xml><?xml version="1.0" encoding="utf-8"?>
 <p:sld xmlns:a="http://schemas.openxmlformats.org/drawingml/2006/main" xmlns:r="http://schemas.openxmlformats.org/officeDocument/2006/relationships" xmlns:p="http://schemas.openxmlformats.org/presentationml/2006/main">
   <p:cSld>
     <p:spTree>
@@ -14549,7 +19402,7 @@
 </p:sld>
 </file>
 
-<file path=ppt/slides/slide16.xml><?xml version="1.0" encoding="utf-8"?>
+<file path=ppt/slides/slide22.xml><?xml version="1.0" encoding="utf-8"?>
 <p:sld xmlns:a="http://schemas.openxmlformats.org/drawingml/2006/main" xmlns:r="http://schemas.openxmlformats.org/officeDocument/2006/relationships" xmlns:p="http://schemas.openxmlformats.org/presentationml/2006/main">
   <p:cSld>
     <p:spTree>
@@ -14654,266 +19507,6 @@
   <p:clrMapOvr>
     <a:masterClrMapping/>
   </p:clrMapOvr>
-</p:sld>
-</file>
-
-<file path=ppt/slides/slide2.xml><?xml version="1.0" encoding="utf-8"?>
-<p:sld xmlns:a="http://schemas.openxmlformats.org/drawingml/2006/main" xmlns:r="http://schemas.openxmlformats.org/officeDocument/2006/relationships" xmlns:p="http://schemas.openxmlformats.org/presentationml/2006/main">
-  <p:cSld>
-    <p:spTree>
-      <p:nvGrpSpPr>
-        <p:cNvPr id="1" name=""/>
-        <p:cNvGrpSpPr/>
-        <p:nvPr/>
-      </p:nvGrpSpPr>
-      <p:grpSpPr>
-        <a:xfrm>
-          <a:off x="0" y="0"/>
-          <a:ext cx="0" cy="0"/>
-          <a:chOff x="0" y="0"/>
-          <a:chExt cx="0" cy="0"/>
-        </a:xfrm>
-      </p:grpSpPr>
-      <p:sp>
-        <p:nvSpPr>
-          <p:cNvPr id="2" name="标题 1"/>
-          <p:cNvSpPr>
-            <a:spLocks noGrp="1"/>
-          </p:cNvSpPr>
-          <p:nvPr>
-            <p:ph type="ctrTitle"/>
-            <p:custDataLst>
-              <p:tags r:id="rId1"/>
-            </p:custDataLst>
-          </p:nvPr>
-        </p:nvSpPr>
-        <p:spPr>
-          <a:xfrm>
-            <a:off x="1198880" y="914400"/>
-            <a:ext cx="9799320" cy="716280"/>
-          </a:xfrm>
-        </p:spPr>
-        <p:txBody>
-          <a:bodyPr>
-            <a:normAutofit fontScale="90000"/>
-          </a:bodyPr>
-          <a:p>
-            <a:r>
-              <a:rPr lang="zh-CN" altLang="en-US"/>
-              <a:t>计算机基础知识</a:t>
-            </a:r>
-            <a:endParaRPr lang="zh-CN" altLang="en-US"/>
-          </a:p>
-        </p:txBody>
-      </p:sp>
-      <p:sp>
-        <p:nvSpPr>
-          <p:cNvPr id="3" name="副标题 2"/>
-          <p:cNvSpPr>
-            <a:spLocks noGrp="1"/>
-          </p:cNvSpPr>
-          <p:nvPr>
-            <p:ph type="subTitle" idx="1"/>
-            <p:custDataLst>
-              <p:tags r:id="rId2"/>
-            </p:custDataLst>
-          </p:nvPr>
-        </p:nvSpPr>
-        <p:spPr>
-          <a:xfrm>
-            <a:off x="1198880" y="1972310"/>
-            <a:ext cx="9799320" cy="3060700"/>
-          </a:xfrm>
-        </p:spPr>
-        <p:txBody>
-          <a:bodyPr>
-            <a:normAutofit lnSpcReduction="20000"/>
-          </a:bodyPr>
-          <a:p>
-            <a:pPr algn="l"/>
-            <a:r>
-              <a:rPr lang="zh-CN" altLang="en-US">
-                <a:solidFill>
-                  <a:schemeClr val="tx2"/>
-                </a:solidFill>
-              </a:rPr>
-              <a:t>第一章.计算机概念</a:t>
-            </a:r>
-            <a:endParaRPr lang="zh-CN" altLang="en-US">
-              <a:solidFill>
-                <a:schemeClr val="tx2"/>
-              </a:solidFill>
-            </a:endParaRPr>
-          </a:p>
-          <a:p>
-            <a:pPr algn="l"/>
-            <a:r>
-              <a:rPr lang="zh-CN" altLang="en-US">
-                <a:solidFill>
-                  <a:schemeClr val="tx2"/>
-                </a:solidFill>
-              </a:rPr>
-              <a:t>第二章.计算机系统组成</a:t>
-            </a:r>
-            <a:endParaRPr lang="zh-CN" altLang="en-US">
-              <a:solidFill>
-                <a:schemeClr val="tx2"/>
-              </a:solidFill>
-            </a:endParaRPr>
-          </a:p>
-          <a:p>
-            <a:pPr algn="l"/>
-            <a:r>
-              <a:rPr lang="zh-CN" altLang="en-US">
-                <a:solidFill>
-                  <a:schemeClr val="tx2"/>
-                </a:solidFill>
-                <a:sym typeface="+mn-ea"/>
-              </a:rPr>
-              <a:t>第三章.计算机病毒防治</a:t>
-            </a:r>
-            <a:endParaRPr lang="zh-CN" altLang="en-US">
-              <a:solidFill>
-                <a:schemeClr val="tx2"/>
-              </a:solidFill>
-            </a:endParaRPr>
-          </a:p>
-          <a:p>
-            <a:pPr algn="l"/>
-            <a:r>
-              <a:rPr lang="zh-CN" altLang="en-US">
-                <a:solidFill>
-                  <a:schemeClr val="tx2"/>
-                </a:solidFill>
-              </a:rPr>
-              <a:t>第四章.</a:t>
-            </a:r>
-            <a:r>
-              <a:rPr lang="zh-CN" altLang="en-US">
-                <a:solidFill>
-                  <a:schemeClr val="tx2"/>
-                </a:solidFill>
-                <a:hlinkClick r:id="rId3" action="ppaction://hlinksldjump"/>
-              </a:rPr>
-              <a:t>计算机</a:t>
-            </a:r>
-            <a:r>
-              <a:rPr lang="zh-CN" altLang="en-US">
-                <a:solidFill>
-                  <a:schemeClr val="tx2"/>
-                </a:solidFill>
-                <a:sym typeface="+mn-ea"/>
-                <a:hlinkClick r:id="rId3" action="ppaction://hlinksldjump"/>
-              </a:rPr>
-              <a:t>进制与</a:t>
-            </a:r>
-            <a:r>
-              <a:rPr lang="zh-CN" altLang="en-US">
-                <a:solidFill>
-                  <a:schemeClr val="tx2"/>
-                </a:solidFill>
-                <a:hlinkClick r:id="rId3" action="ppaction://hlinksldjump"/>
-              </a:rPr>
-              <a:t>编码</a:t>
-            </a:r>
-            <a:r>
-              <a:rPr lang="zh-CN" altLang="en-US">
-                <a:solidFill>
-                  <a:schemeClr val="accent6"/>
-                </a:solidFill>
-              </a:rPr>
-              <a:t>（难点）</a:t>
-            </a:r>
-            <a:endParaRPr lang="zh-CN" altLang="en-US">
-              <a:solidFill>
-                <a:schemeClr val="accent6"/>
-              </a:solidFill>
-            </a:endParaRPr>
-          </a:p>
-          <a:p>
-            <a:pPr algn="l"/>
-            <a:r>
-              <a:rPr lang="zh-CN" altLang="en-US">
-                <a:solidFill>
-                  <a:schemeClr val="tx2"/>
-                </a:solidFill>
-                <a:latin typeface="微软雅黑" panose="020B0503020204020204" pitchFamily="34" charset="-122"/>
-                <a:cs typeface="微软雅黑" panose="020B0503020204020204" pitchFamily="34" charset="-122"/>
-              </a:rPr>
-              <a:t>第五章</a:t>
-            </a:r>
-            <a:r>
-              <a:rPr lang="en-US" altLang="zh-CN">
-                <a:solidFill>
-                  <a:schemeClr val="tx2"/>
-                </a:solidFill>
-                <a:latin typeface="微软雅黑" panose="020B0503020204020204" pitchFamily="34" charset="-122"/>
-                <a:cs typeface="微软雅黑" panose="020B0503020204020204" pitchFamily="34" charset="-122"/>
-              </a:rPr>
-              <a:t>.多媒体技术的概念与应用</a:t>
-            </a:r>
-            <a:endParaRPr lang="en-US" altLang="zh-CN">
-              <a:solidFill>
-                <a:schemeClr val="tx2"/>
-              </a:solidFill>
-              <a:latin typeface="微软雅黑" panose="020B0503020204020204" pitchFamily="34" charset="-122"/>
-              <a:cs typeface="微软雅黑" panose="020B0503020204020204" pitchFamily="34" charset="-122"/>
-            </a:endParaRPr>
-          </a:p>
-          <a:p>
-            <a:pPr algn="l"/>
-            <a:r>
-              <a:rPr lang="zh-CN" altLang="en-US">
-                <a:solidFill>
-                  <a:schemeClr val="tx2"/>
-                </a:solidFill>
-                <a:latin typeface="微软雅黑" panose="020B0503020204020204" pitchFamily="34" charset="-122"/>
-                <a:cs typeface="微软雅黑" panose="020B0503020204020204" pitchFamily="34" charset="-122"/>
-              </a:rPr>
-              <a:t>第六章</a:t>
-            </a:r>
-            <a:r>
-              <a:rPr lang="en-US" altLang="zh-CN">
-                <a:solidFill>
-                  <a:schemeClr val="tx2"/>
-                </a:solidFill>
-                <a:latin typeface="微软雅黑" panose="020B0503020204020204" pitchFamily="34" charset="-122"/>
-                <a:cs typeface="微软雅黑" panose="020B0503020204020204" pitchFamily="34" charset="-122"/>
-              </a:rPr>
-              <a:t>.</a:t>
-            </a:r>
-            <a:r>
-              <a:rPr lang="zh-CN" altLang="en-US">
-                <a:solidFill>
-                  <a:schemeClr val="tx2"/>
-                </a:solidFill>
-                <a:latin typeface="微软雅黑" panose="020B0503020204020204" pitchFamily="34" charset="-122"/>
-                <a:cs typeface="微软雅黑" panose="020B0503020204020204" pitchFamily="34" charset="-122"/>
-              </a:rPr>
-              <a:t>计算机网络信息的应用</a:t>
-            </a:r>
-            <a:endParaRPr lang="zh-CN" altLang="en-US">
-              <a:solidFill>
-                <a:schemeClr val="tx2"/>
-              </a:solidFill>
-              <a:latin typeface="微软雅黑" panose="020B0503020204020204" pitchFamily="34" charset="-122"/>
-              <a:ea typeface="+mj-ea"/>
-              <a:cs typeface="微软雅黑" panose="020B0503020204020204" pitchFamily="34" charset="-122"/>
-            </a:endParaRPr>
-          </a:p>
-        </p:txBody>
-      </p:sp>
-    </p:spTree>
-    <p:custDataLst>
-      <p:tags r:id="rId4"/>
-    </p:custDataLst>
-  </p:cSld>
-  <p:clrMapOvr>
-    <a:masterClrMapping/>
-  </p:clrMapOvr>
-  <p:transition>
-    <p:random/>
-  </p:transition>
 </p:sld>
 </file>
 
@@ -15497,7 +20090,7 @@
         <p:spPr>
           <a:xfrm>
             <a:off x="2821305" y="3709670"/>
-            <a:ext cx="4907280" cy="368300"/>
+            <a:ext cx="4894580" cy="368300"/>
           </a:xfrm>
           <a:prstGeom prst="rect">
             <a:avLst/>
@@ -15524,7 +20117,7 @@
                 </a:solidFill>
                 <a:sym typeface="+mn-ea"/>
               </a:rPr>
-              <a:t>(n)O</a:t>
+              <a:t>(n)D</a:t>
             </a:r>
             <a:r>
               <a:rPr lang="zh-CN" altLang="en-US" b="1">
@@ -16519,6 +21112,81 @@
           </a:prstGeom>
         </p:spPr>
       </p:pic>
+      <p:sp>
+        <p:nvSpPr>
+          <p:cNvPr id="4" name="圆角矩形标注 3"/>
+          <p:cNvSpPr/>
+          <p:nvPr/>
+        </p:nvSpPr>
+        <p:spPr>
+          <a:xfrm>
+            <a:off x="8738235" y="4004310"/>
+            <a:ext cx="3173095" cy="1598930"/>
+          </a:xfrm>
+          <a:prstGeom prst="wedgeRoundRectCallout">
+            <a:avLst/>
+          </a:prstGeom>
+        </p:spPr>
+        <p:style>
+          <a:lnRef idx="2">
+            <a:schemeClr val="accent2">
+              <a:shade val="50000"/>
+            </a:schemeClr>
+          </a:lnRef>
+          <a:fillRef idx="1">
+            <a:schemeClr val="accent2"/>
+          </a:fillRef>
+          <a:effectRef idx="0">
+            <a:schemeClr val="accent2"/>
+          </a:effectRef>
+          <a:fontRef idx="minor">
+            <a:schemeClr val="lt1"/>
+          </a:fontRef>
+        </p:style>
+        <p:txBody>
+          <a:bodyPr rtlCol="0" anchor="ctr"/>
+          <a:p>
+            <a:pPr algn="l"/>
+            <a:r>
+              <a:rPr lang="zh-CN" altLang="zh-CN"/>
+              <a:t>加法：从最低位开始相加，逢</a:t>
+            </a:r>
+            <a:r>
+              <a:rPr lang="en-US" altLang="zh-CN"/>
+              <a:t>16</a:t>
+            </a:r>
+            <a:r>
+              <a:rPr lang="zh-CN" altLang="en-US"/>
+              <a:t>进</a:t>
+            </a:r>
+            <a:r>
+              <a:rPr lang="en-US" altLang="zh-CN"/>
+              <a:t>1</a:t>
+            </a:r>
+            <a:endParaRPr lang="en-US" altLang="zh-CN"/>
+          </a:p>
+          <a:p>
+            <a:pPr algn="l"/>
+            <a:r>
+              <a:rPr lang="zh-CN" altLang="en-US"/>
+              <a:t>减法：从最低位开始相减，不足向高位借</a:t>
+            </a:r>
+            <a:r>
+              <a:rPr lang="en-US" altLang="zh-CN"/>
+              <a:t>1</a:t>
+            </a:r>
+            <a:r>
+              <a:rPr lang="zh-CN" altLang="en-US"/>
+              <a:t>，即</a:t>
+            </a:r>
+            <a:r>
+              <a:rPr lang="en-US" altLang="zh-CN"/>
+              <a:t>16</a:t>
+            </a:r>
+            <a:endParaRPr lang="en-US" altLang="zh-CN"/>
+          </a:p>
+        </p:txBody>
+      </p:sp>
     </p:spTree>
     <p:custDataLst>
       <p:tags r:id="rId2"/>
@@ -16591,860 +21259,33 @@
                       </p:childTnLst>
                     </p:cTn>
                   </p:par>
-                </p:childTnLst>
-              </p:cTn>
-              <p:prevCondLst>
-                <p:cond evt="onPrev" delay="0">
-                  <p:tgtEl>
-                    <p:sldTgt/>
-                  </p:tgtEl>
-                </p:cond>
-              </p:prevCondLst>
-              <p:nextCondLst>
-                <p:cond evt="onNext" delay="0">
-                  <p:tgtEl>
-                    <p:sldTgt/>
-                  </p:tgtEl>
-                </p:cond>
-              </p:nextCondLst>
-            </p:seq>
-          </p:childTnLst>
-        </p:cTn>
-      </p:par>
-    </p:tnLst>
-    <p:bldLst>
-      <p:bldP spid="6" grpId="0" bldLvl="0" animBg="1"/>
-      <p:bldP spid="6" grpId="1" animBg="1"/>
-    </p:bldLst>
-  </p:timing>
-</p:sld>
-</file>
-
-<file path=ppt/slides/slide8.xml><?xml version="1.0" encoding="utf-8"?>
-<p:sld xmlns:a="http://schemas.openxmlformats.org/drawingml/2006/main" xmlns:r="http://schemas.openxmlformats.org/officeDocument/2006/relationships" xmlns:p="http://schemas.openxmlformats.org/presentationml/2006/main">
-  <p:cSld>
-    <p:spTree>
-      <p:nvGrpSpPr>
-        <p:cNvPr id="1" name=""/>
-        <p:cNvGrpSpPr/>
-        <p:nvPr/>
-      </p:nvGrpSpPr>
-      <p:grpSpPr>
-        <a:xfrm>
-          <a:off x="0" y="0"/>
-          <a:ext cx="0" cy="0"/>
-          <a:chOff x="0" y="0"/>
-          <a:chExt cx="0" cy="0"/>
-        </a:xfrm>
-      </p:grpSpPr>
-      <p:sp>
-        <p:nvSpPr>
-          <p:cNvPr id="2" name="标题 1"/>
-          <p:cNvSpPr>
-            <a:spLocks noGrp="1"/>
-          </p:cNvSpPr>
-          <p:nvPr>
-            <p:ph type="ctrTitle"/>
-            <p:custDataLst>
-              <p:tags r:id="rId1"/>
-            </p:custDataLst>
-          </p:nvPr>
-        </p:nvSpPr>
-        <p:spPr>
-          <a:xfrm>
-            <a:off x="394335" y="531495"/>
-            <a:ext cx="9799320" cy="520700"/>
-          </a:xfrm>
-        </p:spPr>
-        <p:txBody>
-          <a:bodyPr>
-            <a:normAutofit fontScale="90000"/>
-          </a:bodyPr>
-          <a:p>
-            <a:pPr algn="l"/>
-            <a:r>
-              <a:rPr lang="en-US" altLang="zh-CN" sz="2800"/>
-              <a:t>2.</a:t>
-            </a:r>
-            <a:r>
-              <a:rPr lang="zh-CN" altLang="en-US" sz="2800">
-                <a:sym typeface="+mn-ea"/>
-              </a:rPr>
-              <a:t>西文字符（</a:t>
-            </a:r>
-            <a:r>
-              <a:rPr lang="en-US" altLang="zh-CN" sz="2800">
-                <a:sym typeface="+mn-ea"/>
-              </a:rPr>
-              <a:t>ASCII</a:t>
-            </a:r>
-            <a:r>
-              <a:rPr lang="zh-CN" altLang="en-US" sz="2800">
-                <a:sym typeface="+mn-ea"/>
-              </a:rPr>
-              <a:t>码）</a:t>
-            </a:r>
-            <a:endParaRPr lang="zh-CN" altLang="en-US" sz="2800"/>
-          </a:p>
-        </p:txBody>
-      </p:sp>
-      <p:sp>
-        <p:nvSpPr>
-          <p:cNvPr id="4" name="文本框 3"/>
-          <p:cNvSpPr txBox="1"/>
-          <p:nvPr/>
-        </p:nvSpPr>
-        <p:spPr>
-          <a:xfrm>
-            <a:off x="394335" y="1444625"/>
-            <a:ext cx="9453880" cy="645160"/>
-          </a:xfrm>
-          <a:prstGeom prst="rect">
-            <a:avLst/>
-          </a:prstGeom>
-          <a:noFill/>
-        </p:spPr>
-        <p:txBody>
-          <a:bodyPr wrap="square" rtlCol="0" anchor="t">
-            <a:spAutoFit/>
-          </a:bodyPr>
-          <a:p>
-            <a:pPr indent="457200" fontAlgn="auto">
-              <a:extLst>
-                <a:ext uri="{35155182-B16C-46BC-9424-99874614C6A1}">
-                  <wpsdc:indentchars xmlns:wpsdc="http://www.wps.cn/officeDocument/2017/drawingmlCustomData" val="200" checksum="59296752"/>
-                </a:ext>
-              </a:extLst>
-            </a:pPr>
-            <a:r>
-              <a:rPr lang="zh-CN" altLang="en-US">
-                <a:solidFill>
-                  <a:schemeClr val="tx2">
-                    <a:lumMod val="50000"/>
-                    <a:lumOff val="50000"/>
-                  </a:schemeClr>
-                </a:solidFill>
-              </a:rPr>
-              <a:t>计算机中的信息用二进制编码表示,用以表示字符的二进制编码称为字符编码。</a:t>
-            </a:r>
-            <a:endParaRPr lang="zh-CN" altLang="en-US">
-              <a:solidFill>
-                <a:schemeClr val="tx2">
-                  <a:lumMod val="50000"/>
-                  <a:lumOff val="50000"/>
-                </a:schemeClr>
-              </a:solidFill>
-            </a:endParaRPr>
-          </a:p>
-          <a:p>
-            <a:pPr indent="457200" fontAlgn="auto">
-              <a:extLst>
-                <a:ext uri="{35155182-B16C-46BC-9424-99874614C6A1}">
-                  <wpsdc:indentchars xmlns:wpsdc="http://www.wps.cn/officeDocument/2017/drawingmlCustomData" val="200" checksum="59296752"/>
-                </a:ext>
-              </a:extLst>
-            </a:pPr>
-            <a:r>
-              <a:rPr lang="zh-CN" altLang="en-US">
-                <a:solidFill>
-                  <a:schemeClr val="tx2">
-                    <a:lumMod val="50000"/>
-                    <a:lumOff val="50000"/>
-                  </a:schemeClr>
-                </a:solidFill>
-              </a:rPr>
-              <a:t>计算机（微机）中常用的字符编码是ASCII码。</a:t>
-            </a:r>
-            <a:endParaRPr lang="zh-CN" altLang="en-US">
-              <a:solidFill>
-                <a:schemeClr val="tx2">
-                  <a:lumMod val="50000"/>
-                  <a:lumOff val="50000"/>
-                </a:schemeClr>
-              </a:solidFill>
-            </a:endParaRPr>
-          </a:p>
-        </p:txBody>
-      </p:sp>
-      <p:pic>
-        <p:nvPicPr>
-          <p:cNvPr id="5" name="图片 4"/>
-          <p:cNvPicPr>
-            <a:picLocks noChangeAspect="1"/>
-          </p:cNvPicPr>
-          <p:nvPr/>
-        </p:nvPicPr>
-        <p:blipFill>
-          <a:blip r:embed="rId2"/>
-          <a:stretch>
-            <a:fillRect/>
-          </a:stretch>
-        </p:blipFill>
-        <p:spPr>
-          <a:xfrm>
-            <a:off x="2080260" y="2432685"/>
-            <a:ext cx="6756400" cy="4277995"/>
-          </a:xfrm>
-          <a:prstGeom prst="rect">
-            <a:avLst/>
-          </a:prstGeom>
-        </p:spPr>
-      </p:pic>
-      <p:sp>
-        <p:nvSpPr>
-          <p:cNvPr id="6" name="文本框 5"/>
-          <p:cNvSpPr txBox="1"/>
-          <p:nvPr/>
-        </p:nvSpPr>
-        <p:spPr>
-          <a:xfrm>
-            <a:off x="4923155" y="2125980"/>
-            <a:ext cx="1694180" cy="306705"/>
-          </a:xfrm>
-          <a:prstGeom prst="rect">
-            <a:avLst/>
-          </a:prstGeom>
-          <a:noFill/>
-        </p:spPr>
-        <p:txBody>
-          <a:bodyPr wrap="square" rtlCol="0">
-            <a:spAutoFit/>
-          </a:bodyPr>
-          <a:p>
-            <a:r>
-              <a:rPr lang="en-US" altLang="zh-CN" sz="1400"/>
-              <a:t>ASCII</a:t>
-            </a:r>
-            <a:r>
-              <a:rPr lang="zh-CN" altLang="en-US" sz="1400"/>
-              <a:t>码对照表</a:t>
-            </a:r>
-            <a:endParaRPr lang="zh-CN" altLang="en-US" sz="1400"/>
-          </a:p>
-        </p:txBody>
-      </p:sp>
-    </p:spTree>
-    <p:custDataLst>
-      <p:tags r:id="rId3"/>
-    </p:custDataLst>
-  </p:cSld>
-  <p:clrMapOvr>
-    <a:masterClrMapping/>
-  </p:clrMapOvr>
-  <p:transition>
-    <p:random/>
-  </p:transition>
-  <p:timing>
-    <p:tnLst>
-      <p:par>
-        <p:cTn id="1" dur="indefinite" restart="never" nodeType="tmRoot"/>
-      </p:par>
-    </p:tnLst>
-  </p:timing>
-</p:sld>
-</file>
-
-<file path=ppt/slides/slide9.xml><?xml version="1.0" encoding="utf-8"?>
-<p:sld xmlns:a="http://schemas.openxmlformats.org/drawingml/2006/main" xmlns:r="http://schemas.openxmlformats.org/officeDocument/2006/relationships" xmlns:p="http://schemas.openxmlformats.org/presentationml/2006/main">
-  <p:cSld>
-    <p:spTree>
-      <p:nvGrpSpPr>
-        <p:cNvPr id="1" name=""/>
-        <p:cNvGrpSpPr/>
-        <p:nvPr/>
-      </p:nvGrpSpPr>
-      <p:grpSpPr>
-        <a:xfrm>
-          <a:off x="0" y="0"/>
-          <a:ext cx="0" cy="0"/>
-          <a:chOff x="0" y="0"/>
-          <a:chExt cx="0" cy="0"/>
-        </a:xfrm>
-      </p:grpSpPr>
-      <p:sp>
-        <p:nvSpPr>
-          <p:cNvPr id="2" name="标题 1"/>
-          <p:cNvSpPr>
-            <a:spLocks noGrp="1"/>
-          </p:cNvSpPr>
-          <p:nvPr>
-            <p:ph type="ctrTitle"/>
-            <p:custDataLst>
-              <p:tags r:id="rId1"/>
-            </p:custDataLst>
-          </p:nvPr>
-        </p:nvSpPr>
-        <p:spPr>
-          <a:xfrm>
-            <a:off x="394335" y="531495"/>
-            <a:ext cx="9799320" cy="520700"/>
-          </a:xfrm>
-        </p:spPr>
-        <p:txBody>
-          <a:bodyPr/>
-          <a:p>
-            <a:pPr algn="l"/>
-            <a:r>
-              <a:rPr lang="en-US" altLang="zh-CN" sz="2000"/>
-              <a:t>2.1 </a:t>
-            </a:r>
-            <a:r>
-              <a:rPr lang="zh-CN" altLang="en-US" sz="2000">
-                <a:sym typeface="+mn-ea"/>
-              </a:rPr>
-              <a:t>西文字符（</a:t>
-            </a:r>
-            <a:r>
-              <a:rPr lang="en-US" altLang="zh-CN" sz="2000">
-                <a:sym typeface="+mn-ea"/>
-              </a:rPr>
-              <a:t>ASCII</a:t>
-            </a:r>
-            <a:r>
-              <a:rPr lang="zh-CN" altLang="en-US" sz="2000">
-                <a:sym typeface="+mn-ea"/>
-              </a:rPr>
-              <a:t>码）的大小比较</a:t>
-            </a:r>
-            <a:endParaRPr lang="zh-CN" altLang="en-US" sz="2000">
-              <a:sym typeface="+mn-ea"/>
-            </a:endParaRPr>
-          </a:p>
-        </p:txBody>
-      </p:sp>
-      <p:sp>
-        <p:nvSpPr>
-          <p:cNvPr id="4" name="文本框 3"/>
-          <p:cNvSpPr txBox="1"/>
-          <p:nvPr/>
-        </p:nvSpPr>
-        <p:spPr>
-          <a:xfrm>
-            <a:off x="606425" y="2472690"/>
-            <a:ext cx="2828925" cy="368300"/>
-          </a:xfrm>
-          <a:prstGeom prst="rect">
-            <a:avLst/>
-          </a:prstGeom>
-          <a:noFill/>
-        </p:spPr>
-        <p:txBody>
-          <a:bodyPr wrap="square" rtlCol="0" anchor="t">
-            <a:spAutoFit/>
-          </a:bodyPr>
-          <a:p>
-            <a:pPr indent="508000" fontAlgn="auto"/>
-            <a:r>
-              <a:rPr lang="en-US" altLang="zh-CN">
-                <a:sym typeface="+mn-ea"/>
-              </a:rPr>
-              <a:t>ASCII</a:t>
-            </a:r>
-            <a:r>
-              <a:rPr lang="zh-CN" altLang="en-US">
-                <a:sym typeface="+mn-ea"/>
-              </a:rPr>
-              <a:t>码从小到大为：</a:t>
-            </a:r>
-            <a:endParaRPr lang="zh-CN" altLang="en-US">
-              <a:solidFill>
-                <a:schemeClr val="accent6"/>
-              </a:solidFill>
-              <a:sym typeface="+mn-ea"/>
-            </a:endParaRPr>
-          </a:p>
-        </p:txBody>
-      </p:sp>
-      <p:sp>
-        <p:nvSpPr>
-          <p:cNvPr id="3" name="流程图: 可选过程 2"/>
-          <p:cNvSpPr/>
-          <p:nvPr/>
-        </p:nvSpPr>
-        <p:spPr>
-          <a:xfrm>
-            <a:off x="3529330" y="1783080"/>
-            <a:ext cx="7163435" cy="1747520"/>
-          </a:xfrm>
-          <a:prstGeom prst="flowChartAlternateProcess">
-            <a:avLst/>
-          </a:prstGeom>
-        </p:spPr>
-        <p:style>
-          <a:lnRef idx="1">
-            <a:schemeClr val="accent5"/>
-          </a:lnRef>
-          <a:fillRef idx="2">
-            <a:schemeClr val="accent5"/>
-          </a:fillRef>
-          <a:effectRef idx="1">
-            <a:schemeClr val="accent5"/>
-          </a:effectRef>
-          <a:fontRef idx="minor">
-            <a:schemeClr val="dk1"/>
-          </a:fontRef>
-        </p:style>
-        <p:txBody>
-          <a:bodyPr rtlCol="0" anchor="ctr"/>
-          <a:p>
-            <a:pPr algn="ctr"/>
-            <a:r>
-              <a:rPr lang="zh-CN" altLang="en-US">
-                <a:solidFill>
-                  <a:srgbClr val="002060"/>
-                </a:solidFill>
-                <a:sym typeface="+mn-ea"/>
-              </a:rPr>
-              <a:t>数字（</a:t>
-            </a:r>
-            <a:r>
-              <a:rPr lang="en-US" altLang="zh-CN">
-                <a:solidFill>
-                  <a:srgbClr val="002060"/>
-                </a:solidFill>
-                <a:sym typeface="+mn-ea"/>
-              </a:rPr>
-              <a:t>0~9</a:t>
-            </a:r>
-            <a:r>
-              <a:rPr lang="zh-CN" altLang="en-US">
-                <a:solidFill>
-                  <a:srgbClr val="002060"/>
-                </a:solidFill>
-                <a:sym typeface="+mn-ea"/>
-              </a:rPr>
-              <a:t>）</a:t>
-            </a:r>
-            <a:r>
-              <a:rPr lang="en-US" altLang="zh-CN">
-                <a:solidFill>
-                  <a:srgbClr val="002060"/>
-                </a:solidFill>
-                <a:sym typeface="+mn-ea"/>
-              </a:rPr>
-              <a:t>&lt;</a:t>
-            </a:r>
-            <a:r>
-              <a:rPr lang="zh-CN" altLang="en-US">
-                <a:solidFill>
-                  <a:srgbClr val="002060"/>
-                </a:solidFill>
-                <a:sym typeface="+mn-ea"/>
-              </a:rPr>
-              <a:t>大写字母（</a:t>
-            </a:r>
-            <a:r>
-              <a:rPr lang="en-US" altLang="zh-CN">
-                <a:solidFill>
-                  <a:srgbClr val="002060"/>
-                </a:solidFill>
-                <a:sym typeface="+mn-ea"/>
-              </a:rPr>
-              <a:t>A~Z</a:t>
-            </a:r>
-            <a:r>
-              <a:rPr lang="zh-CN" altLang="en-US">
-                <a:solidFill>
-                  <a:srgbClr val="002060"/>
-                </a:solidFill>
-                <a:sym typeface="+mn-ea"/>
-              </a:rPr>
-              <a:t>）</a:t>
-            </a:r>
-            <a:r>
-              <a:rPr lang="en-US" altLang="zh-CN">
-                <a:solidFill>
-                  <a:srgbClr val="002060"/>
-                </a:solidFill>
-                <a:sym typeface="+mn-ea"/>
-              </a:rPr>
-              <a:t>&lt;</a:t>
-            </a:r>
-            <a:r>
-              <a:rPr lang="zh-CN" altLang="en-US">
-                <a:solidFill>
-                  <a:srgbClr val="002060"/>
-                </a:solidFill>
-                <a:sym typeface="+mn-ea"/>
-              </a:rPr>
-              <a:t>小写字母（</a:t>
-            </a:r>
-            <a:r>
-              <a:rPr lang="en-US" altLang="zh-CN">
-                <a:solidFill>
-                  <a:srgbClr val="002060"/>
-                </a:solidFill>
-                <a:sym typeface="+mn-ea"/>
-              </a:rPr>
-              <a:t>a~z</a:t>
-            </a:r>
-            <a:r>
-              <a:rPr lang="zh-CN" altLang="en-US">
-                <a:solidFill>
-                  <a:srgbClr val="002060"/>
-                </a:solidFill>
-                <a:sym typeface="+mn-ea"/>
-              </a:rPr>
-              <a:t>）</a:t>
-            </a:r>
-            <a:endParaRPr lang="zh-CN" altLang="en-US">
-              <a:solidFill>
-                <a:srgbClr val="002060"/>
-              </a:solidFill>
-              <a:sym typeface="+mn-ea"/>
-            </a:endParaRPr>
-          </a:p>
-        </p:txBody>
-      </p:sp>
-      <p:sp>
-        <p:nvSpPr>
-          <p:cNvPr id="7" name="云形 6"/>
-          <p:cNvSpPr/>
-          <p:nvPr/>
-        </p:nvSpPr>
-        <p:spPr>
-          <a:xfrm>
-            <a:off x="2827655" y="3873500"/>
-            <a:ext cx="7173595" cy="2635250"/>
-          </a:xfrm>
-          <a:prstGeom prst="cloud">
-            <a:avLst/>
-          </a:prstGeom>
-        </p:spPr>
-        <p:style>
-          <a:lnRef idx="2">
-            <a:schemeClr val="accent1">
-              <a:shade val="50000"/>
-            </a:schemeClr>
-          </a:lnRef>
-          <a:fillRef idx="1">
-            <a:schemeClr val="accent1"/>
-          </a:fillRef>
-          <a:effectRef idx="0">
-            <a:schemeClr val="accent1"/>
-          </a:effectRef>
-          <a:fontRef idx="minor">
-            <a:schemeClr val="lt1"/>
-          </a:fontRef>
-        </p:style>
-        <p:txBody>
-          <a:bodyPr rtlCol="0" anchor="ctr"/>
-          <a:p>
-            <a:pPr algn="ctr"/>
-            <a:endParaRPr lang="zh-CN" altLang="en-US"/>
-          </a:p>
-        </p:txBody>
-      </p:sp>
-      <p:sp>
-        <p:nvSpPr>
-          <p:cNvPr id="8" name="文本框 7"/>
-          <p:cNvSpPr txBox="1"/>
-          <p:nvPr/>
-        </p:nvSpPr>
-        <p:spPr>
-          <a:xfrm>
-            <a:off x="4037330" y="4171315"/>
-            <a:ext cx="4565015" cy="2338070"/>
-          </a:xfrm>
-          <a:prstGeom prst="rect">
-            <a:avLst/>
-          </a:prstGeom>
-          <a:noFill/>
-        </p:spPr>
-        <p:txBody>
-          <a:bodyPr wrap="square" rtlCol="0">
-            <a:spAutoFit/>
-          </a:bodyPr>
-          <a:p>
-            <a:r>
-              <a:rPr lang="en-US" altLang="zh-CN" sz="2000" b="1"/>
-              <a:t>ASCII</a:t>
-            </a:r>
-            <a:r>
-              <a:rPr lang="zh-CN" altLang="en-US" sz="2000" b="1"/>
-              <a:t>码记忆技巧：</a:t>
-            </a:r>
-            <a:endParaRPr lang="zh-CN" altLang="en-US" sz="2000" b="1"/>
-          </a:p>
-          <a:p>
-            <a:pPr fontAlgn="auto">
-              <a:lnSpc>
-                <a:spcPct val="150000"/>
-              </a:lnSpc>
-            </a:pPr>
-            <a:r>
-              <a:rPr lang="zh-CN" altLang="en-US">
-                <a:solidFill>
-                  <a:srgbClr val="FFFF00"/>
-                </a:solidFill>
-              </a:rPr>
-              <a:t>数字记住</a:t>
-            </a:r>
-            <a:r>
-              <a:rPr lang="en-US" altLang="zh-CN">
-                <a:solidFill>
-                  <a:srgbClr val="FFFF00"/>
-                </a:solidFill>
-              </a:rPr>
-              <a:t>0</a:t>
-            </a:r>
-            <a:r>
-              <a:rPr lang="zh-CN" altLang="en-US">
-                <a:solidFill>
-                  <a:srgbClr val="FFFF00"/>
-                </a:solidFill>
-              </a:rPr>
-              <a:t>对应</a:t>
-            </a:r>
-            <a:r>
-              <a:rPr lang="en-US" altLang="zh-CN">
-                <a:solidFill>
-                  <a:srgbClr val="FFFF00"/>
-                </a:solidFill>
-              </a:rPr>
-              <a:t>48</a:t>
-            </a:r>
-            <a:r>
-              <a:rPr lang="zh-CN" altLang="en-US">
-                <a:solidFill>
-                  <a:srgbClr val="FFFF00"/>
-                </a:solidFill>
-              </a:rPr>
-              <a:t>，后面的累加；</a:t>
-            </a:r>
-            <a:endParaRPr lang="zh-CN" altLang="en-US">
-              <a:solidFill>
-                <a:srgbClr val="FFFF00"/>
-              </a:solidFill>
-            </a:endParaRPr>
-          </a:p>
-          <a:p>
-            <a:pPr fontAlgn="auto">
-              <a:lnSpc>
-                <a:spcPct val="150000"/>
-              </a:lnSpc>
-            </a:pPr>
-            <a:r>
-              <a:rPr lang="zh-CN" altLang="en-US">
-                <a:solidFill>
-                  <a:srgbClr val="FFFF00"/>
-                </a:solidFill>
-              </a:rPr>
-              <a:t>字母记住大写字母的</a:t>
-            </a:r>
-            <a:r>
-              <a:rPr lang="en-US" altLang="zh-CN">
-                <a:solidFill>
-                  <a:srgbClr val="FFFF00"/>
-                </a:solidFill>
-              </a:rPr>
-              <a:t>A</a:t>
-            </a:r>
-            <a:r>
-              <a:rPr lang="zh-CN" altLang="en-US">
-                <a:solidFill>
-                  <a:srgbClr val="FFFF00"/>
-                </a:solidFill>
-              </a:rPr>
-              <a:t>对应</a:t>
-            </a:r>
-            <a:r>
-              <a:rPr lang="en-US" altLang="zh-CN">
-                <a:solidFill>
-                  <a:srgbClr val="FFFF00"/>
-                </a:solidFill>
-              </a:rPr>
-              <a:t>65</a:t>
-            </a:r>
-            <a:r>
-              <a:rPr lang="zh-CN" altLang="en-US">
-                <a:solidFill>
-                  <a:srgbClr val="FFFF00"/>
-                </a:solidFill>
-              </a:rPr>
-              <a:t>，后面的累加，</a:t>
-            </a:r>
-            <a:endParaRPr lang="zh-CN" altLang="en-US">
-              <a:solidFill>
-                <a:srgbClr val="FFFF00"/>
-              </a:solidFill>
-            </a:endParaRPr>
-          </a:p>
-          <a:p>
-            <a:pPr fontAlgn="auto">
-              <a:lnSpc>
-                <a:spcPct val="150000"/>
-              </a:lnSpc>
-            </a:pPr>
-            <a:r>
-              <a:rPr lang="zh-CN" altLang="en-US">
-                <a:solidFill>
-                  <a:srgbClr val="FFFF00"/>
-                </a:solidFill>
-              </a:rPr>
-              <a:t>在 </a:t>
-            </a:r>
-            <a:r>
-              <a:rPr lang="en-US" altLang="zh-CN">
-                <a:solidFill>
-                  <a:srgbClr val="FFFF00"/>
-                </a:solidFill>
-              </a:rPr>
-              <a:t>A</a:t>
-            </a:r>
-            <a:r>
-              <a:rPr lang="zh-CN" altLang="en-US">
-                <a:solidFill>
-                  <a:srgbClr val="FFFF00"/>
-                </a:solidFill>
-              </a:rPr>
-              <a:t>的基础上加上</a:t>
-            </a:r>
-            <a:r>
-              <a:rPr lang="en-US" altLang="zh-CN">
-                <a:solidFill>
-                  <a:srgbClr val="FFFF00"/>
-                </a:solidFill>
-              </a:rPr>
-              <a:t>32</a:t>
-            </a:r>
-            <a:r>
-              <a:rPr lang="zh-CN" altLang="en-US">
-                <a:solidFill>
-                  <a:srgbClr val="FFFF00"/>
-                </a:solidFill>
-              </a:rPr>
-              <a:t>就对应</a:t>
-            </a:r>
-            <a:r>
-              <a:rPr lang="en-US" altLang="zh-CN">
-                <a:solidFill>
-                  <a:srgbClr val="FFFF00"/>
-                </a:solidFill>
-              </a:rPr>
-              <a:t>a</a:t>
-            </a:r>
-            <a:r>
-              <a:rPr lang="zh-CN" altLang="en-US">
-                <a:solidFill>
-                  <a:srgbClr val="FFFF00"/>
-                </a:solidFill>
-              </a:rPr>
-              <a:t>，以此类推</a:t>
-            </a:r>
-            <a:r>
-              <a:rPr lang="zh-CN" altLang="en-US">
-                <a:solidFill>
-                  <a:srgbClr val="FFFF00"/>
-                </a:solidFill>
-              </a:rPr>
-              <a:t>。</a:t>
-            </a:r>
-            <a:endParaRPr lang="zh-CN" altLang="en-US">
-              <a:solidFill>
-                <a:srgbClr val="FFFF00"/>
-              </a:solidFill>
-            </a:endParaRPr>
-          </a:p>
-          <a:p>
-            <a:pPr fontAlgn="auto">
-              <a:lnSpc>
-                <a:spcPct val="150000"/>
-              </a:lnSpc>
-            </a:pPr>
-            <a:r>
-              <a:rPr lang="zh-CN" altLang="en-US">
-                <a:solidFill>
-                  <a:srgbClr val="7030A0"/>
-                </a:solidFill>
-              </a:rPr>
-              <a:t>如：知道</a:t>
-            </a:r>
-            <a:r>
-              <a:rPr lang="en-US" altLang="zh-CN">
-                <a:solidFill>
-                  <a:srgbClr val="7030A0"/>
-                </a:solidFill>
-              </a:rPr>
-              <a:t>A=65 </a:t>
-            </a:r>
-            <a:r>
-              <a:rPr lang="zh-CN" altLang="en-US">
-                <a:solidFill>
-                  <a:srgbClr val="7030A0"/>
-                </a:solidFill>
-              </a:rPr>
-              <a:t>那么</a:t>
-            </a:r>
-            <a:r>
-              <a:rPr lang="en-US" altLang="zh-CN">
-                <a:solidFill>
-                  <a:srgbClr val="7030A0"/>
-                </a:solidFill>
-              </a:rPr>
-              <a:t>a=A+32=97</a:t>
-            </a:r>
-            <a:endParaRPr lang="zh-CN" altLang="en-US">
-              <a:solidFill>
-                <a:srgbClr val="7030A0"/>
-              </a:solidFill>
-            </a:endParaRPr>
-          </a:p>
-          <a:p>
-            <a:endParaRPr lang="zh-CN" altLang="en-US">
-              <a:solidFill>
-                <a:srgbClr val="7030A0"/>
-              </a:solidFill>
-            </a:endParaRPr>
-          </a:p>
-        </p:txBody>
-      </p:sp>
-    </p:spTree>
-    <p:custDataLst>
-      <p:tags r:id="rId2"/>
-    </p:custDataLst>
-  </p:cSld>
-  <p:clrMapOvr>
-    <a:masterClrMapping/>
-  </p:clrMapOvr>
-  <p:transition>
-    <p:random/>
-  </p:transition>
-  <p:timing>
-    <p:tnLst>
-      <p:par>
-        <p:cTn id="1" dur="indefinite" restart="never" nodeType="tmRoot">
-          <p:childTnLst>
-            <p:seq concurrent="1" nextAc="seek">
-              <p:cTn id="2" dur="indefinite" nodeType="mainSeq">
-                <p:childTnLst>
                   <p:par>
-                    <p:cTn id="3" fill="hold">
+                    <p:cTn id="8" fill="hold">
                       <p:stCondLst>
                         <p:cond delay="indefinite"/>
                       </p:stCondLst>
                       <p:childTnLst>
                         <p:par>
-                          <p:cTn id="4" fill="hold">
+                          <p:cTn id="9" fill="hold">
                             <p:stCondLst>
                               <p:cond delay="0"/>
                             </p:stCondLst>
                             <p:childTnLst>
                               <p:par>
-                                <p:cTn id="5" presetID="3" presetClass="entr" presetSubtype="10" fill="hold" grpId="0" nodeType="clickEffect">
+                                <p:cTn id="10" presetID="3" presetClass="entr" presetSubtype="10" fill="hold" grpId="0" nodeType="clickEffect">
                                   <p:stCondLst>
                                     <p:cond delay="0"/>
                                   </p:stCondLst>
                                   <p:childTnLst>
                                     <p:set>
                                       <p:cBhvr>
-                                        <p:cTn id="6" dur="1" fill="hold">
+                                        <p:cTn id="11" dur="1" fill="hold">
                                           <p:stCondLst>
                                             <p:cond delay="0"/>
                                           </p:stCondLst>
                                         </p:cTn>
                                         <p:tgtEl>
-                                          <p:spTgt spid="7"/>
+                                          <p:spTgt spid="4"/>
                                         </p:tgtEl>
                                         <p:attrNameLst>
                                           <p:attrName>style.visibility</p:attrName>
@@ -17456,9 +21297,9 @@
                                     </p:set>
                                     <p:animEffect transition="in" filter="blinds(horizontal)">
                                       <p:cBhvr>
-                                        <p:cTn id="7" dur="500"/>
+                                        <p:cTn id="12" dur="500"/>
                                         <p:tgtEl>
-                                          <p:spTgt spid="7"/>
+                                          <p:spTgt spid="4"/>
                                         </p:tgtEl>
                                       </p:cBhvr>
                                     </p:animEffect>
@@ -17493,9 +21334,1185 @@
       </p:par>
     </p:tnLst>
     <p:bldLst>
-      <p:bldP spid="7" grpId="0" animBg="1"/>
-      <p:bldP spid="7" grpId="1" animBg="1"/>
+      <p:bldP spid="6" grpId="0" bldLvl="0" animBg="1"/>
+      <p:bldP spid="6" grpId="1" animBg="1"/>
+      <p:bldP spid="4" grpId="0" bldLvl="0" animBg="1"/>
+      <p:bldP spid="4" grpId="1" animBg="1"/>
     </p:bldLst>
+  </p:timing>
+</p:sld>
+</file>
+
+<file path=ppt/slides/slide8.xml><?xml version="1.0" encoding="utf-8"?>
+<p:sld xmlns:a="http://schemas.openxmlformats.org/drawingml/2006/main" xmlns:r="http://schemas.openxmlformats.org/officeDocument/2006/relationships" xmlns:p="http://schemas.openxmlformats.org/presentationml/2006/main">
+  <p:cSld>
+    <p:spTree>
+      <p:nvGrpSpPr>
+        <p:cNvPr id="1" name=""/>
+        <p:cNvGrpSpPr/>
+        <p:nvPr/>
+      </p:nvGrpSpPr>
+      <p:grpSpPr>
+        <a:xfrm>
+          <a:off x="0" y="0"/>
+          <a:ext cx="0" cy="0"/>
+          <a:chOff x="0" y="0"/>
+          <a:chExt cx="0" cy="0"/>
+        </a:xfrm>
+      </p:grpSpPr>
+      <p:sp>
+        <p:nvSpPr>
+          <p:cNvPr id="2" name="标题 1"/>
+          <p:cNvSpPr>
+            <a:spLocks noGrp="1"/>
+          </p:cNvSpPr>
+          <p:nvPr>
+            <p:ph type="ctrTitle"/>
+            <p:custDataLst>
+              <p:tags r:id="rId1"/>
+            </p:custDataLst>
+          </p:nvPr>
+        </p:nvSpPr>
+        <p:spPr>
+          <a:xfrm>
+            <a:off x="1198880" y="360680"/>
+            <a:ext cx="9799320" cy="671830"/>
+          </a:xfrm>
+        </p:spPr>
+        <p:txBody>
+          <a:bodyPr>
+            <a:normAutofit/>
+            <a:scene3d>
+              <a:camera prst="orthographicFront"/>
+              <a:lightRig rig="threePt" dir="t"/>
+            </a:scene3d>
+          </a:bodyPr>
+          <a:p>
+            <a:r>
+              <a:rPr lang="zh-CN" altLang="zh-CN" sz="3110">
+                <a:solidFill>
+                  <a:schemeClr val="accent1"/>
+                </a:solidFill>
+                <a:effectLst>
+                  <a:outerShdw blurRad="38100" dist="25400" dir="5400000" algn="ctr" rotWithShape="0">
+                    <a:srgbClr val="6E747A">
+                      <a:alpha val="43000"/>
+                    </a:srgbClr>
+                  </a:outerShdw>
+                </a:effectLst>
+              </a:rPr>
+              <a:t>章节练习</a:t>
+            </a:r>
+            <a:endParaRPr lang="zh-CN" altLang="zh-CN" sz="3110">
+              <a:solidFill>
+                <a:schemeClr val="accent1"/>
+              </a:solidFill>
+              <a:effectLst>
+                <a:outerShdw blurRad="38100" dist="25400" dir="5400000" algn="ctr" rotWithShape="0">
+                  <a:srgbClr val="6E747A">
+                    <a:alpha val="43000"/>
+                  </a:srgbClr>
+                </a:outerShdw>
+              </a:effectLst>
+            </a:endParaRPr>
+          </a:p>
+        </p:txBody>
+      </p:sp>
+      <p:sp>
+        <p:nvSpPr>
+          <p:cNvPr id="4" name="文本框 3"/>
+          <p:cNvSpPr txBox="1"/>
+          <p:nvPr/>
+        </p:nvSpPr>
+        <p:spPr>
+          <a:xfrm>
+            <a:off x="914400" y="1118235"/>
+            <a:ext cx="8571230" cy="922020"/>
+          </a:xfrm>
+          <a:prstGeom prst="rect">
+            <a:avLst/>
+          </a:prstGeom>
+          <a:noFill/>
+        </p:spPr>
+        <p:txBody>
+          <a:bodyPr wrap="square" rtlCol="0" anchor="t">
+            <a:spAutoFit/>
+          </a:bodyPr>
+          <a:p>
+            <a:r>
+              <a:t>1.己知A=10111110B，B=AEH，C=184D，关系成立的不等式是</a:t>
+            </a:r>
+          </a:p>
+          <a:p>
+            <a:r>
+              <a:t>A)A &lt; B &lt;C   </a:t>
+            </a:r>
+            <a:r>
+              <a:rPr lang="en-US"/>
+              <a:t>	</a:t>
+            </a:r>
+            <a:r>
+              <a:t>B)B &lt;C&lt;A</a:t>
+            </a:r>
+            <a:r>
+              <a:rPr lang="en-US"/>
+              <a:t>	</a:t>
+            </a:r>
+            <a:endParaRPr lang="en-US"/>
+          </a:p>
+          <a:p>
+            <a:r>
+              <a:t>C)B &lt;A &lt;</a:t>
+            </a:r>
+            <a:r>
+              <a:rPr lang="en-US"/>
+              <a:t>C</a:t>
+            </a:r>
+            <a:r>
+              <a:rPr lang="en-US"/>
+              <a:t>	</a:t>
+            </a:r>
+            <a:r>
+              <a:t>D)C&lt;B &lt;A</a:t>
+            </a:r>
+          </a:p>
+        </p:txBody>
+      </p:sp>
+      <p:sp>
+        <p:nvSpPr>
+          <p:cNvPr id="5" name="文本框 4"/>
+          <p:cNvSpPr txBox="1"/>
+          <p:nvPr/>
+        </p:nvSpPr>
+        <p:spPr>
+          <a:xfrm>
+            <a:off x="7632065" y="1118235"/>
+            <a:ext cx="335280" cy="368300"/>
+          </a:xfrm>
+          <a:prstGeom prst="rect">
+            <a:avLst/>
+          </a:prstGeom>
+          <a:noFill/>
+        </p:spPr>
+        <p:txBody>
+          <a:bodyPr wrap="none" rtlCol="0">
+            <a:spAutoFit/>
+          </a:bodyPr>
+          <a:p>
+            <a:r>
+              <a:rPr lang="en-US" altLang="zh-CN">
+                <a:solidFill>
+                  <a:schemeClr val="accent6">
+                    <a:lumMod val="50000"/>
+                  </a:schemeClr>
+                </a:solidFill>
+              </a:rPr>
+              <a:t>B</a:t>
+            </a:r>
+            <a:endParaRPr lang="en-US" altLang="zh-CN">
+              <a:solidFill>
+                <a:schemeClr val="accent6">
+                  <a:lumMod val="50000"/>
+                </a:schemeClr>
+              </a:solidFill>
+            </a:endParaRPr>
+          </a:p>
+        </p:txBody>
+      </p:sp>
+      <p:sp>
+        <p:nvSpPr>
+          <p:cNvPr id="6" name="文本框 5"/>
+          <p:cNvSpPr txBox="1"/>
+          <p:nvPr/>
+        </p:nvSpPr>
+        <p:spPr>
+          <a:xfrm>
+            <a:off x="914400" y="2315210"/>
+            <a:ext cx="10083800" cy="1198880"/>
+          </a:xfrm>
+          <a:prstGeom prst="rect">
+            <a:avLst/>
+          </a:prstGeom>
+          <a:noFill/>
+        </p:spPr>
+        <p:txBody>
+          <a:bodyPr wrap="square" rtlCol="0" anchor="t">
+            <a:spAutoFit/>
+          </a:bodyPr>
+          <a:p>
+            <a:r>
+              <a:t>2.十进制数57转换成无符号二进制整数是</a:t>
+            </a:r>
+          </a:p>
+          <a:p>
+            <a:r>
+              <a:t>A)0111001 </a:t>
+            </a:r>
+            <a:r>
+              <a:rPr lang="en-US"/>
+              <a:t>	</a:t>
+            </a:r>
+            <a:r>
+              <a:t>B)0110101</a:t>
+            </a:r>
+          </a:p>
+          <a:p>
+            <a:r>
+              <a:t>C)0110011</a:t>
+            </a:r>
+            <a:r>
+              <a:rPr lang="en-US"/>
+              <a:t>	</a:t>
+            </a:r>
+            <a:r>
+              <a:t>D)0110111</a:t>
+            </a:r>
+          </a:p>
+          <a:p/>
+        </p:txBody>
+      </p:sp>
+      <p:sp>
+        <p:nvSpPr>
+          <p:cNvPr id="7" name="文本框 6"/>
+          <p:cNvSpPr txBox="1"/>
+          <p:nvPr/>
+        </p:nvSpPr>
+        <p:spPr>
+          <a:xfrm>
+            <a:off x="5129530" y="2315210"/>
+            <a:ext cx="335280" cy="368300"/>
+          </a:xfrm>
+          <a:prstGeom prst="rect">
+            <a:avLst/>
+          </a:prstGeom>
+          <a:noFill/>
+        </p:spPr>
+        <p:txBody>
+          <a:bodyPr wrap="none" rtlCol="0">
+            <a:spAutoFit/>
+          </a:bodyPr>
+          <a:p>
+            <a:r>
+              <a:rPr lang="en-US" altLang="zh-CN">
+                <a:solidFill>
+                  <a:schemeClr val="accent6">
+                    <a:lumMod val="50000"/>
+                  </a:schemeClr>
+                </a:solidFill>
+              </a:rPr>
+              <a:t>A</a:t>
+            </a:r>
+            <a:endParaRPr lang="en-US" altLang="zh-CN">
+              <a:solidFill>
+                <a:schemeClr val="accent6">
+                  <a:lumMod val="50000"/>
+                </a:schemeClr>
+              </a:solidFill>
+            </a:endParaRPr>
+          </a:p>
+        </p:txBody>
+      </p:sp>
+      <p:sp>
+        <p:nvSpPr>
+          <p:cNvPr id="8" name="文本框 7"/>
+          <p:cNvSpPr txBox="1"/>
+          <p:nvPr/>
+        </p:nvSpPr>
+        <p:spPr>
+          <a:xfrm>
+            <a:off x="914400" y="3620135"/>
+            <a:ext cx="8947150" cy="922020"/>
+          </a:xfrm>
+          <a:prstGeom prst="rect">
+            <a:avLst/>
+          </a:prstGeom>
+          <a:noFill/>
+        </p:spPr>
+        <p:txBody>
+          <a:bodyPr wrap="square" rtlCol="0" anchor="t">
+            <a:spAutoFit/>
+          </a:bodyPr>
+          <a:p>
+            <a:r>
+              <a:t>3.无符号二进制整数1011010转换成十进制数是</a:t>
+            </a:r>
+          </a:p>
+          <a:p>
+            <a:r>
+              <a:t>A)88</a:t>
+            </a:r>
+            <a:r>
+              <a:rPr lang="en-US"/>
+              <a:t>	</a:t>
+            </a:r>
+            <a:r>
+              <a:t>B)90</a:t>
+            </a:r>
+          </a:p>
+          <a:p>
+            <a:r>
+              <a:t>C)92</a:t>
+            </a:r>
+            <a:r>
+              <a:rPr lang="en-US"/>
+              <a:t>	</a:t>
+            </a:r>
+            <a:r>
+              <a:t>D)93</a:t>
+            </a:r>
+          </a:p>
+        </p:txBody>
+      </p:sp>
+      <p:sp>
+        <p:nvSpPr>
+          <p:cNvPr id="9" name="文本框 8"/>
+          <p:cNvSpPr txBox="1"/>
+          <p:nvPr/>
+        </p:nvSpPr>
+        <p:spPr>
+          <a:xfrm>
+            <a:off x="5788660" y="3620135"/>
+            <a:ext cx="335280" cy="368300"/>
+          </a:xfrm>
+          <a:prstGeom prst="rect">
+            <a:avLst/>
+          </a:prstGeom>
+          <a:noFill/>
+        </p:spPr>
+        <p:txBody>
+          <a:bodyPr wrap="none" rtlCol="0">
+            <a:spAutoFit/>
+          </a:bodyPr>
+          <a:p>
+            <a:r>
+              <a:rPr lang="en-US" altLang="zh-CN">
+                <a:solidFill>
+                  <a:schemeClr val="accent6">
+                    <a:lumMod val="50000"/>
+                  </a:schemeClr>
+                </a:solidFill>
+              </a:rPr>
+              <a:t>B</a:t>
+            </a:r>
+            <a:endParaRPr lang="en-US" altLang="zh-CN">
+              <a:solidFill>
+                <a:schemeClr val="accent6">
+                  <a:lumMod val="50000"/>
+                </a:schemeClr>
+              </a:solidFill>
+            </a:endParaRPr>
+          </a:p>
+        </p:txBody>
+      </p:sp>
+      <p:sp>
+        <p:nvSpPr>
+          <p:cNvPr id="3" name="文本框 2"/>
+          <p:cNvSpPr txBox="1"/>
+          <p:nvPr/>
+        </p:nvSpPr>
+        <p:spPr>
+          <a:xfrm>
+            <a:off x="652780" y="4866640"/>
+            <a:ext cx="7789545" cy="922020"/>
+          </a:xfrm>
+          <a:prstGeom prst="rect">
+            <a:avLst/>
+          </a:prstGeom>
+          <a:noFill/>
+        </p:spPr>
+        <p:txBody>
+          <a:bodyPr wrap="square" rtlCol="0" anchor="t">
+            <a:spAutoFit/>
+          </a:bodyPr>
+          <a:p>
+            <a:r>
+              <a:rPr lang="en-US" altLang="zh-CN"/>
+              <a:t>4</a:t>
+            </a:r>
+            <a:r>
+              <a:rPr lang="zh-CN" altLang="en-US"/>
+              <a:t>.如果在一个非零无符号二进制整数之后添加2个0，则此数的值为原数的</a:t>
+            </a:r>
+            <a:endParaRPr lang="zh-CN" altLang="en-US"/>
+          </a:p>
+          <a:p>
+            <a:r>
+              <a:rPr lang="zh-CN" altLang="en-US"/>
+              <a:t>A4倍</a:t>
+            </a:r>
+            <a:r>
+              <a:rPr lang="en-US" altLang="zh-CN"/>
+              <a:t>		</a:t>
+            </a:r>
+            <a:r>
+              <a:rPr lang="zh-CN" altLang="en-US"/>
+              <a:t>B)2倍</a:t>
+            </a:r>
+            <a:endParaRPr lang="zh-CN" altLang="en-US"/>
+          </a:p>
+          <a:p>
+            <a:r>
+              <a:rPr lang="zh-CN" altLang="en-US"/>
+              <a:t>C)1/2</a:t>
+            </a:r>
+            <a:r>
+              <a:rPr lang="en-US" altLang="zh-CN"/>
+              <a:t>		</a:t>
+            </a:r>
+            <a:r>
+              <a:rPr lang="zh-CN" altLang="en-US"/>
+              <a:t>D)1/4</a:t>
+            </a:r>
+            <a:endParaRPr lang="zh-CN" altLang="en-US"/>
+          </a:p>
+        </p:txBody>
+      </p:sp>
+      <p:sp>
+        <p:nvSpPr>
+          <p:cNvPr id="10" name="文本框 9"/>
+          <p:cNvSpPr txBox="1"/>
+          <p:nvPr/>
+        </p:nvSpPr>
+        <p:spPr>
+          <a:xfrm>
+            <a:off x="8170545" y="4866640"/>
+            <a:ext cx="335280" cy="368300"/>
+          </a:xfrm>
+          <a:prstGeom prst="rect">
+            <a:avLst/>
+          </a:prstGeom>
+          <a:noFill/>
+        </p:spPr>
+        <p:txBody>
+          <a:bodyPr wrap="none" rtlCol="0">
+            <a:spAutoFit/>
+          </a:bodyPr>
+          <a:p>
+            <a:r>
+              <a:rPr lang="en-US" altLang="zh-CN">
+                <a:solidFill>
+                  <a:schemeClr val="accent6">
+                    <a:lumMod val="50000"/>
+                  </a:schemeClr>
+                </a:solidFill>
+              </a:rPr>
+              <a:t>A</a:t>
+            </a:r>
+            <a:endParaRPr lang="en-US" altLang="zh-CN">
+              <a:solidFill>
+                <a:schemeClr val="accent6">
+                  <a:lumMod val="50000"/>
+                </a:schemeClr>
+              </a:solidFill>
+            </a:endParaRPr>
+          </a:p>
+        </p:txBody>
+      </p:sp>
+    </p:spTree>
+    <p:custDataLst>
+      <p:tags r:id="rId2"/>
+    </p:custDataLst>
+  </p:cSld>
+  <p:clrMapOvr>
+    <a:masterClrMapping/>
+  </p:clrMapOvr>
+  <p:transition>
+    <p:random/>
+  </p:transition>
+  <p:timing>
+    <p:tnLst>
+      <p:par>
+        <p:cTn id="1" dur="indefinite" restart="never" nodeType="tmRoot">
+          <p:childTnLst>
+            <p:seq concurrent="1" nextAc="seek">
+              <p:cTn id="2" dur="indefinite" nodeType="mainSeq">
+                <p:childTnLst>
+                  <p:par>
+                    <p:cTn id="3" fill="hold">
+                      <p:stCondLst>
+                        <p:cond delay="indefinite"/>
+                      </p:stCondLst>
+                      <p:childTnLst>
+                        <p:par>
+                          <p:cTn id="4" fill="hold">
+                            <p:stCondLst>
+                              <p:cond delay="0"/>
+                            </p:stCondLst>
+                            <p:childTnLst>
+                              <p:par>
+                                <p:cTn id="5" presetID="16" presetClass="entr" presetSubtype="21" fill="hold" grpId="0" nodeType="clickEffect">
+                                  <p:stCondLst>
+                                    <p:cond delay="0"/>
+                                  </p:stCondLst>
+                                  <p:childTnLst>
+                                    <p:set>
+                                      <p:cBhvr>
+                                        <p:cTn id="6" dur="1" fill="hold">
+                                          <p:stCondLst>
+                                            <p:cond delay="0"/>
+                                          </p:stCondLst>
+                                        </p:cTn>
+                                        <p:tgtEl>
+                                          <p:spTgt spid="5"/>
+                                        </p:tgtEl>
+                                        <p:attrNameLst>
+                                          <p:attrName>style.visibility</p:attrName>
+                                        </p:attrNameLst>
+                                      </p:cBhvr>
+                                      <p:to>
+                                        <p:strVal val="visible"/>
+                                      </p:to>
+                                    </p:set>
+                                    <p:animEffect transition="in" filter="barn(inVertical)">
+                                      <p:cBhvr>
+                                        <p:cTn id="7" dur="500"/>
+                                        <p:tgtEl>
+                                          <p:spTgt spid="5"/>
+                                        </p:tgtEl>
+                                      </p:cBhvr>
+                                    </p:animEffect>
+                                  </p:childTnLst>
+                                </p:cTn>
+                              </p:par>
+                            </p:childTnLst>
+                          </p:cTn>
+                        </p:par>
+                      </p:childTnLst>
+                    </p:cTn>
+                  </p:par>
+                  <p:par>
+                    <p:cTn id="8" fill="hold">
+                      <p:stCondLst>
+                        <p:cond delay="indefinite"/>
+                      </p:stCondLst>
+                      <p:childTnLst>
+                        <p:par>
+                          <p:cTn id="9" fill="hold">
+                            <p:stCondLst>
+                              <p:cond delay="0"/>
+                            </p:stCondLst>
+                            <p:childTnLst>
+                              <p:par>
+                                <p:cTn id="10" presetID="5" presetClass="entr" presetSubtype="10" fill="hold" grpId="0" nodeType="clickEffect">
+                                  <p:stCondLst>
+                                    <p:cond delay="0"/>
+                                  </p:stCondLst>
+                                  <p:childTnLst>
+                                    <p:set>
+                                      <p:cBhvr>
+                                        <p:cTn id="11" dur="1" fill="hold">
+                                          <p:stCondLst>
+                                            <p:cond delay="0"/>
+                                          </p:stCondLst>
+                                        </p:cTn>
+                                        <p:tgtEl>
+                                          <p:spTgt spid="6"/>
+                                        </p:tgtEl>
+                                        <p:attrNameLst>
+                                          <p:attrName>style.visibility</p:attrName>
+                                        </p:attrNameLst>
+                                      </p:cBhvr>
+                                      <p:to>
+                                        <p:strVal val="visible"/>
+                                      </p:to>
+                                    </p:set>
+                                    <p:animEffect transition="in" filter="checkerboard(across)">
+                                      <p:cBhvr>
+                                        <p:cTn id="12" dur="500"/>
+                                        <p:tgtEl>
+                                          <p:spTgt spid="6"/>
+                                        </p:tgtEl>
+                                      </p:cBhvr>
+                                    </p:animEffect>
+                                  </p:childTnLst>
+                                </p:cTn>
+                              </p:par>
+                            </p:childTnLst>
+                          </p:cTn>
+                        </p:par>
+                      </p:childTnLst>
+                    </p:cTn>
+                  </p:par>
+                  <p:par>
+                    <p:cTn id="13" fill="hold">
+                      <p:stCondLst>
+                        <p:cond delay="indefinite"/>
+                      </p:stCondLst>
+                      <p:childTnLst>
+                        <p:par>
+                          <p:cTn id="14" fill="hold">
+                            <p:stCondLst>
+                              <p:cond delay="0"/>
+                            </p:stCondLst>
+                            <p:childTnLst>
+                              <p:par>
+                                <p:cTn id="15" presetID="16" presetClass="entr" presetSubtype="21" fill="hold" grpId="0" nodeType="clickEffect">
+                                  <p:stCondLst>
+                                    <p:cond delay="0"/>
+                                  </p:stCondLst>
+                                  <p:childTnLst>
+                                    <p:set>
+                                      <p:cBhvr>
+                                        <p:cTn id="16" dur="1" fill="hold">
+                                          <p:stCondLst>
+                                            <p:cond delay="0"/>
+                                          </p:stCondLst>
+                                        </p:cTn>
+                                        <p:tgtEl>
+                                          <p:spTgt spid="7"/>
+                                        </p:tgtEl>
+                                        <p:attrNameLst>
+                                          <p:attrName>style.visibility</p:attrName>
+                                        </p:attrNameLst>
+                                      </p:cBhvr>
+                                      <p:to>
+                                        <p:strVal val="visible"/>
+                                      </p:to>
+                                    </p:set>
+                                    <p:animEffect transition="in" filter="barn(inVertical)">
+                                      <p:cBhvr>
+                                        <p:cTn id="17" dur="500"/>
+                                        <p:tgtEl>
+                                          <p:spTgt spid="7"/>
+                                        </p:tgtEl>
+                                      </p:cBhvr>
+                                    </p:animEffect>
+                                  </p:childTnLst>
+                                </p:cTn>
+                              </p:par>
+                            </p:childTnLst>
+                          </p:cTn>
+                        </p:par>
+                      </p:childTnLst>
+                    </p:cTn>
+                  </p:par>
+                  <p:par>
+                    <p:cTn id="18" fill="hold">
+                      <p:stCondLst>
+                        <p:cond delay="indefinite"/>
+                      </p:stCondLst>
+                      <p:childTnLst>
+                        <p:par>
+                          <p:cTn id="19" fill="hold">
+                            <p:stCondLst>
+                              <p:cond delay="0"/>
+                            </p:stCondLst>
+                            <p:childTnLst>
+                              <p:par>
+                                <p:cTn id="20" presetID="9" presetClass="entr" presetSubtype="0" fill="hold" grpId="0" nodeType="clickEffect">
+                                  <p:stCondLst>
+                                    <p:cond delay="0"/>
+                                  </p:stCondLst>
+                                  <p:childTnLst>
+                                    <p:set>
+                                      <p:cBhvr>
+                                        <p:cTn id="21" dur="1" fill="hold">
+                                          <p:stCondLst>
+                                            <p:cond delay="0"/>
+                                          </p:stCondLst>
+                                        </p:cTn>
+                                        <p:tgtEl>
+                                          <p:spTgt spid="8"/>
+                                        </p:tgtEl>
+                                        <p:attrNameLst>
+                                          <p:attrName>style.visibility</p:attrName>
+                                        </p:attrNameLst>
+                                      </p:cBhvr>
+                                      <p:to>
+                                        <p:strVal val="visible"/>
+                                      </p:to>
+                                    </p:set>
+                                    <p:animEffect transition="in" filter="dissolve">
+                                      <p:cBhvr>
+                                        <p:cTn id="22" dur="500"/>
+                                        <p:tgtEl>
+                                          <p:spTgt spid="8"/>
+                                        </p:tgtEl>
+                                      </p:cBhvr>
+                                    </p:animEffect>
+                                  </p:childTnLst>
+                                </p:cTn>
+                              </p:par>
+                            </p:childTnLst>
+                          </p:cTn>
+                        </p:par>
+                      </p:childTnLst>
+                    </p:cTn>
+                  </p:par>
+                  <p:par>
+                    <p:cTn id="23" fill="hold">
+                      <p:stCondLst>
+                        <p:cond delay="indefinite"/>
+                      </p:stCondLst>
+                      <p:childTnLst>
+                        <p:par>
+                          <p:cTn id="24" fill="hold">
+                            <p:stCondLst>
+                              <p:cond delay="0"/>
+                            </p:stCondLst>
+                            <p:childTnLst>
+                              <p:par>
+                                <p:cTn id="25" presetID="16" presetClass="entr" presetSubtype="21" fill="hold" grpId="0" nodeType="clickEffect">
+                                  <p:stCondLst>
+                                    <p:cond delay="0"/>
+                                  </p:stCondLst>
+                                  <p:childTnLst>
+                                    <p:set>
+                                      <p:cBhvr>
+                                        <p:cTn id="26" dur="1" fill="hold">
+                                          <p:stCondLst>
+                                            <p:cond delay="0"/>
+                                          </p:stCondLst>
+                                        </p:cTn>
+                                        <p:tgtEl>
+                                          <p:spTgt spid="9"/>
+                                        </p:tgtEl>
+                                        <p:attrNameLst>
+                                          <p:attrName>style.visibility</p:attrName>
+                                        </p:attrNameLst>
+                                      </p:cBhvr>
+                                      <p:to>
+                                        <p:strVal val="visible"/>
+                                      </p:to>
+                                    </p:set>
+                                    <p:animEffect transition="in" filter="barn(inVertical)">
+                                      <p:cBhvr>
+                                        <p:cTn id="27" dur="500"/>
+                                        <p:tgtEl>
+                                          <p:spTgt spid="9"/>
+                                        </p:tgtEl>
+                                      </p:cBhvr>
+                                    </p:animEffect>
+                                  </p:childTnLst>
+                                </p:cTn>
+                              </p:par>
+                            </p:childTnLst>
+                          </p:cTn>
+                        </p:par>
+                      </p:childTnLst>
+                    </p:cTn>
+                  </p:par>
+                  <p:par>
+                    <p:cTn id="28" fill="hold">
+                      <p:stCondLst>
+                        <p:cond delay="indefinite"/>
+                      </p:stCondLst>
+                      <p:childTnLst>
+                        <p:par>
+                          <p:cTn id="29" fill="hold">
+                            <p:stCondLst>
+                              <p:cond delay="0"/>
+                            </p:stCondLst>
+                            <p:childTnLst>
+                              <p:par>
+                                <p:cTn id="30" presetID="3" presetClass="entr" presetSubtype="10" fill="hold" grpId="0" nodeType="clickEffect">
+                                  <p:stCondLst>
+                                    <p:cond delay="0"/>
+                                  </p:stCondLst>
+                                  <p:childTnLst>
+                                    <p:set>
+                                      <p:cBhvr>
+                                        <p:cTn id="31" dur="1" fill="hold">
+                                          <p:stCondLst>
+                                            <p:cond delay="0"/>
+                                          </p:stCondLst>
+                                        </p:cTn>
+                                        <p:tgtEl>
+                                          <p:spTgt spid="3"/>
+                                        </p:tgtEl>
+                                        <p:attrNameLst>
+                                          <p:attrName>style.visibility</p:attrName>
+                                        </p:attrNameLst>
+                                      </p:cBhvr>
+                                      <p:to>
+                                        <p:strVal val="visible"/>
+                                      </p:to>
+                                    </p:set>
+                                    <p:animEffect transition="in" filter="blinds(horizontal)">
+                                      <p:cBhvr>
+                                        <p:cTn id="32" dur="500"/>
+                                        <p:tgtEl>
+                                          <p:spTgt spid="3"/>
+                                        </p:tgtEl>
+                                      </p:cBhvr>
+                                    </p:animEffect>
+                                  </p:childTnLst>
+                                </p:cTn>
+                              </p:par>
+                            </p:childTnLst>
+                          </p:cTn>
+                        </p:par>
+                      </p:childTnLst>
+                    </p:cTn>
+                  </p:par>
+                  <p:par>
+                    <p:cTn id="33" fill="hold">
+                      <p:stCondLst>
+                        <p:cond delay="indefinite"/>
+                      </p:stCondLst>
+                      <p:childTnLst>
+                        <p:par>
+                          <p:cTn id="34" fill="hold">
+                            <p:stCondLst>
+                              <p:cond delay="0"/>
+                            </p:stCondLst>
+                            <p:childTnLst>
+                              <p:par>
+                                <p:cTn id="35" presetID="16" presetClass="entr" presetSubtype="21" fill="hold" grpId="0" nodeType="clickEffect">
+                                  <p:stCondLst>
+                                    <p:cond delay="0"/>
+                                  </p:stCondLst>
+                                  <p:childTnLst>
+                                    <p:set>
+                                      <p:cBhvr>
+                                        <p:cTn id="36" dur="1" fill="hold">
+                                          <p:stCondLst>
+                                            <p:cond delay="0"/>
+                                          </p:stCondLst>
+                                        </p:cTn>
+                                        <p:tgtEl>
+                                          <p:spTgt spid="10"/>
+                                        </p:tgtEl>
+                                        <p:attrNameLst>
+                                          <p:attrName>style.visibility</p:attrName>
+                                        </p:attrNameLst>
+                                      </p:cBhvr>
+                                      <p:to>
+                                        <p:strVal val="visible"/>
+                                      </p:to>
+                                    </p:set>
+                                    <p:animEffect transition="in" filter="barn(inVertical)">
+                                      <p:cBhvr>
+                                        <p:cTn id="37" dur="500"/>
+                                        <p:tgtEl>
+                                          <p:spTgt spid="10"/>
+                                        </p:tgtEl>
+                                      </p:cBhvr>
+                                    </p:animEffect>
+                                  </p:childTnLst>
+                                </p:cTn>
+                              </p:par>
+                            </p:childTnLst>
+                          </p:cTn>
+                        </p:par>
+                      </p:childTnLst>
+                    </p:cTn>
+                  </p:par>
+                </p:childTnLst>
+              </p:cTn>
+              <p:prevCondLst>
+                <p:cond evt="onPrev" delay="0">
+                  <p:tgtEl>
+                    <p:sldTgt/>
+                  </p:tgtEl>
+                </p:cond>
+              </p:prevCondLst>
+              <p:nextCondLst>
+                <p:cond evt="onNext" delay="0">
+                  <p:tgtEl>
+                    <p:sldTgt/>
+                  </p:tgtEl>
+                </p:cond>
+              </p:nextCondLst>
+            </p:seq>
+          </p:childTnLst>
+        </p:cTn>
+      </p:par>
+    </p:tnLst>
+    <p:bldLst>
+      <p:bldP spid="5" grpId="0"/>
+      <p:bldP spid="7" grpId="0"/>
+      <p:bldP spid="9" grpId="0"/>
+      <p:bldP spid="6" grpId="0"/>
+      <p:bldP spid="6" grpId="1"/>
+      <p:bldP spid="8" grpId="0"/>
+      <p:bldP spid="8" grpId="1"/>
+      <p:bldP spid="3" grpId="0"/>
+      <p:bldP spid="3" grpId="1"/>
+      <p:bldP spid="10" grpId="0"/>
+    </p:bldLst>
+  </p:timing>
+</p:sld>
+</file>
+
+<file path=ppt/slides/slide9.xml><?xml version="1.0" encoding="utf-8"?>
+<p:sld xmlns:a="http://schemas.openxmlformats.org/drawingml/2006/main" xmlns:r="http://schemas.openxmlformats.org/officeDocument/2006/relationships" xmlns:p="http://schemas.openxmlformats.org/presentationml/2006/main">
+  <p:cSld>
+    <p:spTree>
+      <p:nvGrpSpPr>
+        <p:cNvPr id="1" name=""/>
+        <p:cNvGrpSpPr/>
+        <p:nvPr/>
+      </p:nvGrpSpPr>
+      <p:grpSpPr>
+        <a:xfrm>
+          <a:off x="0" y="0"/>
+          <a:ext cx="0" cy="0"/>
+          <a:chOff x="0" y="0"/>
+          <a:chExt cx="0" cy="0"/>
+        </a:xfrm>
+      </p:grpSpPr>
+      <p:sp>
+        <p:nvSpPr>
+          <p:cNvPr id="2" name="标题 1"/>
+          <p:cNvSpPr>
+            <a:spLocks noGrp="1"/>
+          </p:cNvSpPr>
+          <p:nvPr>
+            <p:ph type="ctrTitle"/>
+            <p:custDataLst>
+              <p:tags r:id="rId1"/>
+            </p:custDataLst>
+          </p:nvPr>
+        </p:nvSpPr>
+        <p:spPr>
+          <a:xfrm>
+            <a:off x="394335" y="531495"/>
+            <a:ext cx="9799320" cy="520700"/>
+          </a:xfrm>
+        </p:spPr>
+        <p:txBody>
+          <a:bodyPr>
+            <a:normAutofit fontScale="90000"/>
+          </a:bodyPr>
+          <a:p>
+            <a:pPr algn="l"/>
+            <a:r>
+              <a:rPr lang="en-US" altLang="zh-CN" sz="2800"/>
+              <a:t>2.</a:t>
+            </a:r>
+            <a:r>
+              <a:rPr lang="zh-CN" altLang="en-US" sz="2800">
+                <a:sym typeface="+mn-ea"/>
+              </a:rPr>
+              <a:t>西文字符（</a:t>
+            </a:r>
+            <a:r>
+              <a:rPr lang="en-US" altLang="zh-CN" sz="2800">
+                <a:sym typeface="+mn-ea"/>
+              </a:rPr>
+              <a:t>ASCII</a:t>
+            </a:r>
+            <a:r>
+              <a:rPr lang="zh-CN" altLang="en-US" sz="2800">
+                <a:sym typeface="+mn-ea"/>
+              </a:rPr>
+              <a:t>码）</a:t>
+            </a:r>
+            <a:endParaRPr lang="zh-CN" altLang="en-US" sz="2800"/>
+          </a:p>
+        </p:txBody>
+      </p:sp>
+      <p:sp>
+        <p:nvSpPr>
+          <p:cNvPr id="4" name="文本框 3"/>
+          <p:cNvSpPr txBox="1"/>
+          <p:nvPr/>
+        </p:nvSpPr>
+        <p:spPr>
+          <a:xfrm>
+            <a:off x="394335" y="1203960"/>
+            <a:ext cx="11336020" cy="922020"/>
+          </a:xfrm>
+          <a:prstGeom prst="rect">
+            <a:avLst/>
+          </a:prstGeom>
+          <a:noFill/>
+        </p:spPr>
+        <p:txBody>
+          <a:bodyPr wrap="square" rtlCol="0" anchor="t">
+            <a:spAutoFit/>
+          </a:bodyPr>
+          <a:p>
+            <a:pPr indent="457200" fontAlgn="auto">
+              <a:extLst>
+                <a:ext uri="{35155182-B16C-46BC-9424-99874614C6A1}">
+                  <wpsdc:indentchars xmlns:wpsdc="http://www.wps.cn/officeDocument/2017/drawingmlCustomData" val="200" checksum="59296752"/>
+                </a:ext>
+              </a:extLst>
+            </a:pPr>
+            <a:r>
+              <a:rPr lang="zh-CN" altLang="en-US">
+                <a:solidFill>
+                  <a:schemeClr val="tx2">
+                    <a:lumMod val="50000"/>
+                    <a:lumOff val="50000"/>
+                  </a:schemeClr>
+                </a:solidFill>
+              </a:rPr>
+              <a:t>计算机中的信息用二进制编码表示,用以表示字符的二进制编码称为字符编码。</a:t>
+            </a:r>
+            <a:endParaRPr lang="zh-CN" altLang="en-US">
+              <a:solidFill>
+                <a:schemeClr val="tx2">
+                  <a:lumMod val="50000"/>
+                  <a:lumOff val="50000"/>
+                </a:schemeClr>
+              </a:solidFill>
+            </a:endParaRPr>
+          </a:p>
+          <a:p>
+            <a:pPr indent="457200" fontAlgn="auto">
+              <a:extLst>
+                <a:ext uri="{35155182-B16C-46BC-9424-99874614C6A1}">
+                  <wpsdc:indentchars xmlns:wpsdc="http://www.wps.cn/officeDocument/2017/drawingmlCustomData" val="200" checksum="59296752"/>
+                </a:ext>
+              </a:extLst>
+            </a:pPr>
+            <a:r>
+              <a:rPr lang="zh-CN" altLang="en-US">
+                <a:solidFill>
+                  <a:schemeClr val="tx2">
+                    <a:lumMod val="50000"/>
+                    <a:lumOff val="50000"/>
+                  </a:schemeClr>
+                </a:solidFill>
+              </a:rPr>
+              <a:t>计算机（微机）中常用的字符编码是ASCII码。</a:t>
+            </a:r>
+            <a:endParaRPr lang="zh-CN" altLang="en-US">
+              <a:solidFill>
+                <a:schemeClr val="tx2">
+                  <a:lumMod val="50000"/>
+                  <a:lumOff val="50000"/>
+                </a:schemeClr>
+              </a:solidFill>
+            </a:endParaRPr>
+          </a:p>
+          <a:p>
+            <a:pPr indent="457200" fontAlgn="auto">
+              <a:extLst>
+                <a:ext uri="{35155182-B16C-46BC-9424-99874614C6A1}">
+                  <wpsdc:indentchars xmlns:wpsdc="http://www.wps.cn/officeDocument/2017/drawingmlCustomData" val="200" checksum="59296752"/>
+                </a:ext>
+              </a:extLst>
+            </a:pPr>
+            <a:r>
+              <a:rPr lang="en-US" altLang="zh-CN">
+                <a:solidFill>
+                  <a:schemeClr val="tx2">
+                    <a:lumMod val="50000"/>
+                    <a:lumOff val="50000"/>
+                  </a:schemeClr>
+                </a:solidFill>
+              </a:rPr>
+              <a:t>ASCII</a:t>
+            </a:r>
+            <a:r>
+              <a:rPr lang="zh-CN" altLang="en-US">
+                <a:solidFill>
+                  <a:schemeClr val="tx2">
+                    <a:lumMod val="50000"/>
+                    <a:lumOff val="50000"/>
+                  </a:schemeClr>
+                </a:solidFill>
+              </a:rPr>
+              <a:t>码国际通用的ASCII码是</a:t>
+            </a:r>
+            <a:r>
+              <a:rPr lang="zh-CN" altLang="en-US">
+                <a:solidFill>
+                  <a:srgbClr val="FF0000"/>
+                </a:solidFill>
+              </a:rPr>
+              <a:t>7位码</a:t>
+            </a:r>
+            <a:r>
+              <a:rPr lang="zh-CN" altLang="en-US">
+                <a:solidFill>
+                  <a:schemeClr val="tx2">
+                    <a:lumMod val="50000"/>
+                    <a:lumOff val="50000"/>
+                  </a:schemeClr>
+                </a:solidFill>
+              </a:rPr>
+              <a:t>，它是用7位二进制数表示一个字符的编码的7次方个字符，共128个</a:t>
+            </a:r>
+            <a:endParaRPr lang="zh-CN" altLang="en-US">
+              <a:solidFill>
+                <a:schemeClr val="tx2">
+                  <a:lumMod val="50000"/>
+                  <a:lumOff val="50000"/>
+                </a:schemeClr>
+              </a:solidFill>
+            </a:endParaRPr>
+          </a:p>
+        </p:txBody>
+      </p:sp>
+      <p:pic>
+        <p:nvPicPr>
+          <p:cNvPr id="5" name="图片 4"/>
+          <p:cNvPicPr>
+            <a:picLocks noChangeAspect="1"/>
+          </p:cNvPicPr>
+          <p:nvPr/>
+        </p:nvPicPr>
+        <p:blipFill>
+          <a:blip r:embed="rId2"/>
+          <a:stretch>
+            <a:fillRect/>
+          </a:stretch>
+        </p:blipFill>
+        <p:spPr>
+          <a:xfrm>
+            <a:off x="2080260" y="2432685"/>
+            <a:ext cx="6756400" cy="4277995"/>
+          </a:xfrm>
+          <a:prstGeom prst="rect">
+            <a:avLst/>
+          </a:prstGeom>
+        </p:spPr>
+      </p:pic>
+      <p:sp>
+        <p:nvSpPr>
+          <p:cNvPr id="6" name="文本框 5"/>
+          <p:cNvSpPr txBox="1"/>
+          <p:nvPr/>
+        </p:nvSpPr>
+        <p:spPr>
+          <a:xfrm>
+            <a:off x="4923155" y="2125980"/>
+            <a:ext cx="1694180" cy="306705"/>
+          </a:xfrm>
+          <a:prstGeom prst="rect">
+            <a:avLst/>
+          </a:prstGeom>
+          <a:noFill/>
+        </p:spPr>
+        <p:txBody>
+          <a:bodyPr wrap="square" rtlCol="0">
+            <a:spAutoFit/>
+          </a:bodyPr>
+          <a:p>
+            <a:r>
+              <a:rPr lang="en-US" altLang="zh-CN" sz="1400"/>
+              <a:t>ASCII</a:t>
+            </a:r>
+            <a:r>
+              <a:rPr lang="zh-CN" altLang="en-US" sz="1400"/>
+              <a:t>码对照表</a:t>
+            </a:r>
+            <a:endParaRPr lang="zh-CN" altLang="en-US" sz="1400"/>
+          </a:p>
+        </p:txBody>
+      </p:sp>
+    </p:spTree>
+    <p:custDataLst>
+      <p:tags r:id="rId3"/>
+    </p:custDataLst>
+  </p:cSld>
+  <p:clrMapOvr>
+    <a:masterClrMapping/>
+  </p:clrMapOvr>
+  <p:transition>
+    <p:random/>
+  </p:transition>
+  <p:timing>
+    <p:tnLst>
+      <p:par>
+        <p:cTn id="1" dur="indefinite" restart="never" nodeType="tmRoot"/>
+      </p:par>
+    </p:tnLst>
   </p:timing>
 </p:sld>
 </file>
@@ -19237,22 +24254,24 @@
 
 <file path=ppt/tags/tag198.xml><?xml version="1.0" encoding="utf-8"?>
 <p:tagLst xmlns:p="http://schemas.openxmlformats.org/presentationml/2006/main">
-  <p:tag name="KSO_WM_SLIDE_ID" val="custom20205176_1"/>
-  <p:tag name="KSO_WM_TEMPLATE_SUBCATEGORY" val="19"/>
-  <p:tag name="KSO_WM_TEMPLATE_MASTER_TYPE" val="0"/>
-  <p:tag name="KSO_WM_TEMPLATE_COLOR_TYPE" val="1"/>
-  <p:tag name="KSO_WM_SLIDE_TYPE" val="title"/>
-  <p:tag name="KSO_WM_SLIDE_SUBTYPE" val="defaultBlank"/>
-  <p:tag name="KSO_WM_SLIDE_ITEM_CNT" val="0"/>
-  <p:tag name="KSO_WM_SLIDE_INDEX" val="1"/>
+  <p:tag name="KSO_WM_UNIT_ISCONTENTSTITLE" val="0"/>
+  <p:tag name="KSO_WM_UNIT_ISNUMDGMTITLE" val="0"/>
+  <p:tag name="KSO_WM_UNIT_PRESET_TEXT" val="空白演示"/>
+  <p:tag name="KSO_WM_UNIT_NOCLEAR" val="0"/>
+  <p:tag name="KSO_WM_UNIT_SHOW_EDIT_AREA_INDICATION" val="1"/>
+  <p:tag name="KSO_WM_UNIT_VALUE" val="28"/>
+  <p:tag name="KSO_WM_UNIT_HIGHLIGHT" val="0"/>
+  <p:tag name="KSO_WM_UNIT_COMPATIBLE" val="0"/>
+  <p:tag name="KSO_WM_UNIT_DIAGRAM_ISNUMVISUAL" val="0"/>
+  <p:tag name="KSO_WM_UNIT_DIAGRAM_ISREFERUNIT" val="0"/>
+  <p:tag name="KSO_WM_UNIT_TYPE" val="a"/>
+  <p:tag name="KSO_WM_UNIT_INDEX" val="1"/>
+  <p:tag name="KSO_WM_UNIT_ID" val="custom20205176_1*a*1"/>
+  <p:tag name="KSO_WM_TEMPLATE_CATEGORY" val="custom"/>
+  <p:tag name="KSO_WM_TEMPLATE_INDEX" val="20205176"/>
+  <p:tag name="KSO_WM_UNIT_LAYERLEVEL" val="1"/>
   <p:tag name="KSO_WM_TAG_VERSION" val="1.0"/>
   <p:tag name="KSO_WM_BEAUTIFY_FLAG" val="#wm#"/>
-  <p:tag name="KSO_WM_TEMPLATE_CATEGORY" val="custom"/>
-  <p:tag name="KSO_WM_TEMPLATE_INDEX" val="20205176"/>
-  <p:tag name="KSO_WM_SLIDE_LAYOUT" val="a_b"/>
-  <p:tag name="KSO_WM_SLIDE_LAYOUT_CNT" val="1_1"/>
-  <p:tag name="KSO_WM_UNIT_SHOW_EDIT_AREA_INDICATION" val="1"/>
-  <p:tag name="KSO_WM_TEMPLATE_THUMBS_INDEX" val="1、4、7、12、13、14、15、16、17、18、20、24、25、28、33、36、40、43、44"/>
 </p:tagLst>
 </file>
 
@@ -19370,6 +24389,235 @@
 
 <file path=ppt/tags/tag203.xml><?xml version="1.0" encoding="utf-8"?>
 <p:tagLst xmlns:p="http://schemas.openxmlformats.org/presentationml/2006/main">
+  <p:tag name="KSO_WM_SLIDE_ID" val="custom20205176_1"/>
+  <p:tag name="KSO_WM_TEMPLATE_SUBCATEGORY" val="19"/>
+  <p:tag name="KSO_WM_TEMPLATE_MASTER_TYPE" val="0"/>
+  <p:tag name="KSO_WM_TEMPLATE_COLOR_TYPE" val="1"/>
+  <p:tag name="KSO_WM_SLIDE_TYPE" val="title"/>
+  <p:tag name="KSO_WM_SLIDE_SUBTYPE" val="defaultBlank"/>
+  <p:tag name="KSO_WM_SLIDE_ITEM_CNT" val="0"/>
+  <p:tag name="KSO_WM_SLIDE_INDEX" val="1"/>
+  <p:tag name="KSO_WM_TAG_VERSION" val="1.0"/>
+  <p:tag name="KSO_WM_BEAUTIFY_FLAG" val="#wm#"/>
+  <p:tag name="KSO_WM_TEMPLATE_CATEGORY" val="custom"/>
+  <p:tag name="KSO_WM_TEMPLATE_INDEX" val="20205176"/>
+  <p:tag name="KSO_WM_SLIDE_LAYOUT" val="a_b"/>
+  <p:tag name="KSO_WM_SLIDE_LAYOUT_CNT" val="1_1"/>
+  <p:tag name="KSO_WM_UNIT_SHOW_EDIT_AREA_INDICATION" val="1"/>
+  <p:tag name="KSO_WM_TEMPLATE_THUMBS_INDEX" val="1、4、7、12、13、14、15、16、17、18、20、24、25、28、33、36、40、43、44"/>
+</p:tagLst>
+</file>
+
+<file path=ppt/tags/tag204.xml><?xml version="1.0" encoding="utf-8"?>
+<p:tagLst xmlns:p="http://schemas.openxmlformats.org/presentationml/2006/main">
+  <p:tag name="KSO_WM_SLIDE_ID" val="custom20205176_1"/>
+  <p:tag name="KSO_WM_TEMPLATE_SUBCATEGORY" val="19"/>
+  <p:tag name="KSO_WM_TEMPLATE_MASTER_TYPE" val="0"/>
+  <p:tag name="KSO_WM_TEMPLATE_COLOR_TYPE" val="1"/>
+  <p:tag name="KSO_WM_SLIDE_TYPE" val="title"/>
+  <p:tag name="KSO_WM_SLIDE_SUBTYPE" val="defaultBlank"/>
+  <p:tag name="KSO_WM_SLIDE_ITEM_CNT" val="0"/>
+  <p:tag name="KSO_WM_SLIDE_INDEX" val="1"/>
+  <p:tag name="KSO_WM_TAG_VERSION" val="1.0"/>
+  <p:tag name="KSO_WM_BEAUTIFY_FLAG" val="#wm#"/>
+  <p:tag name="KSO_WM_TEMPLATE_CATEGORY" val="custom"/>
+  <p:tag name="KSO_WM_TEMPLATE_INDEX" val="20205176"/>
+  <p:tag name="KSO_WM_SLIDE_LAYOUT" val="a_b"/>
+  <p:tag name="KSO_WM_SLIDE_LAYOUT_CNT" val="1_1"/>
+  <p:tag name="KSO_WM_UNIT_SHOW_EDIT_AREA_INDICATION" val="1"/>
+  <p:tag name="KSO_WM_TEMPLATE_THUMBS_INDEX" val="1、4、7、12、13、14、15、16、17、18、20、24、25、28、33、36、40、43、44"/>
+</p:tagLst>
+</file>
+
+<file path=ppt/tags/tag205.xml><?xml version="1.0" encoding="utf-8"?>
+<p:tagLst xmlns:p="http://schemas.openxmlformats.org/presentationml/2006/main">
+  <p:tag name="KSO_WM_UNIT_ISCONTENTSTITLE" val="0"/>
+  <p:tag name="KSO_WM_UNIT_ISNUMDGMTITLE" val="0"/>
+  <p:tag name="KSO_WM_UNIT_PRESET_TEXT" val="空白演示"/>
+  <p:tag name="KSO_WM_UNIT_NOCLEAR" val="0"/>
+  <p:tag name="KSO_WM_UNIT_SHOW_EDIT_AREA_INDICATION" val="1"/>
+  <p:tag name="KSO_WM_UNIT_VALUE" val="28"/>
+  <p:tag name="KSO_WM_UNIT_HIGHLIGHT" val="0"/>
+  <p:tag name="KSO_WM_UNIT_COMPATIBLE" val="0"/>
+  <p:tag name="KSO_WM_UNIT_DIAGRAM_ISNUMVISUAL" val="0"/>
+  <p:tag name="KSO_WM_UNIT_DIAGRAM_ISREFERUNIT" val="0"/>
+  <p:tag name="KSO_WM_UNIT_TYPE" val="a"/>
+  <p:tag name="KSO_WM_UNIT_INDEX" val="1"/>
+  <p:tag name="KSO_WM_UNIT_ID" val="custom20205176_1*a*1"/>
+  <p:tag name="KSO_WM_TEMPLATE_CATEGORY" val="custom"/>
+  <p:tag name="KSO_WM_TEMPLATE_INDEX" val="20205176"/>
+  <p:tag name="KSO_WM_UNIT_LAYERLEVEL" val="1"/>
+  <p:tag name="KSO_WM_TAG_VERSION" val="1.0"/>
+  <p:tag name="KSO_WM_BEAUTIFY_FLAG" val="#wm#"/>
+</p:tagLst>
+</file>
+
+<file path=ppt/tags/tag206.xml><?xml version="1.0" encoding="utf-8"?>
+<p:tagLst xmlns:p="http://schemas.openxmlformats.org/presentationml/2006/main">
+  <p:tag name="KSO_WM_SLIDE_ID" val="custom20205176_1"/>
+  <p:tag name="KSO_WM_TEMPLATE_SUBCATEGORY" val="19"/>
+  <p:tag name="KSO_WM_TEMPLATE_MASTER_TYPE" val="0"/>
+  <p:tag name="KSO_WM_TEMPLATE_COLOR_TYPE" val="1"/>
+  <p:tag name="KSO_WM_SLIDE_TYPE" val="title"/>
+  <p:tag name="KSO_WM_SLIDE_SUBTYPE" val="defaultBlank"/>
+  <p:tag name="KSO_WM_SLIDE_ITEM_CNT" val="0"/>
+  <p:tag name="KSO_WM_SLIDE_INDEX" val="1"/>
+  <p:tag name="KSO_WM_TAG_VERSION" val="1.0"/>
+  <p:tag name="KSO_WM_BEAUTIFY_FLAG" val="#wm#"/>
+  <p:tag name="KSO_WM_TEMPLATE_CATEGORY" val="custom"/>
+  <p:tag name="KSO_WM_TEMPLATE_INDEX" val="20205176"/>
+  <p:tag name="KSO_WM_SLIDE_LAYOUT" val="a_b"/>
+  <p:tag name="KSO_WM_SLIDE_LAYOUT_CNT" val="1_1"/>
+  <p:tag name="KSO_WM_UNIT_SHOW_EDIT_AREA_INDICATION" val="1"/>
+  <p:tag name="KSO_WM_TEMPLATE_THUMBS_INDEX" val="1、4、7、12、13、14、15、16、17、18、20、24、25、28、33、36、40、43、44"/>
+</p:tagLst>
+</file>
+
+<file path=ppt/tags/tag207.xml><?xml version="1.0" encoding="utf-8"?>
+<p:tagLst xmlns:p="http://schemas.openxmlformats.org/presentationml/2006/main">
+  <p:tag name="KSO_WM_SLIDE_ID" val="custom20205176_1"/>
+  <p:tag name="KSO_WM_TEMPLATE_SUBCATEGORY" val="19"/>
+  <p:tag name="KSO_WM_TEMPLATE_MASTER_TYPE" val="0"/>
+  <p:tag name="KSO_WM_TEMPLATE_COLOR_TYPE" val="1"/>
+  <p:tag name="KSO_WM_SLIDE_TYPE" val="title"/>
+  <p:tag name="KSO_WM_SLIDE_SUBTYPE" val="defaultBlank"/>
+  <p:tag name="KSO_WM_SLIDE_ITEM_CNT" val="0"/>
+  <p:tag name="KSO_WM_SLIDE_INDEX" val="1"/>
+  <p:tag name="KSO_WM_TAG_VERSION" val="1.0"/>
+  <p:tag name="KSO_WM_BEAUTIFY_FLAG" val="#wm#"/>
+  <p:tag name="KSO_WM_TEMPLATE_CATEGORY" val="custom"/>
+  <p:tag name="KSO_WM_TEMPLATE_INDEX" val="20205176"/>
+  <p:tag name="KSO_WM_SLIDE_LAYOUT" val="a_b"/>
+  <p:tag name="KSO_WM_SLIDE_LAYOUT_CNT" val="1_1"/>
+  <p:tag name="KSO_WM_UNIT_SHOW_EDIT_AREA_INDICATION" val="1"/>
+  <p:tag name="KSO_WM_TEMPLATE_THUMBS_INDEX" val="1、4、7、12、13、14、15、16、17、18、20、24、25、28、33、36、40、43、44"/>
+</p:tagLst>
+</file>
+
+<file path=ppt/tags/tag208.xml><?xml version="1.0" encoding="utf-8"?>
+<p:tagLst xmlns:p="http://schemas.openxmlformats.org/presentationml/2006/main">
+  <p:tag name="KSO_WM_SLIDE_ID" val="custom20205176_1"/>
+  <p:tag name="KSO_WM_TEMPLATE_SUBCATEGORY" val="19"/>
+  <p:tag name="KSO_WM_TEMPLATE_MASTER_TYPE" val="0"/>
+  <p:tag name="KSO_WM_TEMPLATE_COLOR_TYPE" val="1"/>
+  <p:tag name="KSO_WM_SLIDE_TYPE" val="title"/>
+  <p:tag name="KSO_WM_SLIDE_SUBTYPE" val="defaultBlank"/>
+  <p:tag name="KSO_WM_SLIDE_ITEM_CNT" val="0"/>
+  <p:tag name="KSO_WM_SLIDE_INDEX" val="1"/>
+  <p:tag name="KSO_WM_TAG_VERSION" val="1.0"/>
+  <p:tag name="KSO_WM_BEAUTIFY_FLAG" val="#wm#"/>
+  <p:tag name="KSO_WM_TEMPLATE_CATEGORY" val="custom"/>
+  <p:tag name="KSO_WM_TEMPLATE_INDEX" val="20205176"/>
+  <p:tag name="KSO_WM_SLIDE_LAYOUT" val="a_b"/>
+  <p:tag name="KSO_WM_SLIDE_LAYOUT_CNT" val="1_1"/>
+  <p:tag name="KSO_WM_UNIT_SHOW_EDIT_AREA_INDICATION" val="1"/>
+  <p:tag name="KSO_WM_TEMPLATE_THUMBS_INDEX" val="1、4、7、12、13、14、15、16、17、18、20、24、25、28、33、36、40、43、44"/>
+</p:tagLst>
+</file>
+
+<file path=ppt/tags/tag209.xml><?xml version="1.0" encoding="utf-8"?>
+<p:tagLst xmlns:p="http://schemas.openxmlformats.org/presentationml/2006/main">
+  <p:tag name="KSO_WM_UNIT_ISCONTENTSTITLE" val="0"/>
+  <p:tag name="KSO_WM_UNIT_ISNUMDGMTITLE" val="0"/>
+  <p:tag name="KSO_WM_UNIT_PRESET_TEXT" val="空白演示"/>
+  <p:tag name="KSO_WM_UNIT_NOCLEAR" val="0"/>
+  <p:tag name="KSO_WM_UNIT_SHOW_EDIT_AREA_INDICATION" val="1"/>
+  <p:tag name="KSO_WM_UNIT_VALUE" val="28"/>
+  <p:tag name="KSO_WM_UNIT_HIGHLIGHT" val="0"/>
+  <p:tag name="KSO_WM_UNIT_COMPATIBLE" val="0"/>
+  <p:tag name="KSO_WM_UNIT_DIAGRAM_ISNUMVISUAL" val="0"/>
+  <p:tag name="KSO_WM_UNIT_DIAGRAM_ISREFERUNIT" val="0"/>
+  <p:tag name="KSO_WM_UNIT_TYPE" val="a"/>
+  <p:tag name="KSO_WM_UNIT_INDEX" val="1"/>
+  <p:tag name="KSO_WM_UNIT_ID" val="custom20205176_1*a*1"/>
+  <p:tag name="KSO_WM_TEMPLATE_CATEGORY" val="custom"/>
+  <p:tag name="KSO_WM_TEMPLATE_INDEX" val="20205176"/>
+  <p:tag name="KSO_WM_UNIT_LAYERLEVEL" val="1"/>
+  <p:tag name="KSO_WM_TAG_VERSION" val="1.0"/>
+  <p:tag name="KSO_WM_BEAUTIFY_FLAG" val="#wm#"/>
+</p:tagLst>
+</file>
+
+<file path=ppt/tags/tag21.xml><?xml version="1.0" encoding="utf-8"?>
+<p:tagLst xmlns:p="http://schemas.openxmlformats.org/presentationml/2006/main">
+  <p:tag name="KSO_WM_UNIT_HIGHLIGHT" val="0"/>
+  <p:tag name="KSO_WM_UNIT_COMPATIBLE" val="0"/>
+  <p:tag name="KSO_WM_UNIT_DIAGRAM_ISNUMVISUAL" val="0"/>
+  <p:tag name="KSO_WM_UNIT_DIAGRAM_ISREFERUNIT" val="0"/>
+  <p:tag name="KSO_WM_UNIT_ID" val="_4**"/>
+  <p:tag name="KSO_WM_UNIT_LAYERLEVEL" val="1"/>
+  <p:tag name="KSO_WM_TAG_VERSION" val="1.0"/>
+  <p:tag name="KSO_WM_BEAUTIFY_FLAG" val="#wm#"/>
+</p:tagLst>
+</file>
+
+<file path=ppt/tags/tag210.xml><?xml version="1.0" encoding="utf-8"?>
+<p:tagLst xmlns:p="http://schemas.openxmlformats.org/presentationml/2006/main">
+  <p:tag name="KSO_WM_SLIDE_ID" val="custom20205176_1"/>
+  <p:tag name="KSO_WM_TEMPLATE_SUBCATEGORY" val="19"/>
+  <p:tag name="KSO_WM_TEMPLATE_MASTER_TYPE" val="0"/>
+  <p:tag name="KSO_WM_TEMPLATE_COLOR_TYPE" val="1"/>
+  <p:tag name="KSO_WM_SLIDE_TYPE" val="title"/>
+  <p:tag name="KSO_WM_SLIDE_SUBTYPE" val="defaultBlank"/>
+  <p:tag name="KSO_WM_SLIDE_ITEM_CNT" val="0"/>
+  <p:tag name="KSO_WM_SLIDE_INDEX" val="1"/>
+  <p:tag name="KSO_WM_TAG_VERSION" val="1.0"/>
+  <p:tag name="KSO_WM_BEAUTIFY_FLAG" val="#wm#"/>
+  <p:tag name="KSO_WM_TEMPLATE_CATEGORY" val="custom"/>
+  <p:tag name="KSO_WM_TEMPLATE_INDEX" val="20205176"/>
+  <p:tag name="KSO_WM_SLIDE_LAYOUT" val="a_b"/>
+  <p:tag name="KSO_WM_SLIDE_LAYOUT_CNT" val="1_1"/>
+  <p:tag name="KSO_WM_UNIT_SHOW_EDIT_AREA_INDICATION" val="1"/>
+  <p:tag name="KSO_WM_TEMPLATE_THUMBS_INDEX" val="1、4、7、12、13、14、15、16、17、18、20、24、25、28、33、36、40、43、44"/>
+</p:tagLst>
+</file>
+
+<file path=ppt/tags/tag211.xml><?xml version="1.0" encoding="utf-8"?>
+<p:tagLst xmlns:p="http://schemas.openxmlformats.org/presentationml/2006/main">
+  <p:tag name="KSO_WM_UNIT_ISCONTENTSTITLE" val="0"/>
+  <p:tag name="KSO_WM_UNIT_ISNUMDGMTITLE" val="0"/>
+  <p:tag name="KSO_WM_UNIT_PRESET_TEXT" val="空白演示"/>
+  <p:tag name="KSO_WM_UNIT_NOCLEAR" val="0"/>
+  <p:tag name="KSO_WM_UNIT_SHOW_EDIT_AREA_INDICATION" val="1"/>
+  <p:tag name="KSO_WM_UNIT_VALUE" val="28"/>
+  <p:tag name="KSO_WM_UNIT_HIGHLIGHT" val="0"/>
+  <p:tag name="KSO_WM_UNIT_COMPATIBLE" val="0"/>
+  <p:tag name="KSO_WM_UNIT_DIAGRAM_ISNUMVISUAL" val="0"/>
+  <p:tag name="KSO_WM_UNIT_DIAGRAM_ISREFERUNIT" val="0"/>
+  <p:tag name="KSO_WM_UNIT_TYPE" val="a"/>
+  <p:tag name="KSO_WM_UNIT_INDEX" val="1"/>
+  <p:tag name="KSO_WM_UNIT_ID" val="custom20205176_1*a*1"/>
+  <p:tag name="KSO_WM_TEMPLATE_CATEGORY" val="custom"/>
+  <p:tag name="KSO_WM_TEMPLATE_INDEX" val="20205176"/>
+  <p:tag name="KSO_WM_UNIT_LAYERLEVEL" val="1"/>
+  <p:tag name="KSO_WM_TAG_VERSION" val="1.0"/>
+  <p:tag name="KSO_WM_BEAUTIFY_FLAG" val="#wm#"/>
+</p:tagLst>
+</file>
+
+<file path=ppt/tags/tag212.xml><?xml version="1.0" encoding="utf-8"?>
+<p:tagLst xmlns:p="http://schemas.openxmlformats.org/presentationml/2006/main">
+  <p:tag name="KSO_WM_SLIDE_ID" val="custom20205176_1"/>
+  <p:tag name="KSO_WM_TEMPLATE_SUBCATEGORY" val="19"/>
+  <p:tag name="KSO_WM_TEMPLATE_MASTER_TYPE" val="0"/>
+  <p:tag name="KSO_WM_TEMPLATE_COLOR_TYPE" val="1"/>
+  <p:tag name="KSO_WM_SLIDE_TYPE" val="title"/>
+  <p:tag name="KSO_WM_SLIDE_SUBTYPE" val="defaultBlank"/>
+  <p:tag name="KSO_WM_SLIDE_ITEM_CNT" val="0"/>
+  <p:tag name="KSO_WM_SLIDE_INDEX" val="1"/>
+  <p:tag name="KSO_WM_TAG_VERSION" val="1.0"/>
+  <p:tag name="KSO_WM_BEAUTIFY_FLAG" val="#wm#"/>
+  <p:tag name="KSO_WM_TEMPLATE_CATEGORY" val="custom"/>
+  <p:tag name="KSO_WM_TEMPLATE_INDEX" val="20205176"/>
+  <p:tag name="KSO_WM_SLIDE_LAYOUT" val="a_b"/>
+  <p:tag name="KSO_WM_SLIDE_LAYOUT_CNT" val="1_1"/>
+  <p:tag name="KSO_WM_UNIT_SHOW_EDIT_AREA_INDICATION" val="1"/>
+  <p:tag name="KSO_WM_TEMPLATE_THUMBS_INDEX" val="1、4、7、12、13、14、15、16、17、18、20、24、25、28、33、36、40、43、44"/>
+</p:tagLst>
+</file>
+
+<file path=ppt/tags/tag213.xml><?xml version="1.0" encoding="utf-8"?>
+<p:tagLst xmlns:p="http://schemas.openxmlformats.org/presentationml/2006/main">
   <p:tag name="KSO_WM_UNIT_HIGHLIGHT" val="0"/>
   <p:tag name="KSO_WM_UNIT_COMPATIBLE" val="0"/>
   <p:tag name="KSO_WM_UNIT_DIAGRAM_ISNUMVISUAL" val="0"/>
@@ -19389,7 +24637,7 @@
 </p:tagLst>
 </file>
 
-<file path=ppt/tags/tag204.xml><?xml version="1.0" encoding="utf-8"?>
+<file path=ppt/tags/tag214.xml><?xml version="1.0" encoding="utf-8"?>
 <p:tagLst xmlns:p="http://schemas.openxmlformats.org/presentationml/2006/main">
   <p:tag name="KSO_WM_UNIT_HIGHLIGHT" val="0"/>
   <p:tag name="KSO_WM_UNIT_COMPATIBLE" val="0"/>
@@ -19406,7 +24654,7 @@
 </p:tagLst>
 </file>
 
-<file path=ppt/tags/tag205.xml><?xml version="1.0" encoding="utf-8"?>
+<file path=ppt/tags/tag215.xml><?xml version="1.0" encoding="utf-8"?>
 <p:tagLst xmlns:p="http://schemas.openxmlformats.org/presentationml/2006/main">
   <p:tag name="KSO_WM_SLIDE_ID" val="custom20218641_23"/>
   <p:tag name="KSO_WM_TEMPLATE_SUBCATEGORY" val="0"/>
@@ -19422,19 +24670,6 @@
   <p:tag name="KSO_WM_SLIDE_SUBTYPE" val="picTxt"/>
   <p:tag name="KSO_WM_SLIDE_LAYOUT" val="a"/>
   <p:tag name="KSO_WM_SLIDE_LAYOUT_CNT" val="1"/>
-</p:tagLst>
-</file>
-
-<file path=ppt/tags/tag21.xml><?xml version="1.0" encoding="utf-8"?>
-<p:tagLst xmlns:p="http://schemas.openxmlformats.org/presentationml/2006/main">
-  <p:tag name="KSO_WM_UNIT_HIGHLIGHT" val="0"/>
-  <p:tag name="KSO_WM_UNIT_COMPATIBLE" val="0"/>
-  <p:tag name="KSO_WM_UNIT_DIAGRAM_ISNUMVISUAL" val="0"/>
-  <p:tag name="KSO_WM_UNIT_DIAGRAM_ISREFERUNIT" val="0"/>
-  <p:tag name="KSO_WM_UNIT_ID" val="_4**"/>
-  <p:tag name="KSO_WM_UNIT_LAYERLEVEL" val="1"/>
-  <p:tag name="KSO_WM_TAG_VERSION" val="1.0"/>
-  <p:tag name="KSO_WM_BEAUTIFY_FLAG" val="#wm#"/>
 </p:tagLst>
 </file>
 
@@ -20944,4 +26179,522 @@
     </a:ext>
   </a:extLst>
 </a:theme>
+</file>
+
+<file path=ppt/theme/theme3.xml><?xml version="1.0" encoding="utf-8"?>
+<a:theme xmlns:a="http://schemas.openxmlformats.org/drawingml/2006/main" name="Office 主题">
+  <a:themeElements>
+    <a:clrScheme name="Office">
+      <a:dk1>
+        <a:sysClr val="windowText" lastClr="000000"/>
+      </a:dk1>
+      <a:lt1>
+        <a:sysClr val="window" lastClr="FFFFFF"/>
+      </a:lt1>
+      <a:dk2>
+        <a:srgbClr val="44546A"/>
+      </a:dk2>
+      <a:lt2>
+        <a:srgbClr val="E7E6E6"/>
+      </a:lt2>
+      <a:accent1>
+        <a:srgbClr val="5B9BD5"/>
+      </a:accent1>
+      <a:accent2>
+        <a:srgbClr val="ED7D31"/>
+      </a:accent2>
+      <a:accent3>
+        <a:srgbClr val="A5A5A5"/>
+      </a:accent3>
+      <a:accent4>
+        <a:srgbClr val="FFC000"/>
+      </a:accent4>
+      <a:accent5>
+        <a:srgbClr val="4472C4"/>
+      </a:accent5>
+      <a:accent6>
+        <a:srgbClr val="70AD47"/>
+      </a:accent6>
+      <a:hlink>
+        <a:srgbClr val="0563C1"/>
+      </a:hlink>
+      <a:folHlink>
+        <a:srgbClr val="954F72"/>
+      </a:folHlink>
+    </a:clrScheme>
+    <a:fontScheme name="Office">
+      <a:majorFont>
+        <a:latin typeface="Calibri Light"/>
+        <a:ea typeface=""/>
+        <a:cs typeface=""/>
+        <a:font script="Jpan" typeface="ＭＳ Ｐゴシック"/>
+        <a:font script="Hang" typeface="맑은 고딕"/>
+        <a:font script="Hans" typeface="宋体"/>
+        <a:font script="Hant" typeface="新細明體"/>
+        <a:font script="Arab" typeface="Times New Roman"/>
+        <a:font script="Hebr" typeface="Times New Roman"/>
+        <a:font script="Thai" typeface="Angsana New"/>
+        <a:font script="Ethi" typeface="Nyala"/>
+        <a:font script="Beng" typeface="Vrinda"/>
+        <a:font script="Gujr" typeface="Shruti"/>
+        <a:font script="Khmr" typeface="MoolBoran"/>
+        <a:font script="Knda" typeface="Tunga"/>
+        <a:font script="Guru" typeface="Raavi"/>
+        <a:font script="Cans" typeface="Euphemia"/>
+        <a:font script="Cher" typeface="Plantagenet Cherokee"/>
+        <a:font script="Yiii" typeface="Microsoft Yi Baiti"/>
+        <a:font script="Tibt" typeface="Microsoft Himalaya"/>
+        <a:font script="Thaa" typeface="MV Boli"/>
+        <a:font script="Deva" typeface="Mangal"/>
+        <a:font script="Telu" typeface="Gautami"/>
+        <a:font script="Taml" typeface="Latha"/>
+        <a:font script="Syrc" typeface="Estrangelo Edessa"/>
+        <a:font script="Orya" typeface="Kalinga"/>
+        <a:font script="Mlym" typeface="Kartika"/>
+        <a:font script="Laoo" typeface="DokChampa"/>
+        <a:font script="Sinh" typeface="Iskoola Pota"/>
+        <a:font script="Mong" typeface="Mongolian Baiti"/>
+        <a:font script="Viet" typeface="Times New Roman"/>
+        <a:font script="Uigh" typeface="Microsoft Uighur"/>
+        <a:font script="Geor" typeface="Sylfaen"/>
+      </a:majorFont>
+      <a:minorFont>
+        <a:latin typeface="Calibri"/>
+        <a:ea typeface=""/>
+        <a:cs typeface=""/>
+        <a:font script="Jpan" typeface="ＭＳ Ｐゴシック"/>
+        <a:font script="Hang" typeface="맑은 고딕"/>
+        <a:font script="Hans" typeface="宋体"/>
+        <a:font script="Hant" typeface="新細明體"/>
+        <a:font script="Arab" typeface="Arial"/>
+        <a:font script="Hebr" typeface="Arial"/>
+        <a:font script="Thai" typeface="Cordia New"/>
+        <a:font script="Ethi" typeface="Nyala"/>
+        <a:font script="Beng" typeface="Vrinda"/>
+        <a:font script="Gujr" typeface="Shruti"/>
+        <a:font script="Khmr" typeface="DaunPenh"/>
+        <a:font script="Knda" typeface="Tunga"/>
+        <a:font script="Guru" typeface="Raavi"/>
+        <a:font script="Cans" typeface="Euphemia"/>
+        <a:font script="Cher" typeface="Plantagenet Cherokee"/>
+        <a:font script="Yiii" typeface="Microsoft Yi Baiti"/>
+        <a:font script="Tibt" typeface="Microsoft Himalaya"/>
+        <a:font script="Thaa" typeface="MV Boli"/>
+        <a:font script="Deva" typeface="Mangal"/>
+        <a:font script="Telu" typeface="Gautami"/>
+        <a:font script="Taml" typeface="Latha"/>
+        <a:font script="Syrc" typeface="Estrangelo Edessa"/>
+        <a:font script="Orya" typeface="Kalinga"/>
+        <a:font script="Mlym" typeface="Kartika"/>
+        <a:font script="Laoo" typeface="DokChampa"/>
+        <a:font script="Sinh" typeface="Iskoola Pota"/>
+        <a:font script="Mong" typeface="Mongolian Baiti"/>
+        <a:font script="Viet" typeface="Arial"/>
+        <a:font script="Uigh" typeface="Microsoft Uighur"/>
+        <a:font script="Geor" typeface="Sylfaen"/>
+      </a:minorFont>
+    </a:fontScheme>
+    <a:fmtScheme name="Office">
+      <a:fillStyleLst>
+        <a:solidFill>
+          <a:schemeClr val="phClr"/>
+        </a:solidFill>
+        <a:gradFill rotWithShape="1">
+          <a:gsLst>
+            <a:gs pos="0">
+              <a:schemeClr val="phClr">
+                <a:lumMod val="110000"/>
+                <a:satMod val="105000"/>
+                <a:tint val="67000"/>
+              </a:schemeClr>
+            </a:gs>
+            <a:gs pos="50000">
+              <a:schemeClr val="phClr">
+                <a:lumMod val="105000"/>
+                <a:satMod val="103000"/>
+                <a:tint val="73000"/>
+              </a:schemeClr>
+            </a:gs>
+            <a:gs pos="100000">
+              <a:schemeClr val="phClr">
+                <a:lumMod val="105000"/>
+                <a:satMod val="109000"/>
+                <a:tint val="81000"/>
+              </a:schemeClr>
+            </a:gs>
+          </a:gsLst>
+          <a:lin ang="5400000" scaled="0"/>
+        </a:gradFill>
+        <a:gradFill rotWithShape="1">
+          <a:gsLst>
+            <a:gs pos="0">
+              <a:schemeClr val="phClr">
+                <a:satMod val="103000"/>
+                <a:lumMod val="102000"/>
+                <a:tint val="94000"/>
+              </a:schemeClr>
+            </a:gs>
+            <a:gs pos="50000">
+              <a:schemeClr val="phClr">
+                <a:satMod val="110000"/>
+                <a:lumMod val="100000"/>
+                <a:shade val="100000"/>
+              </a:schemeClr>
+            </a:gs>
+            <a:gs pos="100000">
+              <a:schemeClr val="phClr">
+                <a:lumMod val="99000"/>
+                <a:satMod val="120000"/>
+                <a:shade val="78000"/>
+              </a:schemeClr>
+            </a:gs>
+          </a:gsLst>
+          <a:lin ang="5400000" scaled="0"/>
+        </a:gradFill>
+      </a:fillStyleLst>
+      <a:lnStyleLst>
+        <a:ln w="6350" cap="flat" cmpd="sng" algn="ctr">
+          <a:solidFill>
+            <a:schemeClr val="phClr"/>
+          </a:solidFill>
+          <a:prstDash val="solid"/>
+          <a:miter lim="800000"/>
+        </a:ln>
+        <a:ln w="12700" cap="flat" cmpd="sng" algn="ctr">
+          <a:solidFill>
+            <a:schemeClr val="phClr"/>
+          </a:solidFill>
+          <a:prstDash val="solid"/>
+          <a:miter lim="800000"/>
+        </a:ln>
+        <a:ln w="19050" cap="flat" cmpd="sng" algn="ctr">
+          <a:solidFill>
+            <a:schemeClr val="phClr"/>
+          </a:solidFill>
+          <a:prstDash val="solid"/>
+          <a:miter lim="800000"/>
+        </a:ln>
+      </a:lnStyleLst>
+      <a:effectStyleLst>
+        <a:effectStyle>
+          <a:effectLst/>
+        </a:effectStyle>
+        <a:effectStyle>
+          <a:effectLst/>
+        </a:effectStyle>
+        <a:effectStyle>
+          <a:effectLst>
+            <a:outerShdw blurRad="57150" dist="19050" dir="5400000" algn="ctr" rotWithShape="0">
+              <a:srgbClr val="000000">
+                <a:alpha val="63000"/>
+              </a:srgbClr>
+            </a:outerShdw>
+          </a:effectLst>
+        </a:effectStyle>
+      </a:effectStyleLst>
+      <a:bgFillStyleLst>
+        <a:solidFill>
+          <a:schemeClr val="phClr"/>
+        </a:solidFill>
+        <a:solidFill>
+          <a:schemeClr val="phClr">
+            <a:tint val="95000"/>
+            <a:satMod val="170000"/>
+          </a:schemeClr>
+        </a:solidFill>
+        <a:gradFill rotWithShape="1">
+          <a:gsLst>
+            <a:gs pos="0">
+              <a:schemeClr val="phClr">
+                <a:tint val="93000"/>
+                <a:satMod val="150000"/>
+                <a:shade val="98000"/>
+                <a:lumMod val="102000"/>
+              </a:schemeClr>
+            </a:gs>
+            <a:gs pos="50000">
+              <a:schemeClr val="phClr">
+                <a:tint val="98000"/>
+                <a:satMod val="130000"/>
+                <a:shade val="90000"/>
+                <a:lumMod val="103000"/>
+              </a:schemeClr>
+            </a:gs>
+            <a:gs pos="100000">
+              <a:schemeClr val="phClr">
+                <a:shade val="63000"/>
+                <a:satMod val="120000"/>
+              </a:schemeClr>
+            </a:gs>
+          </a:gsLst>
+          <a:lin ang="5400000" scaled="0"/>
+        </a:gradFill>
+      </a:bgFillStyleLst>
+    </a:fmtScheme>
+  </a:themeElements>
+  <a:extLst>
+    <a:ext uri="{05A4C25C-085E-4340-85A3-A5531E510DB2}">
+      <thm15:themeFamily xmlns:thm15="http://schemas.microsoft.com/office/thememl/2012/main" name="Office Theme" id="{62F939B6-93AF-4DB8-9C6B-D6C7DFDC589F}" vid="{4A3C46E8-61CC-4603-A589-7422A47A8E4A}"/>
+    </a:ext>
+  </a:extLst>
+</a:theme>
+</file>
+
+<file path=ppt/theme/theme4.xml><?xml version="1.0" encoding="utf-8"?>
+<a:theme xmlns:a="http://schemas.openxmlformats.org/drawingml/2006/main" name="Office 主题">
+  <a:themeElements>
+    <a:clrScheme name="Office">
+      <a:dk1>
+        <a:sysClr val="windowText" lastClr="000000"/>
+      </a:dk1>
+      <a:lt1>
+        <a:sysClr val="window" lastClr="FFFFFF"/>
+      </a:lt1>
+      <a:dk2>
+        <a:srgbClr val="44546A"/>
+      </a:dk2>
+      <a:lt2>
+        <a:srgbClr val="E7E6E6"/>
+      </a:lt2>
+      <a:accent1>
+        <a:srgbClr val="5B9BD5"/>
+      </a:accent1>
+      <a:accent2>
+        <a:srgbClr val="ED7D31"/>
+      </a:accent2>
+      <a:accent3>
+        <a:srgbClr val="A5A5A5"/>
+      </a:accent3>
+      <a:accent4>
+        <a:srgbClr val="FFC000"/>
+      </a:accent4>
+      <a:accent5>
+        <a:srgbClr val="4472C4"/>
+      </a:accent5>
+      <a:accent6>
+        <a:srgbClr val="70AD47"/>
+      </a:accent6>
+      <a:hlink>
+        <a:srgbClr val="0563C1"/>
+      </a:hlink>
+      <a:folHlink>
+        <a:srgbClr val="954F72"/>
+      </a:folHlink>
+    </a:clrScheme>
+    <a:fontScheme name="Office">
+      <a:majorFont>
+        <a:latin typeface="Calibri Light"/>
+        <a:ea typeface=""/>
+        <a:cs typeface=""/>
+        <a:font script="Jpan" typeface="ＭＳ Ｐゴシック"/>
+        <a:font script="Hang" typeface="맑은 고딕"/>
+        <a:font script="Hans" typeface="宋体"/>
+        <a:font script="Hant" typeface="新細明體"/>
+        <a:font script="Arab" typeface="Times New Roman"/>
+        <a:font script="Hebr" typeface="Times New Roman"/>
+        <a:font script="Thai" typeface="Angsana New"/>
+        <a:font script="Ethi" typeface="Nyala"/>
+        <a:font script="Beng" typeface="Vrinda"/>
+        <a:font script="Gujr" typeface="Shruti"/>
+        <a:font script="Khmr" typeface="MoolBoran"/>
+        <a:font script="Knda" typeface="Tunga"/>
+        <a:font script="Guru" typeface="Raavi"/>
+        <a:font script="Cans" typeface="Euphemia"/>
+        <a:font script="Cher" typeface="Plantagenet Cherokee"/>
+        <a:font script="Yiii" typeface="Microsoft Yi Baiti"/>
+        <a:font script="Tibt" typeface="Microsoft Himalaya"/>
+        <a:font script="Thaa" typeface="MV Boli"/>
+        <a:font script="Deva" typeface="Mangal"/>
+        <a:font script="Telu" typeface="Gautami"/>
+        <a:font script="Taml" typeface="Latha"/>
+        <a:font script="Syrc" typeface="Estrangelo Edessa"/>
+        <a:font script="Orya" typeface="Kalinga"/>
+        <a:font script="Mlym" typeface="Kartika"/>
+        <a:font script="Laoo" typeface="DokChampa"/>
+        <a:font script="Sinh" typeface="Iskoola Pota"/>
+        <a:font script="Mong" typeface="Mongolian Baiti"/>
+        <a:font script="Viet" typeface="Times New Roman"/>
+        <a:font script="Uigh" typeface="Microsoft Uighur"/>
+        <a:font script="Geor" typeface="Sylfaen"/>
+      </a:majorFont>
+      <a:minorFont>
+        <a:latin typeface="Calibri"/>
+        <a:ea typeface=""/>
+        <a:cs typeface=""/>
+        <a:font script="Jpan" typeface="ＭＳ Ｐゴシック"/>
+        <a:font script="Hang" typeface="맑은 고딕"/>
+        <a:font script="Hans" typeface="宋体"/>
+        <a:font script="Hant" typeface="新細明體"/>
+        <a:font script="Arab" typeface="Arial"/>
+        <a:font script="Hebr" typeface="Arial"/>
+        <a:font script="Thai" typeface="Cordia New"/>
+        <a:font script="Ethi" typeface="Nyala"/>
+        <a:font script="Beng" typeface="Vrinda"/>
+        <a:font script="Gujr" typeface="Shruti"/>
+        <a:font script="Khmr" typeface="DaunPenh"/>
+        <a:font script="Knda" typeface="Tunga"/>
+        <a:font script="Guru" typeface="Raavi"/>
+        <a:font script="Cans" typeface="Euphemia"/>
+        <a:font script="Cher" typeface="Plantagenet Cherokee"/>
+        <a:font script="Yiii" typeface="Microsoft Yi Baiti"/>
+        <a:font script="Tibt" typeface="Microsoft Himalaya"/>
+        <a:font script="Thaa" typeface="MV Boli"/>
+        <a:font script="Deva" typeface="Mangal"/>
+        <a:font script="Telu" typeface="Gautami"/>
+        <a:font script="Taml" typeface="Latha"/>
+        <a:font script="Syrc" typeface="Estrangelo Edessa"/>
+        <a:font script="Orya" typeface="Kalinga"/>
+        <a:font script="Mlym" typeface="Kartika"/>
+        <a:font script="Laoo" typeface="DokChampa"/>
+        <a:font script="Sinh" typeface="Iskoola Pota"/>
+        <a:font script="Mong" typeface="Mongolian Baiti"/>
+        <a:font script="Viet" typeface="Arial"/>
+        <a:font script="Uigh" typeface="Microsoft Uighur"/>
+        <a:font script="Geor" typeface="Sylfaen"/>
+      </a:minorFont>
+    </a:fontScheme>
+    <a:fmtScheme name="Office">
+      <a:fillStyleLst>
+        <a:solidFill>
+          <a:schemeClr val="phClr"/>
+        </a:solidFill>
+        <a:gradFill rotWithShape="1">
+          <a:gsLst>
+            <a:gs pos="0">
+              <a:schemeClr val="phClr">
+                <a:lumMod val="110000"/>
+                <a:satMod val="105000"/>
+                <a:tint val="67000"/>
+              </a:schemeClr>
+            </a:gs>
+            <a:gs pos="50000">
+              <a:schemeClr val="phClr">
+                <a:lumMod val="105000"/>
+                <a:satMod val="103000"/>
+                <a:tint val="73000"/>
+              </a:schemeClr>
+            </a:gs>
+            <a:gs pos="100000">
+              <a:schemeClr val="phClr">
+                <a:lumMod val="105000"/>
+                <a:satMod val="109000"/>
+                <a:tint val="81000"/>
+              </a:schemeClr>
+            </a:gs>
+          </a:gsLst>
+          <a:lin ang="5400000" scaled="0"/>
+        </a:gradFill>
+        <a:gradFill rotWithShape="1">
+          <a:gsLst>
+            <a:gs pos="0">
+              <a:schemeClr val="phClr">
+                <a:satMod val="103000"/>
+                <a:lumMod val="102000"/>
+                <a:tint val="94000"/>
+              </a:schemeClr>
+            </a:gs>
+            <a:gs pos="50000">
+              <a:schemeClr val="phClr">
+                <a:satMod val="110000"/>
+                <a:lumMod val="100000"/>
+                <a:shade val="100000"/>
+              </a:schemeClr>
+            </a:gs>
+            <a:gs pos="100000">
+              <a:schemeClr val="phClr">
+                <a:lumMod val="99000"/>
+                <a:satMod val="120000"/>
+                <a:shade val="78000"/>
+              </a:schemeClr>
+            </a:gs>
+          </a:gsLst>
+          <a:lin ang="5400000" scaled="0"/>
+        </a:gradFill>
+      </a:fillStyleLst>
+      <a:lnStyleLst>
+        <a:ln w="6350" cap="flat" cmpd="sng" algn="ctr">
+          <a:solidFill>
+            <a:schemeClr val="phClr"/>
+          </a:solidFill>
+          <a:prstDash val="solid"/>
+          <a:miter lim="800000"/>
+        </a:ln>
+        <a:ln w="12700" cap="flat" cmpd="sng" algn="ctr">
+          <a:solidFill>
+            <a:schemeClr val="phClr"/>
+          </a:solidFill>
+          <a:prstDash val="solid"/>
+          <a:miter lim="800000"/>
+        </a:ln>
+        <a:ln w="19050" cap="flat" cmpd="sng" algn="ctr">
+          <a:solidFill>
+            <a:schemeClr val="phClr"/>
+          </a:solidFill>
+          <a:prstDash val="solid"/>
+          <a:miter lim="800000"/>
+        </a:ln>
+      </a:lnStyleLst>
+      <a:effectStyleLst>
+        <a:effectStyle>
+          <a:effectLst/>
+        </a:effectStyle>
+        <a:effectStyle>
+          <a:effectLst/>
+        </a:effectStyle>
+        <a:effectStyle>
+          <a:effectLst>
+            <a:outerShdw blurRad="57150" dist="19050" dir="5400000" algn="ctr" rotWithShape="0">
+              <a:srgbClr val="000000">
+                <a:alpha val="63000"/>
+              </a:srgbClr>
+            </a:outerShdw>
+          </a:effectLst>
+        </a:effectStyle>
+      </a:effectStyleLst>
+      <a:bgFillStyleLst>
+        <a:solidFill>
+          <a:schemeClr val="phClr"/>
+        </a:solidFill>
+        <a:solidFill>
+          <a:schemeClr val="phClr">
+            <a:tint val="95000"/>
+            <a:satMod val="170000"/>
+          </a:schemeClr>
+        </a:solidFill>
+        <a:gradFill rotWithShape="1">
+          <a:gsLst>
+            <a:gs pos="0">
+              <a:schemeClr val="phClr">
+                <a:tint val="93000"/>
+                <a:satMod val="150000"/>
+                <a:shade val="98000"/>
+                <a:lumMod val="102000"/>
+              </a:schemeClr>
+            </a:gs>
+            <a:gs pos="50000">
+              <a:schemeClr val="phClr">
+                <a:tint val="98000"/>
+                <a:satMod val="130000"/>
+                <a:shade val="90000"/>
+                <a:lumMod val="103000"/>
+              </a:schemeClr>
+            </a:gs>
+            <a:gs pos="100000">
+              <a:schemeClr val="phClr">
+                <a:shade val="63000"/>
+                <a:satMod val="120000"/>
+              </a:schemeClr>
+            </a:gs>
+          </a:gsLst>
+          <a:lin ang="5400000" scaled="0"/>
+        </a:gradFill>
+      </a:bgFillStyleLst>
+    </a:fmtScheme>
+  </a:themeElements>
+  <a:extLst>
+    <a:ext uri="{05A4C25C-085E-4340-85A3-A5531E510DB2}">
+      <thm15:themeFamily xmlns:thm15="http://schemas.microsoft.com/office/thememl/2012/main" name="Office Theme" id="{62F939B6-93AF-4DB8-9C6B-D6C7DFDC589F}" vid="{4A3C46E8-61CC-4603-A589-7422A47A8E4A}"/>
+    </a:ext>
+  </a:extLst>
+</a:theme>
 </file>